--- a/Letras en madera.pptx
+++ b/Letras en madera.pptx
@@ -2,7 +2,7 @@
 <file path=ppt/presentation.xml><?xml version="1.0" encoding="utf-8"?>
 <p:presentation xmlns:a="http://schemas.openxmlformats.org/drawingml/2006/main" xmlns:r="http://schemas.openxmlformats.org/officeDocument/2006/relationships" xmlns:p="http://schemas.openxmlformats.org/presentationml/2006/main" autoCompressPictures="0">
   <p:sldMasterIdLst>
-    <p:sldMasterId id="2147483840" r:id="rId1"/>
+    <p:sldMasterId id="2147483648" r:id="rId1"/>
   </p:sldMasterIdLst>
   <p:sldIdLst>
     <p:sldId id="256" r:id="rId2"/>
@@ -110,7 +110,7 @@
 </file>
 
 <file path=ppt/slideLayouts/slideLayout1.xml><?xml version="1.0" encoding="utf-8"?>
-<p:sldLayout xmlns:a="http://schemas.openxmlformats.org/drawingml/2006/main" xmlns:r="http://schemas.openxmlformats.org/officeDocument/2006/relationships" xmlns:p="http://schemas.openxmlformats.org/presentationml/2006/main" showMasterSp="0" type="title" preserve="1">
+<p:sldLayout xmlns:a="http://schemas.openxmlformats.org/drawingml/2006/main" xmlns:r="http://schemas.openxmlformats.org/officeDocument/2006/relationships" xmlns:p="http://schemas.openxmlformats.org/presentationml/2006/main" type="title" preserve="1">
   <p:cSld name="Diapositiva de título">
     <p:spTree>
       <p:nvGrpSpPr>
@@ -128,362 +128,142 @@
       </p:grpSpPr>
       <p:sp>
         <p:nvSpPr>
-          <p:cNvPr id="7" name="Rectangle 6"/>
-          <p:cNvSpPr/>
-          <p:nvPr/>
+          <p:cNvPr id="2" name="Title 1"/>
+          <p:cNvSpPr>
+            <a:spLocks noGrp="1"/>
+          </p:cNvSpPr>
+          <p:nvPr>
+            <p:ph type="ctrTitle"/>
+          </p:nvPr>
         </p:nvSpPr>
         <p:spPr>
           <a:xfrm>
-            <a:off x="920834" y="1346946"/>
-            <a:ext cx="10222992" cy="80683"/>
+            <a:off x="1154955" y="1447800"/>
+            <a:ext cx="8825658" cy="3329581"/>
           </a:xfrm>
-          <a:prstGeom prst="rect">
-            <a:avLst/>
-          </a:prstGeom>
-          <a:blipFill dpi="0" rotWithShape="1">
-            <a:blip r:embed="rId2">
-              <a:alphaModFix amt="85000"/>
-              <a:lum bright="70000" contrast="-70000"/>
-              <a:extLst>
-                <a:ext uri="{BEBA8EAE-BF5A-486C-A8C5-ECC9F3942E4B}">
-                  <a14:imgProps xmlns:a14="http://schemas.microsoft.com/office/drawing/2010/main">
-                    <a14:imgLayer r:embed="rId3">
-                      <a14:imgEffect>
-                        <a14:sharpenSoften amount="61000"/>
-                      </a14:imgEffect>
-                    </a14:imgLayer>
-                  </a14:imgProps>
-                </a:ext>
-                <a:ext uri="{28A0092B-C50C-407E-A947-70E740481C1C}">
-                  <a14:useLocalDpi xmlns:a14="http://schemas.microsoft.com/office/drawing/2010/main" val="0"/>
-                </a:ext>
-              </a:extLst>
-            </a:blip>
-            <a:srcRect/>
-            <a:tile tx="0" ty="-762000" sx="92000" sy="89000" flip="xy" algn="ctr"/>
-          </a:blipFill>
-          <a:ln>
-            <a:noFill/>
-          </a:ln>
         </p:spPr>
-        <p:style>
-          <a:lnRef idx="2">
-            <a:schemeClr val="accent1">
-              <a:shade val="50000"/>
-            </a:schemeClr>
-          </a:lnRef>
-          <a:fillRef idx="1">
-            <a:schemeClr val="accent1"/>
-          </a:fillRef>
-          <a:effectRef idx="0">
-            <a:schemeClr val="accent1"/>
-          </a:effectRef>
-          <a:fontRef idx="minor">
-            <a:schemeClr val="lt1"/>
-          </a:fontRef>
-        </p:style>
-      </p:sp>
-      <p:sp>
-        <p:nvSpPr>
-          <p:cNvPr id="8" name="Rectangle 7"/>
-          <p:cNvSpPr/>
-          <p:nvPr/>
+        <p:txBody>
+          <a:bodyPr anchor="b"/>
+          <a:lstStyle>
+            <a:lvl1pPr>
+              <a:defRPr sz="7200"/>
+            </a:lvl1pPr>
+          </a:lstStyle>
+          <a:p>
+            <a:r>
+              <a:rPr lang="es-ES"/>
+              <a:t>Haga clic para modificar el estilo de título del patrón</a:t>
+            </a:r>
+            <a:endParaRPr lang="en-US" dirty="0"/>
+          </a:p>
+        </p:txBody>
+      </p:sp>
+      <p:sp>
+        <p:nvSpPr>
+          <p:cNvPr id="3" name="Subtitle 2"/>
+          <p:cNvSpPr>
+            <a:spLocks noGrp="1"/>
+          </p:cNvSpPr>
+          <p:nvPr>
+            <p:ph type="subTitle" idx="1"/>
+          </p:nvPr>
         </p:nvSpPr>
         <p:spPr>
           <a:xfrm>
-            <a:off x="920834" y="4299696"/>
-            <a:ext cx="10222992" cy="80683"/>
-          </a:xfrm>
-          <a:prstGeom prst="rect">
-            <a:avLst/>
-          </a:prstGeom>
-          <a:blipFill dpi="0" rotWithShape="1">
-            <a:blip r:embed="rId2">
-              <a:alphaModFix amt="85000"/>
-              <a:lum bright="70000" contrast="-70000"/>
-              <a:extLst>
-                <a:ext uri="{BEBA8EAE-BF5A-486C-A8C5-ECC9F3942E4B}">
-                  <a14:imgProps xmlns:a14="http://schemas.microsoft.com/office/drawing/2010/main">
-                    <a14:imgLayer r:embed="rId3">
-                      <a14:imgEffect>
-                        <a14:sharpenSoften amount="61000"/>
-                      </a14:imgEffect>
-                    </a14:imgLayer>
-                  </a14:imgProps>
-                </a:ext>
-                <a:ext uri="{28A0092B-C50C-407E-A947-70E740481C1C}">
-                  <a14:useLocalDpi xmlns:a14="http://schemas.microsoft.com/office/drawing/2010/main" val="0"/>
-                </a:ext>
-              </a:extLst>
-            </a:blip>
-            <a:srcRect/>
-            <a:tile tx="0" ty="-717550" sx="92000" sy="89000" flip="xy" algn="ctr"/>
-          </a:blipFill>
-          <a:ln>
-            <a:noFill/>
-          </a:ln>
-        </p:spPr>
-        <p:style>
-          <a:lnRef idx="2">
-            <a:schemeClr val="accent1">
-              <a:shade val="50000"/>
-            </a:schemeClr>
-          </a:lnRef>
-          <a:fillRef idx="1">
-            <a:schemeClr val="accent1"/>
-          </a:fillRef>
-          <a:effectRef idx="0">
-            <a:schemeClr val="accent1"/>
-          </a:effectRef>
-          <a:fontRef idx="minor">
-            <a:schemeClr val="lt1"/>
-          </a:fontRef>
-        </p:style>
-      </p:sp>
-      <p:sp>
-        <p:nvSpPr>
-          <p:cNvPr id="9" name="Rectangle 8"/>
-          <p:cNvSpPr/>
-          <p:nvPr/>
-        </p:nvSpPr>
-        <p:spPr>
-          <a:xfrm>
-            <a:off x="920834" y="1484779"/>
-            <a:ext cx="10222992" cy="2743200"/>
-          </a:xfrm>
-          <a:prstGeom prst="rect">
-            <a:avLst/>
-          </a:prstGeom>
-          <a:blipFill dpi="0" rotWithShape="1">
-            <a:blip r:embed="rId2">
-              <a:alphaModFix amt="85000"/>
-              <a:lum bright="70000" contrast="-70000"/>
-              <a:extLst>
-                <a:ext uri="{BEBA8EAE-BF5A-486C-A8C5-ECC9F3942E4B}">
-                  <a14:imgProps xmlns:a14="http://schemas.microsoft.com/office/drawing/2010/main">
-                    <a14:imgLayer r:embed="rId3">
-                      <a14:imgEffect>
-                        <a14:sharpenSoften amount="61000"/>
-                      </a14:imgEffect>
-                    </a14:imgLayer>
-                  </a14:imgProps>
-                </a:ext>
-                <a:ext uri="{28A0092B-C50C-407E-A947-70E740481C1C}">
-                  <a14:useLocalDpi xmlns:a14="http://schemas.microsoft.com/office/drawing/2010/main" val="0"/>
-                </a:ext>
-              </a:extLst>
-            </a:blip>
-            <a:srcRect/>
-            <a:tile tx="0" ty="-704850" sx="92000" sy="89000" flip="xy" algn="ctr"/>
-          </a:blipFill>
-          <a:ln>
-            <a:noFill/>
-          </a:ln>
-        </p:spPr>
-        <p:style>
-          <a:lnRef idx="2">
-            <a:schemeClr val="accent1">
-              <a:shade val="50000"/>
-            </a:schemeClr>
-          </a:lnRef>
-          <a:fillRef idx="1">
-            <a:schemeClr val="accent1"/>
-          </a:fillRef>
-          <a:effectRef idx="0">
-            <a:schemeClr val="accent1"/>
-          </a:effectRef>
-          <a:fontRef idx="minor">
-            <a:schemeClr val="lt1"/>
-          </a:fontRef>
-        </p:style>
-      </p:sp>
-      <p:grpSp>
-        <p:nvGrpSpPr>
-          <p:cNvPr id="10" name="Group 9"/>
-          <p:cNvGrpSpPr/>
-          <p:nvPr/>
-        </p:nvGrpSpPr>
-        <p:grpSpPr>
-          <a:xfrm>
-            <a:off x="9649215" y="4068923"/>
-            <a:ext cx="1080904" cy="1080902"/>
-            <a:chOff x="9685338" y="4460675"/>
-            <a:chExt cx="1080904" cy="1080902"/>
-          </a:xfrm>
-        </p:grpSpPr>
-        <p:sp>
-          <p:nvSpPr>
-            <p:cNvPr id="11" name="Oval 10"/>
-            <p:cNvSpPr/>
-            <p:nvPr/>
-          </p:nvSpPr>
-          <p:spPr>
-            <a:xfrm>
-              <a:off x="9685338" y="4460675"/>
-              <a:ext cx="1080904" cy="1080902"/>
-            </a:xfrm>
-            <a:prstGeom prst="ellipse">
-              <a:avLst/>
-            </a:prstGeom>
-            <a:blipFill dpi="0" rotWithShape="1">
-              <a:blip r:embed="rId4">
-                <a:duotone>
-                  <a:schemeClr val="accent1">
-                    <a:shade val="45000"/>
-                    <a:satMod val="135000"/>
-                  </a:schemeClr>
-                  <a:prstClr val="white"/>
-                </a:duotone>
-                <a:extLst>
-                  <a:ext uri="{BEBA8EAE-BF5A-486C-A8C5-ECC9F3942E4B}">
-                    <a14:imgProps xmlns:a14="http://schemas.microsoft.com/office/drawing/2010/main">
-                      <a14:imgLayer r:embed="rId5">
-                        <a14:imgEffect>
-                          <a14:saturation sat="95000"/>
-                        </a14:imgEffect>
-                      </a14:imgLayer>
-                    </a14:imgProps>
-                  </a:ext>
-                </a:extLst>
-              </a:blip>
-              <a:srcRect/>
-              <a:tile tx="0" ty="0" sx="85000" sy="85000" flip="none" algn="tl"/>
-            </a:blipFill>
-            <a:ln w="25400" cap="flat" cmpd="sng" algn="ctr">
-              <a:noFill/>
-              <a:prstDash val="solid"/>
-            </a:ln>
-            <a:effectLst/>
-          </p:spPr>
-        </p:sp>
-        <p:sp>
-          <p:nvSpPr>
-            <p:cNvPr id="12" name="Oval 11"/>
-            <p:cNvSpPr/>
-            <p:nvPr/>
-          </p:nvSpPr>
-          <p:spPr>
-            <a:xfrm>
-              <a:off x="9793429" y="4568765"/>
-              <a:ext cx="864723" cy="864722"/>
-            </a:xfrm>
-            <a:prstGeom prst="ellipse">
-              <a:avLst/>
-            </a:prstGeom>
-            <a:noFill/>
-            <a:ln w="25400" cap="flat" cmpd="sng" algn="ctr">
-              <a:solidFill>
-                <a:sysClr val="window" lastClr="FFFFFF"/>
-              </a:solidFill>
-              <a:prstDash val="solid"/>
-            </a:ln>
-            <a:effectLst/>
-          </p:spPr>
-        </p:sp>
-      </p:grpSp>
-      <p:sp>
-        <p:nvSpPr>
-          <p:cNvPr id="2" name="Title 1"/>
-          <p:cNvSpPr>
-            <a:spLocks noGrp="1"/>
-          </p:cNvSpPr>
-          <p:nvPr>
-            <p:ph type="ctrTitle"/>
-          </p:nvPr>
-        </p:nvSpPr>
-        <p:spPr>
-          <a:xfrm>
-            <a:off x="1051560" y="1432223"/>
-            <a:ext cx="9966960" cy="3035808"/>
+            <a:off x="1154955" y="4777380"/>
+            <a:ext cx="8825658" cy="861420"/>
           </a:xfrm>
         </p:spPr>
         <p:txBody>
-          <a:bodyPr anchor="ctr">
-            <a:noAutofit/>
-          </a:bodyPr>
-          <a:lstStyle>
-            <a:lvl1pPr algn="l">
-              <a:lnSpc>
-                <a:spcPct val="80000"/>
-              </a:lnSpc>
-              <a:defRPr sz="9600" cap="all" baseline="0">
-                <a:blipFill dpi="0" rotWithShape="1">
-                  <a:blip r:embed="rId4"/>
-                  <a:srcRect/>
-                  <a:tile tx="6350" ty="-127000" sx="65000" sy="64000" flip="none" algn="tl"/>
-                </a:blipFill>
-              </a:defRPr>
-            </a:lvl1pPr>
-          </a:lstStyle>
-          <a:p>
-            <a:r>
-              <a:rPr lang="es-ES"/>
-              <a:t>Haga clic para modificar el estilo de título del patrón</a:t>
-            </a:r>
-            <a:endParaRPr lang="en-US" dirty="0"/>
-          </a:p>
-        </p:txBody>
-      </p:sp>
-      <p:sp>
-        <p:nvSpPr>
-          <p:cNvPr id="3" name="Subtitle 2"/>
-          <p:cNvSpPr>
-            <a:spLocks noGrp="1"/>
-          </p:cNvSpPr>
-          <p:nvPr>
-            <p:ph type="subTitle" idx="1"/>
-          </p:nvPr>
-        </p:nvSpPr>
-        <p:spPr>
-          <a:xfrm>
-            <a:off x="1069848" y="4389120"/>
-            <a:ext cx="7891272" cy="1069848"/>
-          </a:xfrm>
-        </p:spPr>
-        <p:txBody>
-          <a:bodyPr>
-            <a:normAutofit/>
-          </a:bodyPr>
+          <a:bodyPr anchor="t"/>
           <a:lstStyle>
             <a:lvl1pPr marL="0" indent="0" algn="l">
               <a:buNone/>
-              <a:defRPr sz="2200">
+              <a:defRPr cap="all">
                 <a:solidFill>
-                  <a:schemeClr val="tx1"/>
+                  <a:schemeClr val="accent1"/>
                 </a:solidFill>
               </a:defRPr>
             </a:lvl1pPr>
             <a:lvl2pPr marL="457200" indent="0" algn="ctr">
               <a:buNone/>
-              <a:defRPr sz="2200"/>
+              <a:defRPr>
+                <a:solidFill>
+                  <a:schemeClr val="tx1">
+                    <a:tint val="75000"/>
+                  </a:schemeClr>
+                </a:solidFill>
+              </a:defRPr>
             </a:lvl2pPr>
             <a:lvl3pPr marL="914400" indent="0" algn="ctr">
               <a:buNone/>
-              <a:defRPr sz="2200"/>
+              <a:defRPr>
+                <a:solidFill>
+                  <a:schemeClr val="tx1">
+                    <a:tint val="75000"/>
+                  </a:schemeClr>
+                </a:solidFill>
+              </a:defRPr>
             </a:lvl3pPr>
             <a:lvl4pPr marL="1371600" indent="0" algn="ctr">
               <a:buNone/>
-              <a:defRPr sz="2000"/>
+              <a:defRPr>
+                <a:solidFill>
+                  <a:schemeClr val="tx1">
+                    <a:tint val="75000"/>
+                  </a:schemeClr>
+                </a:solidFill>
+              </a:defRPr>
             </a:lvl4pPr>
             <a:lvl5pPr marL="1828800" indent="0" algn="ctr">
               <a:buNone/>
-              <a:defRPr sz="2000"/>
+              <a:defRPr>
+                <a:solidFill>
+                  <a:schemeClr val="tx1">
+                    <a:tint val="75000"/>
+                  </a:schemeClr>
+                </a:solidFill>
+              </a:defRPr>
             </a:lvl5pPr>
             <a:lvl6pPr marL="2286000" indent="0" algn="ctr">
               <a:buNone/>
-              <a:defRPr sz="2000"/>
+              <a:defRPr>
+                <a:solidFill>
+                  <a:schemeClr val="tx1">
+                    <a:tint val="75000"/>
+                  </a:schemeClr>
+                </a:solidFill>
+              </a:defRPr>
             </a:lvl6pPr>
             <a:lvl7pPr marL="2743200" indent="0" algn="ctr">
               <a:buNone/>
-              <a:defRPr sz="2000"/>
+              <a:defRPr>
+                <a:solidFill>
+                  <a:schemeClr val="tx1">
+                    <a:tint val="75000"/>
+                  </a:schemeClr>
+                </a:solidFill>
+              </a:defRPr>
             </a:lvl7pPr>
             <a:lvl8pPr marL="3200400" indent="0" algn="ctr">
               <a:buNone/>
-              <a:defRPr sz="2000"/>
+              <a:defRPr>
+                <a:solidFill>
+                  <a:schemeClr val="tx1">
+                    <a:tint val="75000"/>
+                  </a:schemeClr>
+                </a:solidFill>
+              </a:defRPr>
             </a:lvl8pPr>
             <a:lvl9pPr marL="3657600" indent="0" algn="ctr">
               <a:buNone/>
-              <a:defRPr sz="2000"/>
+              <a:defRPr>
+                <a:solidFill>
+                  <a:schemeClr val="tx1">
+                    <a:tint val="75000"/>
+                  </a:schemeClr>
+                </a:solidFill>
+              </a:defRPr>
             </a:lvl9pPr>
           </a:lstStyle>
           <a:p>
@@ -510,9 +290,9 @@
           <a:bodyPr/>
           <a:lstStyle/>
           <a:p>
-            <a:fld id="{83284890-85D2-4D7B-8EF5-15A9C1DB8F42}" type="datetimeFigureOut">
+            <a:fld id="{4AAD347D-5ACD-4C99-B74B-A9C85AD731AF}" type="datetimeFigureOut">
               <a:rPr lang="en-US" dirty="0"/>
-              <a:t>7/28/2020</a:t>
+              <a:t>8/4/2020</a:t>
             </a:fld>
             <a:endParaRPr lang="en-US" dirty="0"/>
           </a:p>
@@ -547,23 +327,13 @@
             <p:ph type="sldNum" sz="quarter" idx="12"/>
           </p:nvPr>
         </p:nvSpPr>
-        <p:spPr>
-          <a:xfrm>
-            <a:off x="9592733" y="4289334"/>
-            <a:ext cx="1193868" cy="640080"/>
-          </a:xfrm>
-        </p:spPr>
-        <p:txBody>
-          <a:bodyPr/>
-          <a:lstStyle>
-            <a:lvl1pPr>
-              <a:defRPr sz="2800"/>
-            </a:lvl1pPr>
-          </a:lstStyle>
-          <a:p>
-            <a:fld id="{4FAB73BC-B049-4115-A692-8D63A059BFB8}" type="slidenum">
+        <p:spPr/>
+        <p:txBody>
+          <a:bodyPr/>
+          <a:lstStyle/>
+          <a:p>
+            <a:fld id="{D57F1E4F-1CFF-5643-939E-02111984F565}" type="slidenum">
               <a:rPr lang="en-US" dirty="0"/>
-              <a:pPr/>
               <a:t>‹Nº›</a:t>
             </a:fld>
             <a:endParaRPr lang="en-US" dirty="0"/>
@@ -579,6 +349,2502 @@
 </file>
 
 <file path=ppt/slideLayouts/slideLayout10.xml><?xml version="1.0" encoding="utf-8"?>
+<p:sldLayout xmlns:a="http://schemas.openxmlformats.org/drawingml/2006/main" xmlns:r="http://schemas.openxmlformats.org/officeDocument/2006/relationships" xmlns:p="http://schemas.openxmlformats.org/presentationml/2006/main" preserve="1">
+  <p:cSld name="Imagen panorámica con descripción">
+    <p:spTree>
+      <p:nvGrpSpPr>
+        <p:cNvPr id="1" name=""/>
+        <p:cNvGrpSpPr/>
+        <p:nvPr/>
+      </p:nvGrpSpPr>
+      <p:grpSpPr>
+        <a:xfrm>
+          <a:off x="0" y="0"/>
+          <a:ext cx="0" cy="0"/>
+          <a:chOff x="0" y="0"/>
+          <a:chExt cx="0" cy="0"/>
+        </a:xfrm>
+      </p:grpSpPr>
+      <p:sp>
+        <p:nvSpPr>
+          <p:cNvPr id="2" name="Title 1"/>
+          <p:cNvSpPr>
+            <a:spLocks noGrp="1"/>
+          </p:cNvSpPr>
+          <p:nvPr>
+            <p:ph type="title"/>
+          </p:nvPr>
+        </p:nvSpPr>
+        <p:spPr>
+          <a:xfrm>
+            <a:off x="1154956" y="4800587"/>
+            <a:ext cx="8825657" cy="566738"/>
+          </a:xfrm>
+        </p:spPr>
+        <p:txBody>
+          <a:bodyPr anchor="b">
+            <a:normAutofit/>
+          </a:bodyPr>
+          <a:lstStyle>
+            <a:lvl1pPr algn="l">
+              <a:defRPr sz="2400" b="0"/>
+            </a:lvl1pPr>
+          </a:lstStyle>
+          <a:p>
+            <a:r>
+              <a:rPr lang="es-ES"/>
+              <a:t>Haga clic para modificar el estilo de título del patrón</a:t>
+            </a:r>
+            <a:endParaRPr lang="en-US" dirty="0"/>
+          </a:p>
+        </p:txBody>
+      </p:sp>
+      <p:sp>
+        <p:nvSpPr>
+          <p:cNvPr id="3" name="Picture Placeholder 2"/>
+          <p:cNvSpPr>
+            <a:spLocks noGrp="1" noChangeAspect="1"/>
+          </p:cNvSpPr>
+          <p:nvPr>
+            <p:ph type="pic" idx="1"/>
+          </p:nvPr>
+        </p:nvSpPr>
+        <p:spPr>
+          <a:xfrm>
+            <a:off x="1154955" y="685800"/>
+            <a:ext cx="8825658" cy="3640666"/>
+          </a:xfrm>
+          <a:prstGeom prst="roundRect">
+            <a:avLst>
+              <a:gd name="adj" fmla="val 1858"/>
+            </a:avLst>
+          </a:prstGeom>
+          <a:effectLst>
+            <a:outerShdw blurRad="50800" dist="50800" dir="5400000" algn="tl" rotWithShape="0">
+              <a:srgbClr val="000000">
+                <a:alpha val="43000"/>
+              </a:srgbClr>
+            </a:outerShdw>
+          </a:effectLst>
+        </p:spPr>
+        <p:txBody>
+          <a:bodyPr anchor="t">
+            <a:normAutofit/>
+          </a:bodyPr>
+          <a:lstStyle>
+            <a:lvl1pPr marL="0" indent="0" algn="ctr">
+              <a:buNone/>
+              <a:defRPr sz="1600"/>
+            </a:lvl1pPr>
+            <a:lvl2pPr marL="457200" indent="0">
+              <a:buNone/>
+              <a:defRPr sz="1600"/>
+            </a:lvl2pPr>
+            <a:lvl3pPr marL="914400" indent="0">
+              <a:buNone/>
+              <a:defRPr sz="1600"/>
+            </a:lvl3pPr>
+            <a:lvl4pPr marL="1371600" indent="0">
+              <a:buNone/>
+              <a:defRPr sz="1600"/>
+            </a:lvl4pPr>
+            <a:lvl5pPr marL="1828800" indent="0">
+              <a:buNone/>
+              <a:defRPr sz="1600"/>
+            </a:lvl5pPr>
+            <a:lvl6pPr marL="2286000" indent="0">
+              <a:buNone/>
+              <a:defRPr sz="1600"/>
+            </a:lvl6pPr>
+            <a:lvl7pPr marL="2743200" indent="0">
+              <a:buNone/>
+              <a:defRPr sz="1600"/>
+            </a:lvl7pPr>
+            <a:lvl8pPr marL="3200400" indent="0">
+              <a:buNone/>
+              <a:defRPr sz="1600"/>
+            </a:lvl8pPr>
+            <a:lvl9pPr marL="3657600" indent="0">
+              <a:buNone/>
+              <a:defRPr sz="1600"/>
+            </a:lvl9pPr>
+          </a:lstStyle>
+          <a:p>
+            <a:r>
+              <a:rPr lang="es-ES"/>
+              <a:t>Haga clic en el icono para agregar una imagen</a:t>
+            </a:r>
+            <a:endParaRPr lang="en-US" dirty="0"/>
+          </a:p>
+        </p:txBody>
+      </p:sp>
+      <p:sp>
+        <p:nvSpPr>
+          <p:cNvPr id="4" name="Text Placeholder 3"/>
+          <p:cNvSpPr>
+            <a:spLocks noGrp="1"/>
+          </p:cNvSpPr>
+          <p:nvPr>
+            <p:ph type="body" sz="half" idx="2"/>
+          </p:nvPr>
+        </p:nvSpPr>
+        <p:spPr>
+          <a:xfrm>
+            <a:off x="1154956" y="5367325"/>
+            <a:ext cx="8825656" cy="493712"/>
+          </a:xfrm>
+        </p:spPr>
+        <p:txBody>
+          <a:bodyPr>
+            <a:normAutofit/>
+          </a:bodyPr>
+          <a:lstStyle>
+            <a:lvl1pPr marL="0" indent="0">
+              <a:buNone/>
+              <a:defRPr sz="1200"/>
+            </a:lvl1pPr>
+            <a:lvl2pPr marL="457200" indent="0">
+              <a:buNone/>
+              <a:defRPr sz="1200"/>
+            </a:lvl2pPr>
+            <a:lvl3pPr marL="914400" indent="0">
+              <a:buNone/>
+              <a:defRPr sz="1000"/>
+            </a:lvl3pPr>
+            <a:lvl4pPr marL="1371600" indent="0">
+              <a:buNone/>
+              <a:defRPr sz="900"/>
+            </a:lvl4pPr>
+            <a:lvl5pPr marL="1828800" indent="0">
+              <a:buNone/>
+              <a:defRPr sz="900"/>
+            </a:lvl5pPr>
+            <a:lvl6pPr marL="2286000" indent="0">
+              <a:buNone/>
+              <a:defRPr sz="900"/>
+            </a:lvl6pPr>
+            <a:lvl7pPr marL="2743200" indent="0">
+              <a:buNone/>
+              <a:defRPr sz="900"/>
+            </a:lvl7pPr>
+            <a:lvl8pPr marL="3200400" indent="0">
+              <a:buNone/>
+              <a:defRPr sz="900"/>
+            </a:lvl8pPr>
+            <a:lvl9pPr marL="3657600" indent="0">
+              <a:buNone/>
+              <a:defRPr sz="900"/>
+            </a:lvl9pPr>
+          </a:lstStyle>
+          <a:p>
+            <a:pPr lvl="0"/>
+            <a:r>
+              <a:rPr lang="es-ES"/>
+              <a:t>Haga clic para modificar los estilos de texto del patrón</a:t>
+            </a:r>
+          </a:p>
+        </p:txBody>
+      </p:sp>
+      <p:sp>
+        <p:nvSpPr>
+          <p:cNvPr id="5" name="Date Placeholder 4"/>
+          <p:cNvSpPr>
+            <a:spLocks noGrp="1"/>
+          </p:cNvSpPr>
+          <p:nvPr>
+            <p:ph type="dt" sz="half" idx="10"/>
+          </p:nvPr>
+        </p:nvSpPr>
+        <p:spPr/>
+        <p:txBody>
+          <a:bodyPr/>
+          <a:lstStyle/>
+          <a:p>
+            <a:fld id="{4509A250-FF31-4206-8172-F9D3106AACB1}" type="datetimeFigureOut">
+              <a:rPr lang="en-US" dirty="0"/>
+              <a:t>8/4/2020</a:t>
+            </a:fld>
+            <a:endParaRPr lang="en-US" dirty="0"/>
+          </a:p>
+        </p:txBody>
+      </p:sp>
+      <p:sp>
+        <p:nvSpPr>
+          <p:cNvPr id="6" name="Footer Placeholder 5"/>
+          <p:cNvSpPr>
+            <a:spLocks noGrp="1"/>
+          </p:cNvSpPr>
+          <p:nvPr>
+            <p:ph type="ftr" sz="quarter" idx="11"/>
+          </p:nvPr>
+        </p:nvSpPr>
+        <p:spPr/>
+        <p:txBody>
+          <a:bodyPr/>
+          <a:lstStyle/>
+          <a:p>
+            <a:endParaRPr lang="en-US" dirty="0"/>
+          </a:p>
+        </p:txBody>
+      </p:sp>
+      <p:sp>
+        <p:nvSpPr>
+          <p:cNvPr id="7" name="Slide Number Placeholder 6"/>
+          <p:cNvSpPr>
+            <a:spLocks noGrp="1"/>
+          </p:cNvSpPr>
+          <p:nvPr>
+            <p:ph type="sldNum" sz="quarter" idx="12"/>
+          </p:nvPr>
+        </p:nvSpPr>
+        <p:spPr/>
+        <p:txBody>
+          <a:bodyPr/>
+          <a:lstStyle/>
+          <a:p>
+            <a:fld id="{D57F1E4F-1CFF-5643-939E-02111984F565}" type="slidenum">
+              <a:rPr lang="en-US" dirty="0"/>
+              <a:t>‹Nº›</a:t>
+            </a:fld>
+            <a:endParaRPr lang="en-US" dirty="0"/>
+          </a:p>
+        </p:txBody>
+      </p:sp>
+    </p:spTree>
+  </p:cSld>
+  <p:clrMapOvr>
+    <a:masterClrMapping/>
+  </p:clrMapOvr>
+</p:sldLayout>
+</file>
+
+<file path=ppt/slideLayouts/slideLayout11.xml><?xml version="1.0" encoding="utf-8"?>
+<p:sldLayout xmlns:a="http://schemas.openxmlformats.org/drawingml/2006/main" xmlns:r="http://schemas.openxmlformats.org/officeDocument/2006/relationships" xmlns:p="http://schemas.openxmlformats.org/presentationml/2006/main" preserve="1">
+  <p:cSld name="Título y descripción">
+    <p:spTree>
+      <p:nvGrpSpPr>
+        <p:cNvPr id="1" name=""/>
+        <p:cNvGrpSpPr/>
+        <p:nvPr/>
+      </p:nvGrpSpPr>
+      <p:grpSpPr>
+        <a:xfrm>
+          <a:off x="0" y="0"/>
+          <a:ext cx="0" cy="0"/>
+          <a:chOff x="0" y="0"/>
+          <a:chExt cx="0" cy="0"/>
+        </a:xfrm>
+      </p:grpSpPr>
+      <p:sp>
+        <p:nvSpPr>
+          <p:cNvPr id="2" name="Title 1"/>
+          <p:cNvSpPr>
+            <a:spLocks noGrp="1"/>
+          </p:cNvSpPr>
+          <p:nvPr>
+            <p:ph type="title"/>
+          </p:nvPr>
+        </p:nvSpPr>
+        <p:spPr>
+          <a:xfrm>
+            <a:off x="1154954" y="1447800"/>
+            <a:ext cx="8825659" cy="1981200"/>
+          </a:xfrm>
+        </p:spPr>
+        <p:txBody>
+          <a:bodyPr/>
+          <a:lstStyle>
+            <a:lvl1pPr>
+              <a:defRPr sz="4800"/>
+            </a:lvl1pPr>
+          </a:lstStyle>
+          <a:p>
+            <a:r>
+              <a:rPr lang="es-ES"/>
+              <a:t>Haga clic para modificar el estilo de título del patrón</a:t>
+            </a:r>
+            <a:endParaRPr lang="en-US" dirty="0"/>
+          </a:p>
+        </p:txBody>
+      </p:sp>
+      <p:sp>
+        <p:nvSpPr>
+          <p:cNvPr id="8" name="Text Placeholder 3"/>
+          <p:cNvSpPr>
+            <a:spLocks noGrp="1"/>
+          </p:cNvSpPr>
+          <p:nvPr>
+            <p:ph type="body" sz="half" idx="2"/>
+          </p:nvPr>
+        </p:nvSpPr>
+        <p:spPr>
+          <a:xfrm>
+            <a:off x="1154954" y="3657600"/>
+            <a:ext cx="8825659" cy="2362200"/>
+          </a:xfrm>
+        </p:spPr>
+        <p:txBody>
+          <a:bodyPr anchor="ctr">
+            <a:normAutofit/>
+          </a:bodyPr>
+          <a:lstStyle>
+            <a:lvl1pPr marL="0" indent="0">
+              <a:buNone/>
+              <a:defRPr sz="1800"/>
+            </a:lvl1pPr>
+            <a:lvl2pPr marL="457200" indent="0">
+              <a:buNone/>
+              <a:defRPr sz="1200"/>
+            </a:lvl2pPr>
+            <a:lvl3pPr marL="914400" indent="0">
+              <a:buNone/>
+              <a:defRPr sz="1000"/>
+            </a:lvl3pPr>
+            <a:lvl4pPr marL="1371600" indent="0">
+              <a:buNone/>
+              <a:defRPr sz="900"/>
+            </a:lvl4pPr>
+            <a:lvl5pPr marL="1828800" indent="0">
+              <a:buNone/>
+              <a:defRPr sz="900"/>
+            </a:lvl5pPr>
+            <a:lvl6pPr marL="2286000" indent="0">
+              <a:buNone/>
+              <a:defRPr sz="900"/>
+            </a:lvl6pPr>
+            <a:lvl7pPr marL="2743200" indent="0">
+              <a:buNone/>
+              <a:defRPr sz="900"/>
+            </a:lvl7pPr>
+            <a:lvl8pPr marL="3200400" indent="0">
+              <a:buNone/>
+              <a:defRPr sz="900"/>
+            </a:lvl8pPr>
+            <a:lvl9pPr marL="3657600" indent="0">
+              <a:buNone/>
+              <a:defRPr sz="900"/>
+            </a:lvl9pPr>
+          </a:lstStyle>
+          <a:p>
+            <a:pPr lvl="0"/>
+            <a:r>
+              <a:rPr lang="es-ES"/>
+              <a:t>Haga clic para modificar los estilos de texto del patrón</a:t>
+            </a:r>
+          </a:p>
+        </p:txBody>
+      </p:sp>
+      <p:sp>
+        <p:nvSpPr>
+          <p:cNvPr id="4" name="Date Placeholder 3"/>
+          <p:cNvSpPr>
+            <a:spLocks noGrp="1"/>
+          </p:cNvSpPr>
+          <p:nvPr>
+            <p:ph type="dt" sz="half" idx="10"/>
+          </p:nvPr>
+        </p:nvSpPr>
+        <p:spPr/>
+        <p:txBody>
+          <a:bodyPr/>
+          <a:lstStyle/>
+          <a:p>
+            <a:fld id="{4509A250-FF31-4206-8172-F9D3106AACB1}" type="datetimeFigureOut">
+              <a:rPr lang="en-US" dirty="0"/>
+              <a:t>8/4/2020</a:t>
+            </a:fld>
+            <a:endParaRPr lang="en-US" dirty="0"/>
+          </a:p>
+        </p:txBody>
+      </p:sp>
+      <p:sp>
+        <p:nvSpPr>
+          <p:cNvPr id="5" name="Footer Placeholder 4"/>
+          <p:cNvSpPr>
+            <a:spLocks noGrp="1"/>
+          </p:cNvSpPr>
+          <p:nvPr>
+            <p:ph type="ftr" sz="quarter" idx="11"/>
+          </p:nvPr>
+        </p:nvSpPr>
+        <p:spPr/>
+        <p:txBody>
+          <a:bodyPr/>
+          <a:lstStyle/>
+          <a:p>
+            <a:endParaRPr lang="en-US" dirty="0"/>
+          </a:p>
+        </p:txBody>
+      </p:sp>
+      <p:sp>
+        <p:nvSpPr>
+          <p:cNvPr id="6" name="Slide Number Placeholder 5"/>
+          <p:cNvSpPr>
+            <a:spLocks noGrp="1"/>
+          </p:cNvSpPr>
+          <p:nvPr>
+            <p:ph type="sldNum" sz="quarter" idx="12"/>
+          </p:nvPr>
+        </p:nvSpPr>
+        <p:spPr/>
+        <p:txBody>
+          <a:bodyPr/>
+          <a:lstStyle/>
+          <a:p>
+            <a:fld id="{D57F1E4F-1CFF-5643-939E-02111984F565}" type="slidenum">
+              <a:rPr lang="en-US" dirty="0"/>
+              <a:t>‹Nº›</a:t>
+            </a:fld>
+            <a:endParaRPr lang="en-US" dirty="0"/>
+          </a:p>
+        </p:txBody>
+      </p:sp>
+    </p:spTree>
+  </p:cSld>
+  <p:clrMapOvr>
+    <a:masterClrMapping/>
+  </p:clrMapOvr>
+</p:sldLayout>
+</file>
+
+<file path=ppt/slideLayouts/slideLayout12.xml><?xml version="1.0" encoding="utf-8"?>
+<p:sldLayout xmlns:a="http://schemas.openxmlformats.org/drawingml/2006/main" xmlns:r="http://schemas.openxmlformats.org/officeDocument/2006/relationships" xmlns:p="http://schemas.openxmlformats.org/presentationml/2006/main" preserve="1">
+  <p:cSld name="Cita con descripción">
+    <p:spTree>
+      <p:nvGrpSpPr>
+        <p:cNvPr id="1" name=""/>
+        <p:cNvGrpSpPr/>
+        <p:nvPr/>
+      </p:nvGrpSpPr>
+      <p:grpSpPr>
+        <a:xfrm>
+          <a:off x="0" y="0"/>
+          <a:ext cx="0" cy="0"/>
+          <a:chOff x="0" y="0"/>
+          <a:chExt cx="0" cy="0"/>
+        </a:xfrm>
+      </p:grpSpPr>
+      <p:sp>
+        <p:nvSpPr>
+          <p:cNvPr id="2" name="Title 1"/>
+          <p:cNvSpPr>
+            <a:spLocks noGrp="1"/>
+          </p:cNvSpPr>
+          <p:nvPr>
+            <p:ph type="title"/>
+          </p:nvPr>
+        </p:nvSpPr>
+        <p:spPr>
+          <a:xfrm>
+            <a:off x="1574801" y="1447800"/>
+            <a:ext cx="7999315" cy="2323374"/>
+          </a:xfrm>
+        </p:spPr>
+        <p:txBody>
+          <a:bodyPr/>
+          <a:lstStyle>
+            <a:lvl1pPr>
+              <a:defRPr sz="4800"/>
+            </a:lvl1pPr>
+          </a:lstStyle>
+          <a:p>
+            <a:r>
+              <a:rPr lang="es-ES"/>
+              <a:t>Haga clic para modificar el estilo de título del patrón</a:t>
+            </a:r>
+            <a:endParaRPr lang="en-US" dirty="0"/>
+          </a:p>
+        </p:txBody>
+      </p:sp>
+      <p:sp>
+        <p:nvSpPr>
+          <p:cNvPr id="14" name="Text Placeholder 3"/>
+          <p:cNvSpPr>
+            <a:spLocks noGrp="1"/>
+          </p:cNvSpPr>
+          <p:nvPr>
+            <p:ph type="body" sz="half" idx="13"/>
+          </p:nvPr>
+        </p:nvSpPr>
+        <p:spPr>
+          <a:xfrm>
+            <a:off x="1930400" y="3771174"/>
+            <a:ext cx="7279649" cy="342174"/>
+          </a:xfrm>
+        </p:spPr>
+        <p:txBody>
+          <a:bodyPr anchor="t">
+            <a:normAutofit/>
+          </a:bodyPr>
+          <a:lstStyle>
+            <a:lvl1pPr marL="0" indent="0">
+              <a:buNone/>
+              <a:defRPr lang="en-US" sz="1400" b="0" i="0" kern="1200" cap="small" dirty="0">
+                <a:solidFill>
+                  <a:schemeClr val="accent1"/>
+                </a:solidFill>
+                <a:latin typeface="+mj-lt"/>
+                <a:ea typeface="+mj-ea"/>
+                <a:cs typeface="+mj-cs"/>
+              </a:defRPr>
+            </a:lvl1pPr>
+            <a:lvl2pPr marL="457200" indent="0">
+              <a:buNone/>
+              <a:defRPr sz="1200"/>
+            </a:lvl2pPr>
+            <a:lvl3pPr marL="914400" indent="0">
+              <a:buNone/>
+              <a:defRPr sz="1000"/>
+            </a:lvl3pPr>
+            <a:lvl4pPr marL="1371600" indent="0">
+              <a:buNone/>
+              <a:defRPr sz="900"/>
+            </a:lvl4pPr>
+            <a:lvl5pPr marL="1828800" indent="0">
+              <a:buNone/>
+              <a:defRPr sz="900"/>
+            </a:lvl5pPr>
+            <a:lvl6pPr marL="2286000" indent="0">
+              <a:buNone/>
+              <a:defRPr sz="900"/>
+            </a:lvl6pPr>
+            <a:lvl7pPr marL="2743200" indent="0">
+              <a:buNone/>
+              <a:defRPr sz="900"/>
+            </a:lvl7pPr>
+            <a:lvl8pPr marL="3200400" indent="0">
+              <a:buNone/>
+              <a:defRPr sz="900"/>
+            </a:lvl8pPr>
+            <a:lvl9pPr marL="3657600" indent="0">
+              <a:buNone/>
+              <a:defRPr sz="900"/>
+            </a:lvl9pPr>
+          </a:lstStyle>
+          <a:p>
+            <a:pPr lvl="0"/>
+            <a:r>
+              <a:rPr lang="es-ES"/>
+              <a:t>Haga clic para modificar los estilos de texto del patrón</a:t>
+            </a:r>
+          </a:p>
+        </p:txBody>
+      </p:sp>
+      <p:sp>
+        <p:nvSpPr>
+          <p:cNvPr id="10" name="Text Placeholder 3"/>
+          <p:cNvSpPr>
+            <a:spLocks noGrp="1"/>
+          </p:cNvSpPr>
+          <p:nvPr>
+            <p:ph type="body" sz="half" idx="2"/>
+          </p:nvPr>
+        </p:nvSpPr>
+        <p:spPr>
+          <a:xfrm>
+            <a:off x="1154954" y="4350657"/>
+            <a:ext cx="8825659" cy="1676400"/>
+          </a:xfrm>
+        </p:spPr>
+        <p:txBody>
+          <a:bodyPr anchor="ctr">
+            <a:normAutofit/>
+          </a:bodyPr>
+          <a:lstStyle>
+            <a:lvl1pPr marL="0" indent="0">
+              <a:buNone/>
+              <a:defRPr sz="1800"/>
+            </a:lvl1pPr>
+            <a:lvl2pPr marL="457200" indent="0">
+              <a:buNone/>
+              <a:defRPr sz="1200"/>
+            </a:lvl2pPr>
+            <a:lvl3pPr marL="914400" indent="0">
+              <a:buNone/>
+              <a:defRPr sz="1000"/>
+            </a:lvl3pPr>
+            <a:lvl4pPr marL="1371600" indent="0">
+              <a:buNone/>
+              <a:defRPr sz="900"/>
+            </a:lvl4pPr>
+            <a:lvl5pPr marL="1828800" indent="0">
+              <a:buNone/>
+              <a:defRPr sz="900"/>
+            </a:lvl5pPr>
+            <a:lvl6pPr marL="2286000" indent="0">
+              <a:buNone/>
+              <a:defRPr sz="900"/>
+            </a:lvl6pPr>
+            <a:lvl7pPr marL="2743200" indent="0">
+              <a:buNone/>
+              <a:defRPr sz="900"/>
+            </a:lvl7pPr>
+            <a:lvl8pPr marL="3200400" indent="0">
+              <a:buNone/>
+              <a:defRPr sz="900"/>
+            </a:lvl8pPr>
+            <a:lvl9pPr marL="3657600" indent="0">
+              <a:buNone/>
+              <a:defRPr sz="900"/>
+            </a:lvl9pPr>
+          </a:lstStyle>
+          <a:p>
+            <a:pPr lvl="0"/>
+            <a:r>
+              <a:rPr lang="es-ES"/>
+              <a:t>Haga clic para modificar los estilos de texto del patrón</a:t>
+            </a:r>
+          </a:p>
+        </p:txBody>
+      </p:sp>
+      <p:sp>
+        <p:nvSpPr>
+          <p:cNvPr id="4" name="Date Placeholder 3"/>
+          <p:cNvSpPr>
+            <a:spLocks noGrp="1"/>
+          </p:cNvSpPr>
+          <p:nvPr>
+            <p:ph type="dt" sz="half" idx="10"/>
+          </p:nvPr>
+        </p:nvSpPr>
+        <p:spPr/>
+        <p:txBody>
+          <a:bodyPr/>
+          <a:lstStyle/>
+          <a:p>
+            <a:fld id="{4509A250-FF31-4206-8172-F9D3106AACB1}" type="datetimeFigureOut">
+              <a:rPr lang="en-US" dirty="0"/>
+              <a:t>8/4/2020</a:t>
+            </a:fld>
+            <a:endParaRPr lang="en-US" dirty="0"/>
+          </a:p>
+        </p:txBody>
+      </p:sp>
+      <p:sp>
+        <p:nvSpPr>
+          <p:cNvPr id="5" name="Footer Placeholder 4"/>
+          <p:cNvSpPr>
+            <a:spLocks noGrp="1"/>
+          </p:cNvSpPr>
+          <p:nvPr>
+            <p:ph type="ftr" sz="quarter" idx="11"/>
+          </p:nvPr>
+        </p:nvSpPr>
+        <p:spPr/>
+        <p:txBody>
+          <a:bodyPr/>
+          <a:lstStyle/>
+          <a:p>
+            <a:endParaRPr lang="en-US" dirty="0"/>
+          </a:p>
+        </p:txBody>
+      </p:sp>
+      <p:sp>
+        <p:nvSpPr>
+          <p:cNvPr id="6" name="Slide Number Placeholder 5"/>
+          <p:cNvSpPr>
+            <a:spLocks noGrp="1"/>
+          </p:cNvSpPr>
+          <p:nvPr>
+            <p:ph type="sldNum" sz="quarter" idx="12"/>
+          </p:nvPr>
+        </p:nvSpPr>
+        <p:spPr/>
+        <p:txBody>
+          <a:bodyPr/>
+          <a:lstStyle/>
+          <a:p>
+            <a:fld id="{D57F1E4F-1CFF-5643-939E-02111984F565}" type="slidenum">
+              <a:rPr lang="en-US" dirty="0"/>
+              <a:t>‹Nº›</a:t>
+            </a:fld>
+            <a:endParaRPr lang="en-US" dirty="0"/>
+          </a:p>
+        </p:txBody>
+      </p:sp>
+      <p:sp>
+        <p:nvSpPr>
+          <p:cNvPr id="9" name="TextBox 8"/>
+          <p:cNvSpPr txBox="1"/>
+          <p:nvPr/>
+        </p:nvSpPr>
+        <p:spPr>
+          <a:xfrm>
+            <a:off x="898295" y="971253"/>
+            <a:ext cx="801912" cy="1969770"/>
+          </a:xfrm>
+          <a:prstGeom prst="rect">
+            <a:avLst/>
+          </a:prstGeom>
+          <a:noFill/>
+        </p:spPr>
+        <p:txBody>
+          <a:bodyPr wrap="square" rtlCol="0">
+            <a:spAutoFit/>
+          </a:bodyPr>
+          <a:lstStyle>
+            <a:defPPr>
+              <a:defRPr lang="en-US"/>
+            </a:defPPr>
+            <a:lvl1pPr algn="r">
+              <a:defRPr sz="12200" b="0" i="0">
+                <a:solidFill>
+                  <a:schemeClr val="accent1"/>
+                </a:solidFill>
+                <a:latin typeface="Arial"/>
+                <a:ea typeface="+mj-ea"/>
+                <a:cs typeface="+mj-cs"/>
+              </a:defRPr>
+            </a:lvl1pPr>
+          </a:lstStyle>
+          <a:p>
+            <a:pPr lvl="0"/>
+            <a:r>
+              <a:rPr lang="en-US" dirty="0"/>
+              <a:t>“</a:t>
+            </a:r>
+          </a:p>
+        </p:txBody>
+      </p:sp>
+      <p:sp>
+        <p:nvSpPr>
+          <p:cNvPr id="13" name="TextBox 12"/>
+          <p:cNvSpPr txBox="1"/>
+          <p:nvPr/>
+        </p:nvSpPr>
+        <p:spPr>
+          <a:xfrm>
+            <a:off x="9330490" y="2613787"/>
+            <a:ext cx="801912" cy="1969770"/>
+          </a:xfrm>
+          <a:prstGeom prst="rect">
+            <a:avLst/>
+          </a:prstGeom>
+          <a:noFill/>
+        </p:spPr>
+        <p:txBody>
+          <a:bodyPr wrap="square" rtlCol="0">
+            <a:spAutoFit/>
+          </a:bodyPr>
+          <a:lstStyle>
+            <a:defPPr>
+              <a:defRPr lang="en-US"/>
+            </a:defPPr>
+            <a:lvl1pPr algn="r">
+              <a:defRPr sz="12200" b="0" i="0">
+                <a:solidFill>
+                  <a:schemeClr val="accent1"/>
+                </a:solidFill>
+                <a:latin typeface="Arial"/>
+                <a:ea typeface="+mj-ea"/>
+                <a:cs typeface="+mj-cs"/>
+              </a:defRPr>
+            </a:lvl1pPr>
+          </a:lstStyle>
+          <a:p>
+            <a:pPr lvl="0"/>
+            <a:r>
+              <a:rPr lang="en-US" dirty="0"/>
+              <a:t>”</a:t>
+            </a:r>
+          </a:p>
+        </p:txBody>
+      </p:sp>
+    </p:spTree>
+  </p:cSld>
+  <p:clrMapOvr>
+    <a:masterClrMapping/>
+  </p:clrMapOvr>
+</p:sldLayout>
+</file>
+
+<file path=ppt/slideLayouts/slideLayout13.xml><?xml version="1.0" encoding="utf-8"?>
+<p:sldLayout xmlns:a="http://schemas.openxmlformats.org/drawingml/2006/main" xmlns:r="http://schemas.openxmlformats.org/officeDocument/2006/relationships" xmlns:p="http://schemas.openxmlformats.org/presentationml/2006/main" preserve="1">
+  <p:cSld name="Tarjeta de nombre">
+    <p:spTree>
+      <p:nvGrpSpPr>
+        <p:cNvPr id="1" name=""/>
+        <p:cNvGrpSpPr/>
+        <p:nvPr/>
+      </p:nvGrpSpPr>
+      <p:grpSpPr>
+        <a:xfrm>
+          <a:off x="0" y="0"/>
+          <a:ext cx="0" cy="0"/>
+          <a:chOff x="0" y="0"/>
+          <a:chExt cx="0" cy="0"/>
+        </a:xfrm>
+      </p:grpSpPr>
+      <p:sp>
+        <p:nvSpPr>
+          <p:cNvPr id="2" name="Title 1"/>
+          <p:cNvSpPr>
+            <a:spLocks noGrp="1"/>
+          </p:cNvSpPr>
+          <p:nvPr>
+            <p:ph type="title"/>
+          </p:nvPr>
+        </p:nvSpPr>
+        <p:spPr>
+          <a:xfrm>
+            <a:off x="1154954" y="3124201"/>
+            <a:ext cx="8825660" cy="1653180"/>
+          </a:xfrm>
+        </p:spPr>
+        <p:txBody>
+          <a:bodyPr anchor="b"/>
+          <a:lstStyle>
+            <a:lvl1pPr algn="l">
+              <a:defRPr sz="4000" b="0" cap="none"/>
+            </a:lvl1pPr>
+          </a:lstStyle>
+          <a:p>
+            <a:r>
+              <a:rPr lang="es-ES"/>
+              <a:t>Haga clic para modificar el estilo de título del patrón</a:t>
+            </a:r>
+            <a:endParaRPr lang="en-US" dirty="0"/>
+          </a:p>
+        </p:txBody>
+      </p:sp>
+      <p:sp>
+        <p:nvSpPr>
+          <p:cNvPr id="3" name="Text Placeholder 2"/>
+          <p:cNvSpPr>
+            <a:spLocks noGrp="1"/>
+          </p:cNvSpPr>
+          <p:nvPr>
+            <p:ph type="body" idx="1"/>
+          </p:nvPr>
+        </p:nvSpPr>
+        <p:spPr>
+          <a:xfrm>
+            <a:off x="1154954" y="4777381"/>
+            <a:ext cx="8825659" cy="860400"/>
+          </a:xfrm>
+        </p:spPr>
+        <p:txBody>
+          <a:bodyPr anchor="t"/>
+          <a:lstStyle>
+            <a:lvl1pPr marL="0" indent="0" algn="l">
+              <a:buNone/>
+              <a:defRPr sz="2000" cap="none">
+                <a:solidFill>
+                  <a:schemeClr val="accent1"/>
+                </a:solidFill>
+              </a:defRPr>
+            </a:lvl1pPr>
+            <a:lvl2pPr marL="457200" indent="0">
+              <a:buNone/>
+              <a:defRPr sz="1800">
+                <a:solidFill>
+                  <a:schemeClr val="tx1">
+                    <a:tint val="75000"/>
+                  </a:schemeClr>
+                </a:solidFill>
+              </a:defRPr>
+            </a:lvl2pPr>
+            <a:lvl3pPr marL="914400" indent="0">
+              <a:buNone/>
+              <a:defRPr sz="1600">
+                <a:solidFill>
+                  <a:schemeClr val="tx1">
+                    <a:tint val="75000"/>
+                  </a:schemeClr>
+                </a:solidFill>
+              </a:defRPr>
+            </a:lvl3pPr>
+            <a:lvl4pPr marL="1371600" indent="0">
+              <a:buNone/>
+              <a:defRPr sz="1400">
+                <a:solidFill>
+                  <a:schemeClr val="tx1">
+                    <a:tint val="75000"/>
+                  </a:schemeClr>
+                </a:solidFill>
+              </a:defRPr>
+            </a:lvl4pPr>
+            <a:lvl5pPr marL="1828800" indent="0">
+              <a:buNone/>
+              <a:defRPr sz="1400">
+                <a:solidFill>
+                  <a:schemeClr val="tx1">
+                    <a:tint val="75000"/>
+                  </a:schemeClr>
+                </a:solidFill>
+              </a:defRPr>
+            </a:lvl5pPr>
+            <a:lvl6pPr marL="2286000" indent="0">
+              <a:buNone/>
+              <a:defRPr sz="1400">
+                <a:solidFill>
+                  <a:schemeClr val="tx1">
+                    <a:tint val="75000"/>
+                  </a:schemeClr>
+                </a:solidFill>
+              </a:defRPr>
+            </a:lvl6pPr>
+            <a:lvl7pPr marL="2743200" indent="0">
+              <a:buNone/>
+              <a:defRPr sz="1400">
+                <a:solidFill>
+                  <a:schemeClr val="tx1">
+                    <a:tint val="75000"/>
+                  </a:schemeClr>
+                </a:solidFill>
+              </a:defRPr>
+            </a:lvl7pPr>
+            <a:lvl8pPr marL="3200400" indent="0">
+              <a:buNone/>
+              <a:defRPr sz="1400">
+                <a:solidFill>
+                  <a:schemeClr val="tx1">
+                    <a:tint val="75000"/>
+                  </a:schemeClr>
+                </a:solidFill>
+              </a:defRPr>
+            </a:lvl8pPr>
+            <a:lvl9pPr marL="3657600" indent="0">
+              <a:buNone/>
+              <a:defRPr sz="1400">
+                <a:solidFill>
+                  <a:schemeClr val="tx1">
+                    <a:tint val="75000"/>
+                  </a:schemeClr>
+                </a:solidFill>
+              </a:defRPr>
+            </a:lvl9pPr>
+          </a:lstStyle>
+          <a:p>
+            <a:pPr lvl="0"/>
+            <a:r>
+              <a:rPr lang="es-ES"/>
+              <a:t>Haga clic para modificar los estilos de texto del patrón</a:t>
+            </a:r>
+          </a:p>
+        </p:txBody>
+      </p:sp>
+      <p:sp>
+        <p:nvSpPr>
+          <p:cNvPr id="4" name="Date Placeholder 3"/>
+          <p:cNvSpPr>
+            <a:spLocks noGrp="1"/>
+          </p:cNvSpPr>
+          <p:nvPr>
+            <p:ph type="dt" sz="half" idx="10"/>
+          </p:nvPr>
+        </p:nvSpPr>
+        <p:spPr/>
+        <p:txBody>
+          <a:bodyPr/>
+          <a:lstStyle/>
+          <a:p>
+            <a:fld id="{4509A250-FF31-4206-8172-F9D3106AACB1}" type="datetimeFigureOut">
+              <a:rPr lang="en-US" dirty="0"/>
+              <a:t>8/4/2020</a:t>
+            </a:fld>
+            <a:endParaRPr lang="en-US" dirty="0"/>
+          </a:p>
+        </p:txBody>
+      </p:sp>
+      <p:sp>
+        <p:nvSpPr>
+          <p:cNvPr id="5" name="Footer Placeholder 4"/>
+          <p:cNvSpPr>
+            <a:spLocks noGrp="1"/>
+          </p:cNvSpPr>
+          <p:nvPr>
+            <p:ph type="ftr" sz="quarter" idx="11"/>
+          </p:nvPr>
+        </p:nvSpPr>
+        <p:spPr/>
+        <p:txBody>
+          <a:bodyPr/>
+          <a:lstStyle/>
+          <a:p>
+            <a:endParaRPr lang="en-US" dirty="0"/>
+          </a:p>
+        </p:txBody>
+      </p:sp>
+      <p:sp>
+        <p:nvSpPr>
+          <p:cNvPr id="6" name="Slide Number Placeholder 5"/>
+          <p:cNvSpPr>
+            <a:spLocks noGrp="1"/>
+          </p:cNvSpPr>
+          <p:nvPr>
+            <p:ph type="sldNum" sz="quarter" idx="12"/>
+          </p:nvPr>
+        </p:nvSpPr>
+        <p:spPr/>
+        <p:txBody>
+          <a:bodyPr/>
+          <a:lstStyle/>
+          <a:p>
+            <a:fld id="{D57F1E4F-1CFF-5643-939E-02111984F565}" type="slidenum">
+              <a:rPr lang="en-US" dirty="0"/>
+              <a:t>‹Nº›</a:t>
+            </a:fld>
+            <a:endParaRPr lang="en-US" dirty="0"/>
+          </a:p>
+        </p:txBody>
+      </p:sp>
+    </p:spTree>
+  </p:cSld>
+  <p:clrMapOvr>
+    <a:masterClrMapping/>
+  </p:clrMapOvr>
+</p:sldLayout>
+</file>
+
+<file path=ppt/slideLayouts/slideLayout14.xml><?xml version="1.0" encoding="utf-8"?>
+<p:sldLayout xmlns:a="http://schemas.openxmlformats.org/drawingml/2006/main" xmlns:r="http://schemas.openxmlformats.org/officeDocument/2006/relationships" xmlns:p="http://schemas.openxmlformats.org/presentationml/2006/main" preserve="1">
+  <p:cSld name="Columna 3">
+    <p:spTree>
+      <p:nvGrpSpPr>
+        <p:cNvPr id="1" name=""/>
+        <p:cNvGrpSpPr/>
+        <p:nvPr/>
+      </p:nvGrpSpPr>
+      <p:grpSpPr>
+        <a:xfrm>
+          <a:off x="0" y="0"/>
+          <a:ext cx="0" cy="0"/>
+          <a:chOff x="0" y="0"/>
+          <a:chExt cx="0" cy="0"/>
+        </a:xfrm>
+      </p:grpSpPr>
+      <p:sp>
+        <p:nvSpPr>
+          <p:cNvPr id="2" name="Title 1"/>
+          <p:cNvSpPr>
+            <a:spLocks noGrp="1"/>
+          </p:cNvSpPr>
+          <p:nvPr>
+            <p:ph type="title"/>
+          </p:nvPr>
+        </p:nvSpPr>
+        <p:spPr/>
+        <p:txBody>
+          <a:bodyPr/>
+          <a:lstStyle>
+            <a:lvl1pPr>
+              <a:defRPr sz="4200"/>
+            </a:lvl1pPr>
+          </a:lstStyle>
+          <a:p>
+            <a:r>
+              <a:rPr lang="es-ES"/>
+              <a:t>Haga clic para modificar el estilo de título del patrón</a:t>
+            </a:r>
+            <a:endParaRPr lang="en-US" dirty="0"/>
+          </a:p>
+        </p:txBody>
+      </p:sp>
+      <p:sp>
+        <p:nvSpPr>
+          <p:cNvPr id="3" name="Text Placeholder 2"/>
+          <p:cNvSpPr>
+            <a:spLocks noGrp="1"/>
+          </p:cNvSpPr>
+          <p:nvPr>
+            <p:ph type="body" idx="1"/>
+          </p:nvPr>
+        </p:nvSpPr>
+        <p:spPr>
+          <a:xfrm>
+            <a:off x="632947" y="1981200"/>
+            <a:ext cx="2946866" cy="576262"/>
+          </a:xfrm>
+        </p:spPr>
+        <p:txBody>
+          <a:bodyPr anchor="b">
+            <a:noAutofit/>
+          </a:bodyPr>
+          <a:lstStyle>
+            <a:lvl1pPr marL="0" indent="0">
+              <a:buNone/>
+              <a:defRPr sz="2400" b="0">
+                <a:solidFill>
+                  <a:schemeClr val="accent1"/>
+                </a:solidFill>
+              </a:defRPr>
+            </a:lvl1pPr>
+            <a:lvl2pPr marL="457200" indent="0">
+              <a:buNone/>
+              <a:defRPr sz="2000" b="1"/>
+            </a:lvl2pPr>
+            <a:lvl3pPr marL="914400" indent="0">
+              <a:buNone/>
+              <a:defRPr sz="1800" b="1"/>
+            </a:lvl3pPr>
+            <a:lvl4pPr marL="1371600" indent="0">
+              <a:buNone/>
+              <a:defRPr sz="1600" b="1"/>
+            </a:lvl4pPr>
+            <a:lvl5pPr marL="1828800" indent="0">
+              <a:buNone/>
+              <a:defRPr sz="1600" b="1"/>
+            </a:lvl5pPr>
+            <a:lvl6pPr marL="2286000" indent="0">
+              <a:buNone/>
+              <a:defRPr sz="1600" b="1"/>
+            </a:lvl6pPr>
+            <a:lvl7pPr marL="2743200" indent="0">
+              <a:buNone/>
+              <a:defRPr sz="1600" b="1"/>
+            </a:lvl7pPr>
+            <a:lvl8pPr marL="3200400" indent="0">
+              <a:buNone/>
+              <a:defRPr sz="1600" b="1"/>
+            </a:lvl8pPr>
+            <a:lvl9pPr marL="3657600" indent="0">
+              <a:buNone/>
+              <a:defRPr sz="1600" b="1"/>
+            </a:lvl9pPr>
+          </a:lstStyle>
+          <a:p>
+            <a:pPr lvl="0"/>
+            <a:r>
+              <a:rPr lang="es-ES"/>
+              <a:t>Haga clic para modificar los estilos de texto del patrón</a:t>
+            </a:r>
+          </a:p>
+        </p:txBody>
+      </p:sp>
+      <p:sp>
+        <p:nvSpPr>
+          <p:cNvPr id="16" name="Text Placeholder 3"/>
+          <p:cNvSpPr>
+            <a:spLocks noGrp="1"/>
+          </p:cNvSpPr>
+          <p:nvPr>
+            <p:ph type="body" sz="half" idx="15"/>
+          </p:nvPr>
+        </p:nvSpPr>
+        <p:spPr>
+          <a:xfrm>
+            <a:off x="652463" y="2667000"/>
+            <a:ext cx="2927350" cy="3589338"/>
+          </a:xfrm>
+        </p:spPr>
+        <p:txBody>
+          <a:bodyPr anchor="t">
+            <a:normAutofit/>
+          </a:bodyPr>
+          <a:lstStyle>
+            <a:lvl1pPr marL="0" indent="0">
+              <a:buNone/>
+              <a:defRPr sz="1400"/>
+            </a:lvl1pPr>
+            <a:lvl2pPr marL="457200" indent="0">
+              <a:buNone/>
+              <a:defRPr sz="1200"/>
+            </a:lvl2pPr>
+            <a:lvl3pPr marL="914400" indent="0">
+              <a:buNone/>
+              <a:defRPr sz="1000"/>
+            </a:lvl3pPr>
+            <a:lvl4pPr marL="1371600" indent="0">
+              <a:buNone/>
+              <a:defRPr sz="900"/>
+            </a:lvl4pPr>
+            <a:lvl5pPr marL="1828800" indent="0">
+              <a:buNone/>
+              <a:defRPr sz="900"/>
+            </a:lvl5pPr>
+            <a:lvl6pPr marL="2286000" indent="0">
+              <a:buNone/>
+              <a:defRPr sz="900"/>
+            </a:lvl6pPr>
+            <a:lvl7pPr marL="2743200" indent="0">
+              <a:buNone/>
+              <a:defRPr sz="900"/>
+            </a:lvl7pPr>
+            <a:lvl8pPr marL="3200400" indent="0">
+              <a:buNone/>
+              <a:defRPr sz="900"/>
+            </a:lvl8pPr>
+            <a:lvl9pPr marL="3657600" indent="0">
+              <a:buNone/>
+              <a:defRPr sz="900"/>
+            </a:lvl9pPr>
+          </a:lstStyle>
+          <a:p>
+            <a:pPr lvl="0"/>
+            <a:r>
+              <a:rPr lang="es-ES"/>
+              <a:t>Haga clic para modificar los estilos de texto del patrón</a:t>
+            </a:r>
+          </a:p>
+        </p:txBody>
+      </p:sp>
+      <p:sp>
+        <p:nvSpPr>
+          <p:cNvPr id="5" name="Text Placeholder 4"/>
+          <p:cNvSpPr>
+            <a:spLocks noGrp="1"/>
+          </p:cNvSpPr>
+          <p:nvPr>
+            <p:ph type="body" sz="quarter" idx="3"/>
+          </p:nvPr>
+        </p:nvSpPr>
+        <p:spPr>
+          <a:xfrm>
+            <a:off x="3883659" y="1981200"/>
+            <a:ext cx="2936241" cy="576262"/>
+          </a:xfrm>
+        </p:spPr>
+        <p:txBody>
+          <a:bodyPr anchor="b">
+            <a:noAutofit/>
+          </a:bodyPr>
+          <a:lstStyle>
+            <a:lvl1pPr marL="0" indent="0">
+              <a:buNone/>
+              <a:defRPr sz="2400" b="0">
+                <a:solidFill>
+                  <a:schemeClr val="accent1"/>
+                </a:solidFill>
+              </a:defRPr>
+            </a:lvl1pPr>
+            <a:lvl2pPr marL="457200" indent="0">
+              <a:buNone/>
+              <a:defRPr sz="2000" b="1"/>
+            </a:lvl2pPr>
+            <a:lvl3pPr marL="914400" indent="0">
+              <a:buNone/>
+              <a:defRPr sz="1800" b="1"/>
+            </a:lvl3pPr>
+            <a:lvl4pPr marL="1371600" indent="0">
+              <a:buNone/>
+              <a:defRPr sz="1600" b="1"/>
+            </a:lvl4pPr>
+            <a:lvl5pPr marL="1828800" indent="0">
+              <a:buNone/>
+              <a:defRPr sz="1600" b="1"/>
+            </a:lvl5pPr>
+            <a:lvl6pPr marL="2286000" indent="0">
+              <a:buNone/>
+              <a:defRPr sz="1600" b="1"/>
+            </a:lvl6pPr>
+            <a:lvl7pPr marL="2743200" indent="0">
+              <a:buNone/>
+              <a:defRPr sz="1600" b="1"/>
+            </a:lvl7pPr>
+            <a:lvl8pPr marL="3200400" indent="0">
+              <a:buNone/>
+              <a:defRPr sz="1600" b="1"/>
+            </a:lvl8pPr>
+            <a:lvl9pPr marL="3657600" indent="0">
+              <a:buNone/>
+              <a:defRPr sz="1600" b="1"/>
+            </a:lvl9pPr>
+          </a:lstStyle>
+          <a:p>
+            <a:pPr lvl="0"/>
+            <a:r>
+              <a:rPr lang="es-ES"/>
+              <a:t>Haga clic para modificar los estilos de texto del patrón</a:t>
+            </a:r>
+          </a:p>
+        </p:txBody>
+      </p:sp>
+      <p:sp>
+        <p:nvSpPr>
+          <p:cNvPr id="19" name="Text Placeholder 3"/>
+          <p:cNvSpPr>
+            <a:spLocks noGrp="1"/>
+          </p:cNvSpPr>
+          <p:nvPr>
+            <p:ph type="body" sz="half" idx="16"/>
+          </p:nvPr>
+        </p:nvSpPr>
+        <p:spPr>
+          <a:xfrm>
+            <a:off x="3873106" y="2667000"/>
+            <a:ext cx="2946794" cy="3589338"/>
+          </a:xfrm>
+        </p:spPr>
+        <p:txBody>
+          <a:bodyPr anchor="t">
+            <a:normAutofit/>
+          </a:bodyPr>
+          <a:lstStyle>
+            <a:lvl1pPr marL="0" indent="0">
+              <a:buNone/>
+              <a:defRPr sz="1400"/>
+            </a:lvl1pPr>
+            <a:lvl2pPr marL="457200" indent="0">
+              <a:buNone/>
+              <a:defRPr sz="1200"/>
+            </a:lvl2pPr>
+            <a:lvl3pPr marL="914400" indent="0">
+              <a:buNone/>
+              <a:defRPr sz="1000"/>
+            </a:lvl3pPr>
+            <a:lvl4pPr marL="1371600" indent="0">
+              <a:buNone/>
+              <a:defRPr sz="900"/>
+            </a:lvl4pPr>
+            <a:lvl5pPr marL="1828800" indent="0">
+              <a:buNone/>
+              <a:defRPr sz="900"/>
+            </a:lvl5pPr>
+            <a:lvl6pPr marL="2286000" indent="0">
+              <a:buNone/>
+              <a:defRPr sz="900"/>
+            </a:lvl6pPr>
+            <a:lvl7pPr marL="2743200" indent="0">
+              <a:buNone/>
+              <a:defRPr sz="900"/>
+            </a:lvl7pPr>
+            <a:lvl8pPr marL="3200400" indent="0">
+              <a:buNone/>
+              <a:defRPr sz="900"/>
+            </a:lvl8pPr>
+            <a:lvl9pPr marL="3657600" indent="0">
+              <a:buNone/>
+              <a:defRPr sz="900"/>
+            </a:lvl9pPr>
+          </a:lstStyle>
+          <a:p>
+            <a:pPr lvl="0"/>
+            <a:r>
+              <a:rPr lang="es-ES"/>
+              <a:t>Haga clic para modificar los estilos de texto del patrón</a:t>
+            </a:r>
+          </a:p>
+        </p:txBody>
+      </p:sp>
+      <p:sp>
+        <p:nvSpPr>
+          <p:cNvPr id="14" name="Text Placeholder 4"/>
+          <p:cNvSpPr>
+            <a:spLocks noGrp="1"/>
+          </p:cNvSpPr>
+          <p:nvPr>
+            <p:ph type="body" sz="quarter" idx="13"/>
+          </p:nvPr>
+        </p:nvSpPr>
+        <p:spPr>
+          <a:xfrm>
+            <a:off x="7124700" y="1981200"/>
+            <a:ext cx="2932113" cy="576262"/>
+          </a:xfrm>
+        </p:spPr>
+        <p:txBody>
+          <a:bodyPr anchor="b">
+            <a:noAutofit/>
+          </a:bodyPr>
+          <a:lstStyle>
+            <a:lvl1pPr marL="0" indent="0">
+              <a:buNone/>
+              <a:defRPr sz="2400" b="0">
+                <a:solidFill>
+                  <a:schemeClr val="accent1"/>
+                </a:solidFill>
+              </a:defRPr>
+            </a:lvl1pPr>
+            <a:lvl2pPr marL="457200" indent="0">
+              <a:buNone/>
+              <a:defRPr sz="2000" b="1"/>
+            </a:lvl2pPr>
+            <a:lvl3pPr marL="914400" indent="0">
+              <a:buNone/>
+              <a:defRPr sz="1800" b="1"/>
+            </a:lvl3pPr>
+            <a:lvl4pPr marL="1371600" indent="0">
+              <a:buNone/>
+              <a:defRPr sz="1600" b="1"/>
+            </a:lvl4pPr>
+            <a:lvl5pPr marL="1828800" indent="0">
+              <a:buNone/>
+              <a:defRPr sz="1600" b="1"/>
+            </a:lvl5pPr>
+            <a:lvl6pPr marL="2286000" indent="0">
+              <a:buNone/>
+              <a:defRPr sz="1600" b="1"/>
+            </a:lvl6pPr>
+            <a:lvl7pPr marL="2743200" indent="0">
+              <a:buNone/>
+              <a:defRPr sz="1600" b="1"/>
+            </a:lvl7pPr>
+            <a:lvl8pPr marL="3200400" indent="0">
+              <a:buNone/>
+              <a:defRPr sz="1600" b="1"/>
+            </a:lvl8pPr>
+            <a:lvl9pPr marL="3657600" indent="0">
+              <a:buNone/>
+              <a:defRPr sz="1600" b="1"/>
+            </a:lvl9pPr>
+          </a:lstStyle>
+          <a:p>
+            <a:pPr lvl="0"/>
+            <a:r>
+              <a:rPr lang="es-ES"/>
+              <a:t>Haga clic para modificar los estilos de texto del patrón</a:t>
+            </a:r>
+          </a:p>
+        </p:txBody>
+      </p:sp>
+      <p:sp>
+        <p:nvSpPr>
+          <p:cNvPr id="20" name="Text Placeholder 3"/>
+          <p:cNvSpPr>
+            <a:spLocks noGrp="1"/>
+          </p:cNvSpPr>
+          <p:nvPr>
+            <p:ph type="body" sz="half" idx="17"/>
+          </p:nvPr>
+        </p:nvSpPr>
+        <p:spPr>
+          <a:xfrm>
+            <a:off x="7124700" y="2667000"/>
+            <a:ext cx="2932113" cy="3589338"/>
+          </a:xfrm>
+        </p:spPr>
+        <p:txBody>
+          <a:bodyPr anchor="t">
+            <a:normAutofit/>
+          </a:bodyPr>
+          <a:lstStyle>
+            <a:lvl1pPr marL="0" indent="0">
+              <a:buNone/>
+              <a:defRPr sz="1400"/>
+            </a:lvl1pPr>
+            <a:lvl2pPr marL="457200" indent="0">
+              <a:buNone/>
+              <a:defRPr sz="1200"/>
+            </a:lvl2pPr>
+            <a:lvl3pPr marL="914400" indent="0">
+              <a:buNone/>
+              <a:defRPr sz="1000"/>
+            </a:lvl3pPr>
+            <a:lvl4pPr marL="1371600" indent="0">
+              <a:buNone/>
+              <a:defRPr sz="900"/>
+            </a:lvl4pPr>
+            <a:lvl5pPr marL="1828800" indent="0">
+              <a:buNone/>
+              <a:defRPr sz="900"/>
+            </a:lvl5pPr>
+            <a:lvl6pPr marL="2286000" indent="0">
+              <a:buNone/>
+              <a:defRPr sz="900"/>
+            </a:lvl6pPr>
+            <a:lvl7pPr marL="2743200" indent="0">
+              <a:buNone/>
+              <a:defRPr sz="900"/>
+            </a:lvl7pPr>
+            <a:lvl8pPr marL="3200400" indent="0">
+              <a:buNone/>
+              <a:defRPr sz="900"/>
+            </a:lvl8pPr>
+            <a:lvl9pPr marL="3657600" indent="0">
+              <a:buNone/>
+              <a:defRPr sz="900"/>
+            </a:lvl9pPr>
+          </a:lstStyle>
+          <a:p>
+            <a:pPr lvl="0"/>
+            <a:r>
+              <a:rPr lang="es-ES"/>
+              <a:t>Haga clic para modificar los estilos de texto del patrón</a:t>
+            </a:r>
+          </a:p>
+        </p:txBody>
+      </p:sp>
+      <p:cxnSp>
+        <p:nvCxnSpPr>
+          <p:cNvPr id="17" name="Straight Connector 16"/>
+          <p:cNvCxnSpPr/>
+          <p:nvPr/>
+        </p:nvCxnSpPr>
+        <p:spPr>
+          <a:xfrm>
+            <a:off x="3726142" y="2133600"/>
+            <a:ext cx="0" cy="3962400"/>
+          </a:xfrm>
+          <a:prstGeom prst="line">
+            <a:avLst/>
+          </a:prstGeom>
+          <a:ln w="12700" cmpd="sng">
+            <a:solidFill>
+              <a:schemeClr val="accent1">
+                <a:alpha val="40000"/>
+              </a:schemeClr>
+            </a:solidFill>
+          </a:ln>
+        </p:spPr>
+        <p:style>
+          <a:lnRef idx="2">
+            <a:schemeClr val="accent1"/>
+          </a:lnRef>
+          <a:fillRef idx="0">
+            <a:schemeClr val="accent1"/>
+          </a:fillRef>
+          <a:effectRef idx="1">
+            <a:schemeClr val="accent1"/>
+          </a:effectRef>
+          <a:fontRef idx="minor">
+            <a:schemeClr val="tx1"/>
+          </a:fontRef>
+        </p:style>
+      </p:cxnSp>
+      <p:cxnSp>
+        <p:nvCxnSpPr>
+          <p:cNvPr id="18" name="Straight Connector 17"/>
+          <p:cNvCxnSpPr/>
+          <p:nvPr/>
+        </p:nvCxnSpPr>
+        <p:spPr>
+          <a:xfrm>
+            <a:off x="6962227" y="2133600"/>
+            <a:ext cx="0" cy="3966882"/>
+          </a:xfrm>
+          <a:prstGeom prst="line">
+            <a:avLst/>
+          </a:prstGeom>
+          <a:ln w="12700" cmpd="sng">
+            <a:solidFill>
+              <a:schemeClr val="accent1">
+                <a:alpha val="40000"/>
+              </a:schemeClr>
+            </a:solidFill>
+          </a:ln>
+        </p:spPr>
+        <p:style>
+          <a:lnRef idx="2">
+            <a:schemeClr val="accent1"/>
+          </a:lnRef>
+          <a:fillRef idx="0">
+            <a:schemeClr val="accent1"/>
+          </a:fillRef>
+          <a:effectRef idx="1">
+            <a:schemeClr val="accent1"/>
+          </a:effectRef>
+          <a:fontRef idx="minor">
+            <a:schemeClr val="tx1"/>
+          </a:fontRef>
+        </p:style>
+      </p:cxnSp>
+      <p:sp>
+        <p:nvSpPr>
+          <p:cNvPr id="7" name="Date Placeholder 3"/>
+          <p:cNvSpPr>
+            <a:spLocks noGrp="1"/>
+          </p:cNvSpPr>
+          <p:nvPr>
+            <p:ph type="dt" sz="half" idx="10"/>
+          </p:nvPr>
+        </p:nvSpPr>
+        <p:spPr/>
+        <p:txBody>
+          <a:bodyPr/>
+          <a:lstStyle/>
+          <a:p>
+            <a:fld id="{4509A250-FF31-4206-8172-F9D3106AACB1}" type="datetimeFigureOut">
+              <a:rPr lang="en-US" dirty="0"/>
+              <a:t>8/4/2020</a:t>
+            </a:fld>
+            <a:endParaRPr lang="en-US" dirty="0"/>
+          </a:p>
+        </p:txBody>
+      </p:sp>
+      <p:sp>
+        <p:nvSpPr>
+          <p:cNvPr id="4" name="Footer Placeholder 4"/>
+          <p:cNvSpPr>
+            <a:spLocks noGrp="1"/>
+          </p:cNvSpPr>
+          <p:nvPr>
+            <p:ph type="ftr" sz="quarter" idx="11"/>
+          </p:nvPr>
+        </p:nvSpPr>
+        <p:spPr/>
+        <p:txBody>
+          <a:bodyPr/>
+          <a:lstStyle/>
+          <a:p>
+            <a:endParaRPr lang="en-US" dirty="0"/>
+          </a:p>
+        </p:txBody>
+      </p:sp>
+      <p:sp>
+        <p:nvSpPr>
+          <p:cNvPr id="6" name="Slide Number Placeholder 5"/>
+          <p:cNvSpPr>
+            <a:spLocks noGrp="1"/>
+          </p:cNvSpPr>
+          <p:nvPr>
+            <p:ph type="sldNum" sz="quarter" idx="12"/>
+          </p:nvPr>
+        </p:nvSpPr>
+        <p:spPr/>
+        <p:txBody>
+          <a:bodyPr/>
+          <a:lstStyle/>
+          <a:p>
+            <a:fld id="{D57F1E4F-1CFF-5643-939E-02111984F565}" type="slidenum">
+              <a:rPr lang="en-US" dirty="0"/>
+              <a:t>‹Nº›</a:t>
+            </a:fld>
+            <a:endParaRPr lang="en-US" dirty="0"/>
+          </a:p>
+        </p:txBody>
+      </p:sp>
+    </p:spTree>
+  </p:cSld>
+  <p:clrMapOvr>
+    <a:masterClrMapping/>
+  </p:clrMapOvr>
+</p:sldLayout>
+</file>
+
+<file path=ppt/slideLayouts/slideLayout15.xml><?xml version="1.0" encoding="utf-8"?>
+<p:sldLayout xmlns:a="http://schemas.openxmlformats.org/drawingml/2006/main" xmlns:r="http://schemas.openxmlformats.org/officeDocument/2006/relationships" xmlns:p="http://schemas.openxmlformats.org/presentationml/2006/main" preserve="1">
+  <p:cSld name="Columna de imagen 3">
+    <p:spTree>
+      <p:nvGrpSpPr>
+        <p:cNvPr id="1" name=""/>
+        <p:cNvGrpSpPr/>
+        <p:nvPr/>
+      </p:nvGrpSpPr>
+      <p:grpSpPr>
+        <a:xfrm>
+          <a:off x="0" y="0"/>
+          <a:ext cx="0" cy="0"/>
+          <a:chOff x="0" y="0"/>
+          <a:chExt cx="0" cy="0"/>
+        </a:xfrm>
+      </p:grpSpPr>
+      <p:sp>
+        <p:nvSpPr>
+          <p:cNvPr id="2" name="Title 1"/>
+          <p:cNvSpPr>
+            <a:spLocks noGrp="1"/>
+          </p:cNvSpPr>
+          <p:nvPr>
+            <p:ph type="title"/>
+          </p:nvPr>
+        </p:nvSpPr>
+        <p:spPr/>
+        <p:txBody>
+          <a:bodyPr/>
+          <a:lstStyle>
+            <a:lvl1pPr>
+              <a:defRPr sz="4200"/>
+            </a:lvl1pPr>
+          </a:lstStyle>
+          <a:p>
+            <a:r>
+              <a:rPr lang="es-ES"/>
+              <a:t>Haga clic para modificar el estilo de título del patrón</a:t>
+            </a:r>
+            <a:endParaRPr lang="en-US" dirty="0"/>
+          </a:p>
+        </p:txBody>
+      </p:sp>
+      <p:sp>
+        <p:nvSpPr>
+          <p:cNvPr id="3" name="Text Placeholder 2"/>
+          <p:cNvSpPr>
+            <a:spLocks noGrp="1"/>
+          </p:cNvSpPr>
+          <p:nvPr>
+            <p:ph type="body" idx="1"/>
+          </p:nvPr>
+        </p:nvSpPr>
+        <p:spPr>
+          <a:xfrm>
+            <a:off x="652463" y="4250949"/>
+            <a:ext cx="2940050" cy="576262"/>
+          </a:xfrm>
+        </p:spPr>
+        <p:txBody>
+          <a:bodyPr anchor="b">
+            <a:noAutofit/>
+          </a:bodyPr>
+          <a:lstStyle>
+            <a:lvl1pPr marL="0" indent="0">
+              <a:buNone/>
+              <a:defRPr sz="2400" b="0">
+                <a:solidFill>
+                  <a:schemeClr val="accent1"/>
+                </a:solidFill>
+              </a:defRPr>
+            </a:lvl1pPr>
+            <a:lvl2pPr marL="457200" indent="0">
+              <a:buNone/>
+              <a:defRPr sz="2000" b="1"/>
+            </a:lvl2pPr>
+            <a:lvl3pPr marL="914400" indent="0">
+              <a:buNone/>
+              <a:defRPr sz="1800" b="1"/>
+            </a:lvl3pPr>
+            <a:lvl4pPr marL="1371600" indent="0">
+              <a:buNone/>
+              <a:defRPr sz="1600" b="1"/>
+            </a:lvl4pPr>
+            <a:lvl5pPr marL="1828800" indent="0">
+              <a:buNone/>
+              <a:defRPr sz="1600" b="1"/>
+            </a:lvl5pPr>
+            <a:lvl6pPr marL="2286000" indent="0">
+              <a:buNone/>
+              <a:defRPr sz="1600" b="1"/>
+            </a:lvl6pPr>
+            <a:lvl7pPr marL="2743200" indent="0">
+              <a:buNone/>
+              <a:defRPr sz="1600" b="1"/>
+            </a:lvl7pPr>
+            <a:lvl8pPr marL="3200400" indent="0">
+              <a:buNone/>
+              <a:defRPr sz="1600" b="1"/>
+            </a:lvl8pPr>
+            <a:lvl9pPr marL="3657600" indent="0">
+              <a:buNone/>
+              <a:defRPr sz="1600" b="1"/>
+            </a:lvl9pPr>
+          </a:lstStyle>
+          <a:p>
+            <a:pPr lvl="0"/>
+            <a:r>
+              <a:rPr lang="es-ES"/>
+              <a:t>Haga clic para modificar los estilos de texto del patrón</a:t>
+            </a:r>
+          </a:p>
+        </p:txBody>
+      </p:sp>
+      <p:sp>
+        <p:nvSpPr>
+          <p:cNvPr id="29" name="Picture Placeholder 2"/>
+          <p:cNvSpPr>
+            <a:spLocks noGrp="1" noChangeAspect="1"/>
+          </p:cNvSpPr>
+          <p:nvPr>
+            <p:ph type="pic" idx="15"/>
+          </p:nvPr>
+        </p:nvSpPr>
+        <p:spPr>
+          <a:xfrm>
+            <a:off x="652463" y="2209800"/>
+            <a:ext cx="2940050" cy="1524000"/>
+          </a:xfrm>
+          <a:prstGeom prst="roundRect">
+            <a:avLst>
+              <a:gd name="adj" fmla="val 1858"/>
+            </a:avLst>
+          </a:prstGeom>
+          <a:effectLst>
+            <a:outerShdw blurRad="50800" dist="50800" dir="5400000" algn="tl" rotWithShape="0">
+              <a:srgbClr val="000000">
+                <a:alpha val="43000"/>
+              </a:srgbClr>
+            </a:outerShdw>
+          </a:effectLst>
+        </p:spPr>
+        <p:txBody>
+          <a:bodyPr anchor="t">
+            <a:normAutofit/>
+          </a:bodyPr>
+          <a:lstStyle>
+            <a:lvl1pPr marL="0" indent="0" algn="ctr">
+              <a:buNone/>
+              <a:defRPr sz="1600"/>
+            </a:lvl1pPr>
+            <a:lvl2pPr marL="457200" indent="0">
+              <a:buNone/>
+              <a:defRPr sz="1600"/>
+            </a:lvl2pPr>
+            <a:lvl3pPr marL="914400" indent="0">
+              <a:buNone/>
+              <a:defRPr sz="1600"/>
+            </a:lvl3pPr>
+            <a:lvl4pPr marL="1371600" indent="0">
+              <a:buNone/>
+              <a:defRPr sz="1600"/>
+            </a:lvl4pPr>
+            <a:lvl5pPr marL="1828800" indent="0">
+              <a:buNone/>
+              <a:defRPr sz="1600"/>
+            </a:lvl5pPr>
+            <a:lvl6pPr marL="2286000" indent="0">
+              <a:buNone/>
+              <a:defRPr sz="1600"/>
+            </a:lvl6pPr>
+            <a:lvl7pPr marL="2743200" indent="0">
+              <a:buNone/>
+              <a:defRPr sz="1600"/>
+            </a:lvl7pPr>
+            <a:lvl8pPr marL="3200400" indent="0">
+              <a:buNone/>
+              <a:defRPr sz="1600"/>
+            </a:lvl8pPr>
+            <a:lvl9pPr marL="3657600" indent="0">
+              <a:buNone/>
+              <a:defRPr sz="1600"/>
+            </a:lvl9pPr>
+          </a:lstStyle>
+          <a:p>
+            <a:r>
+              <a:rPr lang="es-ES"/>
+              <a:t>Haga clic en el icono para agregar una imagen</a:t>
+            </a:r>
+            <a:endParaRPr lang="en-US" dirty="0"/>
+          </a:p>
+        </p:txBody>
+      </p:sp>
+      <p:sp>
+        <p:nvSpPr>
+          <p:cNvPr id="22" name="Text Placeholder 3"/>
+          <p:cNvSpPr>
+            <a:spLocks noGrp="1"/>
+          </p:cNvSpPr>
+          <p:nvPr>
+            <p:ph type="body" sz="half" idx="18"/>
+          </p:nvPr>
+        </p:nvSpPr>
+        <p:spPr>
+          <a:xfrm>
+            <a:off x="652463" y="4827211"/>
+            <a:ext cx="2940050" cy="659189"/>
+          </a:xfrm>
+        </p:spPr>
+        <p:txBody>
+          <a:bodyPr anchor="t">
+            <a:normAutofit/>
+          </a:bodyPr>
+          <a:lstStyle>
+            <a:lvl1pPr marL="0" indent="0">
+              <a:buNone/>
+              <a:defRPr sz="1400"/>
+            </a:lvl1pPr>
+            <a:lvl2pPr marL="457200" indent="0">
+              <a:buNone/>
+              <a:defRPr sz="1200"/>
+            </a:lvl2pPr>
+            <a:lvl3pPr marL="914400" indent="0">
+              <a:buNone/>
+              <a:defRPr sz="1000"/>
+            </a:lvl3pPr>
+            <a:lvl4pPr marL="1371600" indent="0">
+              <a:buNone/>
+              <a:defRPr sz="900"/>
+            </a:lvl4pPr>
+            <a:lvl5pPr marL="1828800" indent="0">
+              <a:buNone/>
+              <a:defRPr sz="900"/>
+            </a:lvl5pPr>
+            <a:lvl6pPr marL="2286000" indent="0">
+              <a:buNone/>
+              <a:defRPr sz="900"/>
+            </a:lvl6pPr>
+            <a:lvl7pPr marL="2743200" indent="0">
+              <a:buNone/>
+              <a:defRPr sz="900"/>
+            </a:lvl7pPr>
+            <a:lvl8pPr marL="3200400" indent="0">
+              <a:buNone/>
+              <a:defRPr sz="900"/>
+            </a:lvl8pPr>
+            <a:lvl9pPr marL="3657600" indent="0">
+              <a:buNone/>
+              <a:defRPr sz="900"/>
+            </a:lvl9pPr>
+          </a:lstStyle>
+          <a:p>
+            <a:pPr lvl="0"/>
+            <a:r>
+              <a:rPr lang="es-ES"/>
+              <a:t>Haga clic para modificar los estilos de texto del patrón</a:t>
+            </a:r>
+          </a:p>
+        </p:txBody>
+      </p:sp>
+      <p:sp>
+        <p:nvSpPr>
+          <p:cNvPr id="5" name="Text Placeholder 4"/>
+          <p:cNvSpPr>
+            <a:spLocks noGrp="1"/>
+          </p:cNvSpPr>
+          <p:nvPr>
+            <p:ph type="body" sz="quarter" idx="3"/>
+          </p:nvPr>
+        </p:nvSpPr>
+        <p:spPr>
+          <a:xfrm>
+            <a:off x="3889375" y="4250949"/>
+            <a:ext cx="2930525" cy="576262"/>
+          </a:xfrm>
+        </p:spPr>
+        <p:txBody>
+          <a:bodyPr anchor="b">
+            <a:noAutofit/>
+          </a:bodyPr>
+          <a:lstStyle>
+            <a:lvl1pPr marL="0" indent="0">
+              <a:buNone/>
+              <a:defRPr sz="2400" b="0">
+                <a:solidFill>
+                  <a:schemeClr val="accent1"/>
+                </a:solidFill>
+              </a:defRPr>
+            </a:lvl1pPr>
+            <a:lvl2pPr marL="457200" indent="0">
+              <a:buNone/>
+              <a:defRPr sz="2000" b="1"/>
+            </a:lvl2pPr>
+            <a:lvl3pPr marL="914400" indent="0">
+              <a:buNone/>
+              <a:defRPr sz="1800" b="1"/>
+            </a:lvl3pPr>
+            <a:lvl4pPr marL="1371600" indent="0">
+              <a:buNone/>
+              <a:defRPr sz="1600" b="1"/>
+            </a:lvl4pPr>
+            <a:lvl5pPr marL="1828800" indent="0">
+              <a:buNone/>
+              <a:defRPr sz="1600" b="1"/>
+            </a:lvl5pPr>
+            <a:lvl6pPr marL="2286000" indent="0">
+              <a:buNone/>
+              <a:defRPr sz="1600" b="1"/>
+            </a:lvl6pPr>
+            <a:lvl7pPr marL="2743200" indent="0">
+              <a:buNone/>
+              <a:defRPr sz="1600" b="1"/>
+            </a:lvl7pPr>
+            <a:lvl8pPr marL="3200400" indent="0">
+              <a:buNone/>
+              <a:defRPr sz="1600" b="1"/>
+            </a:lvl8pPr>
+            <a:lvl9pPr marL="3657600" indent="0">
+              <a:buNone/>
+              <a:defRPr sz="1600" b="1"/>
+            </a:lvl9pPr>
+          </a:lstStyle>
+          <a:p>
+            <a:pPr lvl="0"/>
+            <a:r>
+              <a:rPr lang="es-ES"/>
+              <a:t>Haga clic para modificar los estilos de texto del patrón</a:t>
+            </a:r>
+          </a:p>
+        </p:txBody>
+      </p:sp>
+      <p:sp>
+        <p:nvSpPr>
+          <p:cNvPr id="30" name="Picture Placeholder 2"/>
+          <p:cNvSpPr>
+            <a:spLocks noGrp="1" noChangeAspect="1"/>
+          </p:cNvSpPr>
+          <p:nvPr>
+            <p:ph type="pic" idx="21"/>
+          </p:nvPr>
+        </p:nvSpPr>
+        <p:spPr>
+          <a:xfrm>
+            <a:off x="3889374" y="2209800"/>
+            <a:ext cx="2930525" cy="1524000"/>
+          </a:xfrm>
+          <a:prstGeom prst="roundRect">
+            <a:avLst>
+              <a:gd name="adj" fmla="val 1858"/>
+            </a:avLst>
+          </a:prstGeom>
+          <a:effectLst>
+            <a:outerShdw blurRad="50800" dist="50800" dir="5400000" algn="tl" rotWithShape="0">
+              <a:srgbClr val="000000">
+                <a:alpha val="43000"/>
+              </a:srgbClr>
+            </a:outerShdw>
+          </a:effectLst>
+        </p:spPr>
+        <p:txBody>
+          <a:bodyPr anchor="t">
+            <a:normAutofit/>
+          </a:bodyPr>
+          <a:lstStyle>
+            <a:lvl1pPr marL="0" indent="0" algn="ctr">
+              <a:buNone/>
+              <a:defRPr sz="1600"/>
+            </a:lvl1pPr>
+            <a:lvl2pPr marL="457200" indent="0">
+              <a:buNone/>
+              <a:defRPr sz="1600"/>
+            </a:lvl2pPr>
+            <a:lvl3pPr marL="914400" indent="0">
+              <a:buNone/>
+              <a:defRPr sz="1600"/>
+            </a:lvl3pPr>
+            <a:lvl4pPr marL="1371600" indent="0">
+              <a:buNone/>
+              <a:defRPr sz="1600"/>
+            </a:lvl4pPr>
+            <a:lvl5pPr marL="1828800" indent="0">
+              <a:buNone/>
+              <a:defRPr sz="1600"/>
+            </a:lvl5pPr>
+            <a:lvl6pPr marL="2286000" indent="0">
+              <a:buNone/>
+              <a:defRPr sz="1600"/>
+            </a:lvl6pPr>
+            <a:lvl7pPr marL="2743200" indent="0">
+              <a:buNone/>
+              <a:defRPr sz="1600"/>
+            </a:lvl7pPr>
+            <a:lvl8pPr marL="3200400" indent="0">
+              <a:buNone/>
+              <a:defRPr sz="1600"/>
+            </a:lvl8pPr>
+            <a:lvl9pPr marL="3657600" indent="0">
+              <a:buNone/>
+              <a:defRPr sz="1600"/>
+            </a:lvl9pPr>
+          </a:lstStyle>
+          <a:p>
+            <a:r>
+              <a:rPr lang="es-ES"/>
+              <a:t>Haga clic en el icono para agregar una imagen</a:t>
+            </a:r>
+            <a:endParaRPr lang="en-US" dirty="0"/>
+          </a:p>
+        </p:txBody>
+      </p:sp>
+      <p:sp>
+        <p:nvSpPr>
+          <p:cNvPr id="23" name="Text Placeholder 3"/>
+          <p:cNvSpPr>
+            <a:spLocks noGrp="1"/>
+          </p:cNvSpPr>
+          <p:nvPr>
+            <p:ph type="body" sz="half" idx="19"/>
+          </p:nvPr>
+        </p:nvSpPr>
+        <p:spPr>
+          <a:xfrm>
+            <a:off x="3888022" y="4827210"/>
+            <a:ext cx="2934406" cy="659189"/>
+          </a:xfrm>
+        </p:spPr>
+        <p:txBody>
+          <a:bodyPr anchor="t">
+            <a:normAutofit/>
+          </a:bodyPr>
+          <a:lstStyle>
+            <a:lvl1pPr marL="0" indent="0">
+              <a:buNone/>
+              <a:defRPr sz="1400"/>
+            </a:lvl1pPr>
+            <a:lvl2pPr marL="457200" indent="0">
+              <a:buNone/>
+              <a:defRPr sz="1200"/>
+            </a:lvl2pPr>
+            <a:lvl3pPr marL="914400" indent="0">
+              <a:buNone/>
+              <a:defRPr sz="1000"/>
+            </a:lvl3pPr>
+            <a:lvl4pPr marL="1371600" indent="0">
+              <a:buNone/>
+              <a:defRPr sz="900"/>
+            </a:lvl4pPr>
+            <a:lvl5pPr marL="1828800" indent="0">
+              <a:buNone/>
+              <a:defRPr sz="900"/>
+            </a:lvl5pPr>
+            <a:lvl6pPr marL="2286000" indent="0">
+              <a:buNone/>
+              <a:defRPr sz="900"/>
+            </a:lvl6pPr>
+            <a:lvl7pPr marL="2743200" indent="0">
+              <a:buNone/>
+              <a:defRPr sz="900"/>
+            </a:lvl7pPr>
+            <a:lvl8pPr marL="3200400" indent="0">
+              <a:buNone/>
+              <a:defRPr sz="900"/>
+            </a:lvl8pPr>
+            <a:lvl9pPr marL="3657600" indent="0">
+              <a:buNone/>
+              <a:defRPr sz="900"/>
+            </a:lvl9pPr>
+          </a:lstStyle>
+          <a:p>
+            <a:pPr lvl="0"/>
+            <a:r>
+              <a:rPr lang="es-ES"/>
+              <a:t>Haga clic para modificar los estilos de texto del patrón</a:t>
+            </a:r>
+          </a:p>
+        </p:txBody>
+      </p:sp>
+      <p:sp>
+        <p:nvSpPr>
+          <p:cNvPr id="14" name="Text Placeholder 4"/>
+          <p:cNvSpPr>
+            <a:spLocks noGrp="1"/>
+          </p:cNvSpPr>
+          <p:nvPr>
+            <p:ph type="body" sz="quarter" idx="13"/>
+          </p:nvPr>
+        </p:nvSpPr>
+        <p:spPr>
+          <a:xfrm>
+            <a:off x="7124700" y="4250949"/>
+            <a:ext cx="2932113" cy="576262"/>
+          </a:xfrm>
+        </p:spPr>
+        <p:txBody>
+          <a:bodyPr anchor="b">
+            <a:noAutofit/>
+          </a:bodyPr>
+          <a:lstStyle>
+            <a:lvl1pPr marL="0" indent="0">
+              <a:buNone/>
+              <a:defRPr sz="2400" b="0">
+                <a:solidFill>
+                  <a:schemeClr val="accent1"/>
+                </a:solidFill>
+              </a:defRPr>
+            </a:lvl1pPr>
+            <a:lvl2pPr marL="457200" indent="0">
+              <a:buNone/>
+              <a:defRPr sz="2000" b="1"/>
+            </a:lvl2pPr>
+            <a:lvl3pPr marL="914400" indent="0">
+              <a:buNone/>
+              <a:defRPr sz="1800" b="1"/>
+            </a:lvl3pPr>
+            <a:lvl4pPr marL="1371600" indent="0">
+              <a:buNone/>
+              <a:defRPr sz="1600" b="1"/>
+            </a:lvl4pPr>
+            <a:lvl5pPr marL="1828800" indent="0">
+              <a:buNone/>
+              <a:defRPr sz="1600" b="1"/>
+            </a:lvl5pPr>
+            <a:lvl6pPr marL="2286000" indent="0">
+              <a:buNone/>
+              <a:defRPr sz="1600" b="1"/>
+            </a:lvl6pPr>
+            <a:lvl7pPr marL="2743200" indent="0">
+              <a:buNone/>
+              <a:defRPr sz="1600" b="1"/>
+            </a:lvl7pPr>
+            <a:lvl8pPr marL="3200400" indent="0">
+              <a:buNone/>
+              <a:defRPr sz="1600" b="1"/>
+            </a:lvl8pPr>
+            <a:lvl9pPr marL="3657600" indent="0">
+              <a:buNone/>
+              <a:defRPr sz="1600" b="1"/>
+            </a:lvl9pPr>
+          </a:lstStyle>
+          <a:p>
+            <a:pPr lvl="0"/>
+            <a:r>
+              <a:rPr lang="es-ES"/>
+              <a:t>Haga clic para modificar los estilos de texto del patrón</a:t>
+            </a:r>
+          </a:p>
+        </p:txBody>
+      </p:sp>
+      <p:sp>
+        <p:nvSpPr>
+          <p:cNvPr id="31" name="Picture Placeholder 2"/>
+          <p:cNvSpPr>
+            <a:spLocks noGrp="1" noChangeAspect="1"/>
+          </p:cNvSpPr>
+          <p:nvPr>
+            <p:ph type="pic" idx="22"/>
+          </p:nvPr>
+        </p:nvSpPr>
+        <p:spPr>
+          <a:xfrm>
+            <a:off x="7124699" y="2209800"/>
+            <a:ext cx="2932113" cy="1524000"/>
+          </a:xfrm>
+          <a:prstGeom prst="roundRect">
+            <a:avLst>
+              <a:gd name="adj" fmla="val 1858"/>
+            </a:avLst>
+          </a:prstGeom>
+          <a:effectLst>
+            <a:outerShdw blurRad="50800" dist="50800" dir="5400000" algn="tl" rotWithShape="0">
+              <a:srgbClr val="000000">
+                <a:alpha val="43000"/>
+              </a:srgbClr>
+            </a:outerShdw>
+          </a:effectLst>
+        </p:spPr>
+        <p:txBody>
+          <a:bodyPr anchor="t">
+            <a:normAutofit/>
+          </a:bodyPr>
+          <a:lstStyle>
+            <a:lvl1pPr marL="0" indent="0" algn="ctr">
+              <a:buNone/>
+              <a:defRPr sz="1600"/>
+            </a:lvl1pPr>
+            <a:lvl2pPr marL="457200" indent="0">
+              <a:buNone/>
+              <a:defRPr sz="1600"/>
+            </a:lvl2pPr>
+            <a:lvl3pPr marL="914400" indent="0">
+              <a:buNone/>
+              <a:defRPr sz="1600"/>
+            </a:lvl3pPr>
+            <a:lvl4pPr marL="1371600" indent="0">
+              <a:buNone/>
+              <a:defRPr sz="1600"/>
+            </a:lvl4pPr>
+            <a:lvl5pPr marL="1828800" indent="0">
+              <a:buNone/>
+              <a:defRPr sz="1600"/>
+            </a:lvl5pPr>
+            <a:lvl6pPr marL="2286000" indent="0">
+              <a:buNone/>
+              <a:defRPr sz="1600"/>
+            </a:lvl6pPr>
+            <a:lvl7pPr marL="2743200" indent="0">
+              <a:buNone/>
+              <a:defRPr sz="1600"/>
+            </a:lvl7pPr>
+            <a:lvl8pPr marL="3200400" indent="0">
+              <a:buNone/>
+              <a:defRPr sz="1600"/>
+            </a:lvl8pPr>
+            <a:lvl9pPr marL="3657600" indent="0">
+              <a:buNone/>
+              <a:defRPr sz="1600"/>
+            </a:lvl9pPr>
+          </a:lstStyle>
+          <a:p>
+            <a:r>
+              <a:rPr lang="es-ES"/>
+              <a:t>Haga clic en el icono para agregar una imagen</a:t>
+            </a:r>
+            <a:endParaRPr lang="en-US" dirty="0"/>
+          </a:p>
+        </p:txBody>
+      </p:sp>
+      <p:sp>
+        <p:nvSpPr>
+          <p:cNvPr id="24" name="Text Placeholder 3"/>
+          <p:cNvSpPr>
+            <a:spLocks noGrp="1"/>
+          </p:cNvSpPr>
+          <p:nvPr>
+            <p:ph type="body" sz="half" idx="20"/>
+          </p:nvPr>
+        </p:nvSpPr>
+        <p:spPr>
+          <a:xfrm>
+            <a:off x="7124575" y="4827208"/>
+            <a:ext cx="2935997" cy="659189"/>
+          </a:xfrm>
+        </p:spPr>
+        <p:txBody>
+          <a:bodyPr anchor="t">
+            <a:normAutofit/>
+          </a:bodyPr>
+          <a:lstStyle>
+            <a:lvl1pPr marL="0" indent="0">
+              <a:buNone/>
+              <a:defRPr sz="1400"/>
+            </a:lvl1pPr>
+            <a:lvl2pPr marL="457200" indent="0">
+              <a:buNone/>
+              <a:defRPr sz="1200"/>
+            </a:lvl2pPr>
+            <a:lvl3pPr marL="914400" indent="0">
+              <a:buNone/>
+              <a:defRPr sz="1000"/>
+            </a:lvl3pPr>
+            <a:lvl4pPr marL="1371600" indent="0">
+              <a:buNone/>
+              <a:defRPr sz="900"/>
+            </a:lvl4pPr>
+            <a:lvl5pPr marL="1828800" indent="0">
+              <a:buNone/>
+              <a:defRPr sz="900"/>
+            </a:lvl5pPr>
+            <a:lvl6pPr marL="2286000" indent="0">
+              <a:buNone/>
+              <a:defRPr sz="900"/>
+            </a:lvl6pPr>
+            <a:lvl7pPr marL="2743200" indent="0">
+              <a:buNone/>
+              <a:defRPr sz="900"/>
+            </a:lvl7pPr>
+            <a:lvl8pPr marL="3200400" indent="0">
+              <a:buNone/>
+              <a:defRPr sz="900"/>
+            </a:lvl8pPr>
+            <a:lvl9pPr marL="3657600" indent="0">
+              <a:buNone/>
+              <a:defRPr sz="900"/>
+            </a:lvl9pPr>
+          </a:lstStyle>
+          <a:p>
+            <a:pPr lvl="0"/>
+            <a:r>
+              <a:rPr lang="es-ES"/>
+              <a:t>Haga clic para modificar los estilos de texto del patrón</a:t>
+            </a:r>
+          </a:p>
+        </p:txBody>
+      </p:sp>
+      <p:cxnSp>
+        <p:nvCxnSpPr>
+          <p:cNvPr id="17" name="Straight Connector 16"/>
+          <p:cNvCxnSpPr/>
+          <p:nvPr/>
+        </p:nvCxnSpPr>
+        <p:spPr>
+          <a:xfrm>
+            <a:off x="3726142" y="2133600"/>
+            <a:ext cx="0" cy="3962400"/>
+          </a:xfrm>
+          <a:prstGeom prst="line">
+            <a:avLst/>
+          </a:prstGeom>
+          <a:ln w="12700" cmpd="sng">
+            <a:solidFill>
+              <a:schemeClr val="accent1">
+                <a:alpha val="40000"/>
+              </a:schemeClr>
+            </a:solidFill>
+          </a:ln>
+        </p:spPr>
+        <p:style>
+          <a:lnRef idx="2">
+            <a:schemeClr val="accent1"/>
+          </a:lnRef>
+          <a:fillRef idx="0">
+            <a:schemeClr val="accent1"/>
+          </a:fillRef>
+          <a:effectRef idx="1">
+            <a:schemeClr val="accent1"/>
+          </a:effectRef>
+          <a:fontRef idx="minor">
+            <a:schemeClr val="tx1"/>
+          </a:fontRef>
+        </p:style>
+      </p:cxnSp>
+      <p:cxnSp>
+        <p:nvCxnSpPr>
+          <p:cNvPr id="18" name="Straight Connector 17"/>
+          <p:cNvCxnSpPr/>
+          <p:nvPr/>
+        </p:nvCxnSpPr>
+        <p:spPr>
+          <a:xfrm>
+            <a:off x="6962227" y="2133600"/>
+            <a:ext cx="0" cy="3966882"/>
+          </a:xfrm>
+          <a:prstGeom prst="line">
+            <a:avLst/>
+          </a:prstGeom>
+          <a:ln w="12700" cmpd="sng">
+            <a:solidFill>
+              <a:schemeClr val="accent1">
+                <a:alpha val="40000"/>
+              </a:schemeClr>
+            </a:solidFill>
+          </a:ln>
+        </p:spPr>
+        <p:style>
+          <a:lnRef idx="2">
+            <a:schemeClr val="accent1"/>
+          </a:lnRef>
+          <a:fillRef idx="0">
+            <a:schemeClr val="accent1"/>
+          </a:fillRef>
+          <a:effectRef idx="1">
+            <a:schemeClr val="accent1"/>
+          </a:effectRef>
+          <a:fontRef idx="minor">
+            <a:schemeClr val="tx1"/>
+          </a:fontRef>
+        </p:style>
+      </p:cxnSp>
+      <p:sp>
+        <p:nvSpPr>
+          <p:cNvPr id="7" name="Date Placeholder 3"/>
+          <p:cNvSpPr>
+            <a:spLocks noGrp="1"/>
+          </p:cNvSpPr>
+          <p:nvPr>
+            <p:ph type="dt" sz="half" idx="10"/>
+          </p:nvPr>
+        </p:nvSpPr>
+        <p:spPr/>
+        <p:txBody>
+          <a:bodyPr/>
+          <a:lstStyle/>
+          <a:p>
+            <a:fld id="{4509A250-FF31-4206-8172-F9D3106AACB1}" type="datetimeFigureOut">
+              <a:rPr lang="en-US" dirty="0"/>
+              <a:t>8/4/2020</a:t>
+            </a:fld>
+            <a:endParaRPr lang="en-US" dirty="0"/>
+          </a:p>
+        </p:txBody>
+      </p:sp>
+      <p:sp>
+        <p:nvSpPr>
+          <p:cNvPr id="4" name="Footer Placeholder 4"/>
+          <p:cNvSpPr>
+            <a:spLocks noGrp="1"/>
+          </p:cNvSpPr>
+          <p:nvPr>
+            <p:ph type="ftr" sz="quarter" idx="11"/>
+          </p:nvPr>
+        </p:nvSpPr>
+        <p:spPr/>
+        <p:txBody>
+          <a:bodyPr/>
+          <a:lstStyle/>
+          <a:p>
+            <a:endParaRPr lang="en-US" dirty="0"/>
+          </a:p>
+        </p:txBody>
+      </p:sp>
+      <p:sp>
+        <p:nvSpPr>
+          <p:cNvPr id="6" name="Slide Number Placeholder 5"/>
+          <p:cNvSpPr>
+            <a:spLocks noGrp="1"/>
+          </p:cNvSpPr>
+          <p:nvPr>
+            <p:ph type="sldNum" sz="quarter" idx="12"/>
+          </p:nvPr>
+        </p:nvSpPr>
+        <p:spPr/>
+        <p:txBody>
+          <a:bodyPr/>
+          <a:lstStyle/>
+          <a:p>
+            <a:fld id="{D57F1E4F-1CFF-5643-939E-02111984F565}" type="slidenum">
+              <a:rPr lang="en-US" dirty="0"/>
+              <a:t>‹Nº›</a:t>
+            </a:fld>
+            <a:endParaRPr lang="en-US" dirty="0"/>
+          </a:p>
+        </p:txBody>
+      </p:sp>
+    </p:spTree>
+  </p:cSld>
+  <p:clrMapOvr>
+    <a:masterClrMapping/>
+  </p:clrMapOvr>
+</p:sldLayout>
+</file>
+
+<file path=ppt/slideLayouts/slideLayout16.xml><?xml version="1.0" encoding="utf-8"?>
 <p:sldLayout xmlns:a="http://schemas.openxmlformats.org/drawingml/2006/main" xmlns:r="http://schemas.openxmlformats.org/officeDocument/2006/relationships" xmlns:p="http://schemas.openxmlformats.org/presentationml/2006/main" type="vertTx" preserve="1">
   <p:cSld name="Título y texto vertical">
     <p:spTree>
@@ -630,7 +2896,7 @@
         </p:nvSpPr>
         <p:spPr/>
         <p:txBody>
-          <a:bodyPr vert="eaVert"/>
+          <a:bodyPr vert="eaVert" anchor="t" anchorCtr="0"/>
           <a:lstStyle/>
           <a:p>
             <a:pPr lvl="0"/>
@@ -685,9 +2951,9 @@
           <a:bodyPr/>
           <a:lstStyle/>
           <a:p>
-            <a:fld id="{87157CC2-0FC8-4686-B024-99790E0F5162}" type="datetimeFigureOut">
+            <a:fld id="{4509A250-FF31-4206-8172-F9D3106AACB1}" type="datetimeFigureOut">
               <a:rPr lang="en-US" dirty="0"/>
-              <a:t>7/28/2020</a:t>
+              <a:t>8/4/2020</a:t>
             </a:fld>
             <a:endParaRPr lang="en-US" dirty="0"/>
           </a:p>
@@ -727,7 +2993,7 @@
           <a:bodyPr/>
           <a:lstStyle/>
           <a:p>
-            <a:fld id="{4FAB73BC-B049-4115-A692-8D63A059BFB8}" type="slidenum">
+            <a:fld id="{D57F1E4F-1CFF-5643-939E-02111984F565}" type="slidenum">
               <a:rPr lang="en-US" dirty="0"/>
               <a:t>‹Nº›</a:t>
             </a:fld>
@@ -743,7 +3009,7 @@
 </p:sldLayout>
 </file>
 
-<file path=ppt/slideLayouts/slideLayout11.xml><?xml version="1.0" encoding="utf-8"?>
+<file path=ppt/slideLayouts/slideLayout17.xml><?xml version="1.0" encoding="utf-8"?>
 <p:sldLayout xmlns:a="http://schemas.openxmlformats.org/drawingml/2006/main" xmlns:r="http://schemas.openxmlformats.org/officeDocument/2006/relationships" xmlns:p="http://schemas.openxmlformats.org/presentationml/2006/main" type="vertTitleAndTx" preserve="1">
   <p:cSld name="Título vertical y texto">
     <p:spTree>
@@ -772,12 +3038,12 @@
         </p:nvSpPr>
         <p:spPr>
           <a:xfrm>
-            <a:off x="8724900" y="533400"/>
-            <a:ext cx="2552700" cy="5638800"/>
+            <a:off x="8304212" y="430213"/>
+            <a:ext cx="1752601" cy="5826125"/>
           </a:xfrm>
         </p:spPr>
         <p:txBody>
-          <a:bodyPr vert="eaVert"/>
+          <a:bodyPr vert="eaVert" anchor="b" anchorCtr="0"/>
           <a:lstStyle/>
           <a:p>
             <a:r>
@@ -800,8 +3066,8 @@
         </p:nvSpPr>
         <p:spPr>
           <a:xfrm>
-            <a:off x="1066800" y="533400"/>
-            <a:ext cx="7505700" cy="5638800"/>
+            <a:off x="652463" y="887414"/>
+            <a:ext cx="7423149" cy="5368924"/>
           </a:xfrm>
         </p:spPr>
         <p:txBody>
@@ -860,9 +3126,9 @@
           <a:bodyPr/>
           <a:lstStyle/>
           <a:p>
-            <a:fld id="{F6764DA5-CD3D-4590-A511-FCD3BC7A793E}" type="datetimeFigureOut">
+            <a:fld id="{4509A250-FF31-4206-8172-F9D3106AACB1}" type="datetimeFigureOut">
               <a:rPr lang="en-US" dirty="0"/>
-              <a:t>7/28/2020</a:t>
+              <a:t>8/4/2020</a:t>
             </a:fld>
             <a:endParaRPr lang="en-US" dirty="0"/>
           </a:p>
@@ -902,7 +3168,7 @@
           <a:bodyPr/>
           <a:lstStyle/>
           <a:p>
-            <a:fld id="{4FAB73BC-B049-4115-A692-8D63A059BFB8}" type="slidenum">
+            <a:fld id="{D57F1E4F-1CFF-5643-939E-02111984F565}" type="slidenum">
               <a:rPr lang="en-US" dirty="0"/>
               <a:t>‹Nº›</a:t>
             </a:fld>
@@ -1025,9 +3291,9 @@
           <a:bodyPr/>
           <a:lstStyle/>
           <a:p>
-            <a:fld id="{82F5661D-6934-4B32-B92C-470368BF1EC6}" type="datetimeFigureOut">
+            <a:fld id="{4509A250-FF31-4206-8172-F9D3106AACB1}" type="datetimeFigureOut">
               <a:rPr lang="en-US" dirty="0"/>
-              <a:t>7/28/2020</a:t>
+              <a:t>8/4/2020</a:t>
             </a:fld>
             <a:endParaRPr lang="en-US" dirty="0"/>
           </a:p>
@@ -1067,7 +3333,7 @@
           <a:bodyPr/>
           <a:lstStyle/>
           <a:p>
-            <a:fld id="{4FAB73BC-B049-4115-A692-8D63A059BFB8}" type="slidenum">
+            <a:fld id="{D57F1E4F-1CFF-5643-939E-02111984F565}" type="slidenum">
               <a:rPr lang="en-US" dirty="0"/>
               <a:t>‹Nº›</a:t>
             </a:fld>
@@ -1084,7 +3350,7 @@
 </file>
 
 <file path=ppt/slideLayouts/slideLayout3.xml><?xml version="1.0" encoding="utf-8"?>
-<p:sldLayout xmlns:a="http://schemas.openxmlformats.org/drawingml/2006/main" xmlns:r="http://schemas.openxmlformats.org/officeDocument/2006/relationships" xmlns:p="http://schemas.openxmlformats.org/presentationml/2006/main" showMasterSp="0" type="secHead" preserve="1">
+<p:sldLayout xmlns:a="http://schemas.openxmlformats.org/drawingml/2006/main" xmlns:r="http://schemas.openxmlformats.org/officeDocument/2006/relationships" xmlns:p="http://schemas.openxmlformats.org/presentationml/2006/main" type="secHead" preserve="1">
   <p:cSld name="Encabezado de sección">
     <p:spTree>
       <p:nvGrpSpPr>
@@ -1102,124 +3368,60 @@
       </p:grpSpPr>
       <p:sp>
         <p:nvSpPr>
-          <p:cNvPr id="7" name="Rectangle 6"/>
-          <p:cNvSpPr/>
-          <p:nvPr/>
+          <p:cNvPr id="2" name="Title 1"/>
+          <p:cNvSpPr>
+            <a:spLocks noGrp="1"/>
+          </p:cNvSpPr>
+          <p:nvPr>
+            <p:ph type="title"/>
+          </p:nvPr>
         </p:nvSpPr>
         <p:spPr>
           <a:xfrm>
-            <a:off x="0" y="4917989"/>
-            <a:ext cx="12192000" cy="1940010"/>
+            <a:off x="1154956" y="2861733"/>
+            <a:ext cx="8825657" cy="1915647"/>
           </a:xfrm>
-          <a:prstGeom prst="rect">
-            <a:avLst/>
-          </a:prstGeom>
-          <a:blipFill dpi="0" rotWithShape="1">
-            <a:blip r:embed="rId2">
-              <a:alphaModFix amt="85000"/>
-              <a:lum bright="70000" contrast="-70000"/>
-              <a:extLst>
-                <a:ext uri="{BEBA8EAE-BF5A-486C-A8C5-ECC9F3942E4B}">
-                  <a14:imgProps xmlns:a14="http://schemas.microsoft.com/office/drawing/2010/main">
-                    <a14:imgLayer r:embed="rId3">
-                      <a14:imgEffect>
-                        <a14:sharpenSoften amount="61000"/>
-                      </a14:imgEffect>
-                    </a14:imgLayer>
-                  </a14:imgProps>
-                </a:ext>
-                <a:ext uri="{28A0092B-C50C-407E-A947-70E740481C1C}">
-                  <a14:useLocalDpi xmlns:a14="http://schemas.microsoft.com/office/drawing/2010/main" val="0"/>
-                </a:ext>
-              </a:extLst>
-            </a:blip>
-            <a:srcRect/>
-            <a:tile tx="0" ty="-704850" sx="92000" sy="89000" flip="xy" algn="ctr"/>
-          </a:blipFill>
-          <a:ln>
-            <a:noFill/>
-          </a:ln>
         </p:spPr>
-        <p:style>
-          <a:lnRef idx="2">
-            <a:schemeClr val="accent1">
-              <a:shade val="50000"/>
-            </a:schemeClr>
-          </a:lnRef>
-          <a:fillRef idx="1">
-            <a:schemeClr val="accent1"/>
-          </a:fillRef>
-          <a:effectRef idx="0">
-            <a:schemeClr val="accent1"/>
-          </a:effectRef>
-          <a:fontRef idx="minor">
-            <a:schemeClr val="lt1"/>
-          </a:fontRef>
-        </p:style>
-      </p:sp>
-      <p:sp>
-        <p:nvSpPr>
-          <p:cNvPr id="2" name="Title 1"/>
-          <p:cNvSpPr>
-            <a:spLocks noGrp="1"/>
-          </p:cNvSpPr>
-          <p:nvPr>
-            <p:ph type="title"/>
+        <p:txBody>
+          <a:bodyPr anchor="b"/>
+          <a:lstStyle>
+            <a:lvl1pPr algn="l">
+              <a:defRPr sz="4000" b="0" cap="none"/>
+            </a:lvl1pPr>
+          </a:lstStyle>
+          <a:p>
+            <a:r>
+              <a:rPr lang="es-ES"/>
+              <a:t>Haga clic para modificar el estilo de título del patrón</a:t>
+            </a:r>
+            <a:endParaRPr lang="en-US" dirty="0"/>
+          </a:p>
+        </p:txBody>
+      </p:sp>
+      <p:sp>
+        <p:nvSpPr>
+          <p:cNvPr id="3" name="Text Placeholder 2"/>
+          <p:cNvSpPr>
+            <a:spLocks noGrp="1"/>
+          </p:cNvSpPr>
+          <p:nvPr>
+            <p:ph type="body" idx="1"/>
           </p:nvPr>
         </p:nvSpPr>
         <p:spPr>
           <a:xfrm>
-            <a:off x="2167128" y="1225296"/>
-            <a:ext cx="9281160" cy="3520440"/>
+            <a:off x="1154955" y="4777381"/>
+            <a:ext cx="8825658" cy="860400"/>
           </a:xfrm>
         </p:spPr>
         <p:txBody>
-          <a:bodyPr anchor="ctr">
-            <a:normAutofit/>
-          </a:bodyPr>
+          <a:bodyPr anchor="t"/>
           <a:lstStyle>
-            <a:lvl1pPr>
-              <a:lnSpc>
-                <a:spcPct val="80000"/>
-              </a:lnSpc>
-              <a:defRPr sz="8000" b="0"/>
-            </a:lvl1pPr>
-          </a:lstStyle>
-          <a:p>
-            <a:r>
-              <a:rPr lang="es-ES"/>
-              <a:t>Haga clic para modificar el estilo de título del patrón</a:t>
-            </a:r>
-            <a:endParaRPr lang="en-US" dirty="0"/>
-          </a:p>
-        </p:txBody>
-      </p:sp>
-      <p:sp>
-        <p:nvSpPr>
-          <p:cNvPr id="3" name="Text Placeholder 2"/>
-          <p:cNvSpPr>
-            <a:spLocks noGrp="1"/>
-          </p:cNvSpPr>
-          <p:nvPr>
-            <p:ph type="body" idx="1"/>
-          </p:nvPr>
-        </p:nvSpPr>
-        <p:spPr>
-          <a:xfrm>
-            <a:off x="2165774" y="5020056"/>
-            <a:ext cx="9052560" cy="1066800"/>
-          </a:xfrm>
-        </p:spPr>
-        <p:txBody>
-          <a:bodyPr anchor="t">
-            <a:normAutofit/>
-          </a:bodyPr>
-          <a:lstStyle>
-            <a:lvl1pPr marL="0" indent="0">
-              <a:buNone/>
-              <a:defRPr sz="2000">
+            <a:lvl1pPr marL="0" indent="0" algn="l">
+              <a:buNone/>
+              <a:defRPr sz="2000" cap="all">
                 <a:solidFill>
-                  <a:schemeClr val="tx1"/>
+                  <a:schemeClr val="accent1"/>
                 </a:solidFill>
               </a:defRPr>
             </a:lvl1pPr>
@@ -1323,19 +3525,14 @@
             <p:ph type="dt" sz="half" idx="10"/>
           </p:nvPr>
         </p:nvSpPr>
-        <p:spPr>
-          <a:xfrm>
-            <a:off x="8593667" y="6272784"/>
-            <a:ext cx="2644309" cy="365125"/>
-          </a:xfrm>
-        </p:spPr>
-        <p:txBody>
-          <a:bodyPr/>
-          <a:lstStyle/>
-          <a:p>
-            <a:fld id="{C6F822A4-8DA6-4447-9B1F-C5DB58435268}" type="datetimeFigureOut">
+        <p:spPr/>
+        <p:txBody>
+          <a:bodyPr/>
+          <a:lstStyle/>
+          <a:p>
+            <a:fld id="{4509A250-FF31-4206-8172-F9D3106AACB1}" type="datetimeFigureOut">
               <a:rPr lang="en-US" dirty="0"/>
-              <a:t>7/28/2020</a:t>
+              <a:t>8/4/2020</a:t>
             </a:fld>
             <a:endParaRPr lang="en-US" dirty="0"/>
           </a:p>
@@ -1351,104 +3548,15 @@
             <p:ph type="ftr" sz="quarter" idx="11"/>
           </p:nvPr>
         </p:nvSpPr>
-        <p:spPr>
-          <a:xfrm>
-            <a:off x="2182708" y="6272784"/>
-            <a:ext cx="6327648" cy="365125"/>
-          </a:xfrm>
-        </p:spPr>
-        <p:txBody>
-          <a:bodyPr/>
-          <a:lstStyle/>
-          <a:p>
-            <a:endParaRPr lang="en-US" dirty="0"/>
-          </a:p>
-        </p:txBody>
-      </p:sp>
-      <p:grpSp>
-        <p:nvGrpSpPr>
-          <p:cNvPr id="8" name="Group 7"/>
-          <p:cNvGrpSpPr/>
-          <p:nvPr/>
-        </p:nvGrpSpPr>
-        <p:grpSpPr>
-          <a:xfrm>
-            <a:off x="897399" y="2325848"/>
-            <a:ext cx="1080904" cy="1080902"/>
-            <a:chOff x="9685338" y="4460675"/>
-            <a:chExt cx="1080904" cy="1080902"/>
-          </a:xfrm>
-        </p:grpSpPr>
-        <p:sp>
-          <p:nvSpPr>
-            <p:cNvPr id="9" name="Oval 8"/>
-            <p:cNvSpPr/>
-            <p:nvPr/>
-          </p:nvSpPr>
-          <p:spPr>
-            <a:xfrm>
-              <a:off x="9685338" y="4460675"/>
-              <a:ext cx="1080904" cy="1080902"/>
-            </a:xfrm>
-            <a:prstGeom prst="ellipse">
-              <a:avLst/>
-            </a:prstGeom>
-            <a:blipFill dpi="0" rotWithShape="1">
-              <a:blip r:embed="rId4">
-                <a:duotone>
-                  <a:schemeClr val="accent1">
-                    <a:shade val="45000"/>
-                    <a:satMod val="135000"/>
-                  </a:schemeClr>
-                  <a:prstClr val="white"/>
-                </a:duotone>
-                <a:extLst>
-                  <a:ext uri="{BEBA8EAE-BF5A-486C-A8C5-ECC9F3942E4B}">
-                    <a14:imgProps xmlns:a14="http://schemas.microsoft.com/office/drawing/2010/main">
-                      <a14:imgLayer r:embed="rId5">
-                        <a14:imgEffect>
-                          <a14:saturation sat="95000"/>
-                        </a14:imgEffect>
-                      </a14:imgLayer>
-                    </a14:imgProps>
-                  </a:ext>
-                </a:extLst>
-              </a:blip>
-              <a:srcRect/>
-              <a:tile tx="0" ty="0" sx="85000" sy="85000" flip="none" algn="tl"/>
-            </a:blipFill>
-            <a:ln w="25400" cap="flat" cmpd="sng" algn="ctr">
-              <a:noFill/>
-              <a:prstDash val="solid"/>
-            </a:ln>
-            <a:effectLst/>
-          </p:spPr>
-        </p:sp>
-        <p:sp>
-          <p:nvSpPr>
-            <p:cNvPr id="10" name="Oval 9"/>
-            <p:cNvSpPr/>
-            <p:nvPr/>
-          </p:nvSpPr>
-          <p:spPr>
-            <a:xfrm>
-              <a:off x="9793429" y="4568765"/>
-              <a:ext cx="864723" cy="864722"/>
-            </a:xfrm>
-            <a:prstGeom prst="ellipse">
-              <a:avLst/>
-            </a:prstGeom>
-            <a:noFill/>
-            <a:ln w="25400" cap="flat" cmpd="sng" algn="ctr">
-              <a:solidFill>
-                <a:sysClr val="window" lastClr="FFFFFF"/>
-              </a:solidFill>
-              <a:prstDash val="solid"/>
-            </a:ln>
-            <a:effectLst/>
-          </p:spPr>
-        </p:sp>
-      </p:grpSp>
+        <p:spPr/>
+        <p:txBody>
+          <a:bodyPr/>
+          <a:lstStyle/>
+          <a:p>
+            <a:endParaRPr lang="en-US" dirty="0"/>
+          </a:p>
+        </p:txBody>
+      </p:sp>
       <p:sp>
         <p:nvSpPr>
           <p:cNvPr id="6" name="Slide Number Placeholder 5"/>
@@ -1459,23 +3567,13 @@
             <p:ph type="sldNum" sz="quarter" idx="12"/>
           </p:nvPr>
         </p:nvSpPr>
-        <p:spPr>
-          <a:xfrm>
-            <a:off x="843702" y="2506133"/>
-            <a:ext cx="1188298" cy="720332"/>
-          </a:xfrm>
-        </p:spPr>
-        <p:txBody>
-          <a:bodyPr/>
-          <a:lstStyle>
-            <a:lvl1pPr>
-              <a:defRPr sz="2800"/>
-            </a:lvl1pPr>
-          </a:lstStyle>
-          <a:p>
-            <a:fld id="{4FAB73BC-B049-4115-A692-8D63A059BFB8}" type="slidenum">
+        <p:spPr/>
+        <p:txBody>
+          <a:bodyPr/>
+          <a:lstStyle/>
+          <a:p>
+            <a:fld id="{D57F1E4F-1CFF-5643-939E-02111984F565}" type="slidenum">
               <a:rPr lang="en-US" dirty="0"/>
-              <a:pPr/>
               <a:t>‹Nº›</a:t>
             </a:fld>
             <a:endParaRPr lang="en-US" dirty="0"/>
@@ -1542,39 +3640,41 @@
         </p:nvSpPr>
         <p:spPr>
           <a:xfrm>
-            <a:off x="1069848" y="2194560"/>
-            <a:ext cx="4754880" cy="3977640"/>
+            <a:off x="1103312" y="2060575"/>
+            <a:ext cx="4396339" cy="4195763"/>
           </a:xfrm>
         </p:spPr>
         <p:txBody>
-          <a:bodyPr/>
+          <a:bodyPr>
+            <a:normAutofit/>
+          </a:bodyPr>
           <a:lstStyle>
             <a:lvl1pPr>
-              <a:defRPr sz="2000"/>
+              <a:defRPr sz="1800"/>
             </a:lvl1pPr>
             <a:lvl2pPr>
-              <a:defRPr sz="1800"/>
+              <a:defRPr sz="1600"/>
             </a:lvl2pPr>
             <a:lvl3pPr>
-              <a:defRPr sz="1600"/>
+              <a:defRPr sz="1400"/>
             </a:lvl3pPr>
             <a:lvl4pPr>
-              <a:defRPr sz="1600"/>
+              <a:defRPr sz="1200"/>
             </a:lvl4pPr>
             <a:lvl5pPr>
-              <a:defRPr sz="1600"/>
+              <a:defRPr sz="1200"/>
             </a:lvl5pPr>
             <a:lvl6pPr>
-              <a:defRPr sz="1600"/>
+              <a:defRPr sz="1200"/>
             </a:lvl6pPr>
             <a:lvl7pPr>
-              <a:defRPr sz="1600"/>
+              <a:defRPr sz="1200"/>
             </a:lvl7pPr>
             <a:lvl8pPr>
-              <a:defRPr sz="1600"/>
+              <a:defRPr sz="1200"/>
             </a:lvl8pPr>
             <a:lvl9pPr>
-              <a:defRPr sz="1600"/>
+              <a:defRPr sz="1200"/>
             </a:lvl9pPr>
           </a:lstStyle>
           <a:p>
@@ -1627,39 +3727,41 @@
         </p:nvSpPr>
         <p:spPr>
           <a:xfrm>
-            <a:off x="6364224" y="2194560"/>
-            <a:ext cx="4754880" cy="3977640"/>
+            <a:off x="5654493" y="2056092"/>
+            <a:ext cx="4396341" cy="4200245"/>
           </a:xfrm>
         </p:spPr>
         <p:txBody>
-          <a:bodyPr/>
+          <a:bodyPr>
+            <a:normAutofit/>
+          </a:bodyPr>
           <a:lstStyle>
             <a:lvl1pPr>
-              <a:defRPr sz="2000"/>
+              <a:defRPr sz="1800"/>
             </a:lvl1pPr>
             <a:lvl2pPr>
-              <a:defRPr sz="1800"/>
+              <a:defRPr sz="1600"/>
             </a:lvl2pPr>
             <a:lvl3pPr>
-              <a:defRPr sz="1600"/>
+              <a:defRPr sz="1400"/>
             </a:lvl3pPr>
             <a:lvl4pPr>
-              <a:defRPr sz="1600"/>
+              <a:defRPr sz="1200"/>
             </a:lvl4pPr>
             <a:lvl5pPr>
-              <a:defRPr sz="1600"/>
+              <a:defRPr sz="1200"/>
             </a:lvl5pPr>
             <a:lvl6pPr>
-              <a:defRPr sz="1600"/>
+              <a:defRPr sz="1200"/>
             </a:lvl6pPr>
             <a:lvl7pPr>
-              <a:defRPr sz="1600"/>
+              <a:defRPr sz="1200"/>
             </a:lvl7pPr>
             <a:lvl8pPr>
-              <a:defRPr sz="1600"/>
+              <a:defRPr sz="1200"/>
             </a:lvl8pPr>
             <a:lvl9pPr>
-              <a:defRPr sz="1600"/>
+              <a:defRPr sz="1200"/>
             </a:lvl9pPr>
           </a:lstStyle>
           <a:p>
@@ -1715,9 +3817,9 @@
           <a:bodyPr/>
           <a:lstStyle/>
           <a:p>
-            <a:fld id="{E548D31E-DCDA-41A7-9C67-C4B11B94D21D}" type="datetimeFigureOut">
+            <a:fld id="{4509A250-FF31-4206-8172-F9D3106AACB1}" type="datetimeFigureOut">
               <a:rPr lang="en-US" dirty="0"/>
-              <a:t>7/28/2020</a:t>
+              <a:t>8/4/2020</a:t>
             </a:fld>
             <a:endParaRPr lang="en-US" dirty="0"/>
           </a:p>
@@ -1757,7 +3859,7 @@
           <a:bodyPr/>
           <a:lstStyle/>
           <a:p>
-            <a:fld id="{4FAB73BC-B049-4115-A692-8D63A059BFB8}" type="slidenum">
+            <a:fld id="{D57F1E4F-1CFF-5643-939E-02111984F565}" type="slidenum">
               <a:rPr lang="en-US" dirty="0"/>
               <a:t>‹Nº›</a:t>
             </a:fld>
@@ -1792,7 +3894,7 @@
       </p:grpSpPr>
       <p:sp>
         <p:nvSpPr>
-          <p:cNvPr id="10" name="Title 9"/>
+          <p:cNvPr id="2" name="Title 1"/>
           <p:cNvSpPr>
             <a:spLocks noGrp="1"/>
           </p:cNvSpPr>
@@ -1803,7 +3905,11 @@
         <p:spPr/>
         <p:txBody>
           <a:bodyPr/>
-          <a:lstStyle/>
+          <a:lstStyle>
+            <a:lvl1pPr>
+              <a:defRPr/>
+            </a:lvl1pPr>
+          </a:lstStyle>
           <a:p>
             <a:r>
               <a:rPr lang="es-ES"/>
@@ -1825,22 +3931,20 @@
         </p:nvSpPr>
         <p:spPr>
           <a:xfrm>
-            <a:off x="1066800" y="2048256"/>
-            <a:ext cx="4754880" cy="640080"/>
+            <a:off x="1103313" y="1905000"/>
+            <a:ext cx="4396338" cy="576262"/>
           </a:xfrm>
         </p:spPr>
         <p:txBody>
-          <a:bodyPr anchor="ctr">
-            <a:normAutofit/>
+          <a:bodyPr anchor="b">
+            <a:noAutofit/>
           </a:bodyPr>
           <a:lstStyle>
             <a:lvl1pPr marL="0" indent="0">
               <a:buNone/>
-              <a:defRPr sz="2000" b="1">
+              <a:defRPr sz="2400" b="0">
                 <a:solidFill>
-                  <a:schemeClr val="accent1">
-                    <a:lumMod val="75000"/>
-                  </a:schemeClr>
+                  <a:schemeClr val="accent1"/>
                 </a:solidFill>
               </a:defRPr>
             </a:lvl1pPr>
@@ -1898,107 +4002,107 @@
         </p:nvSpPr>
         <p:spPr>
           <a:xfrm>
-            <a:off x="1069848" y="2743200"/>
-            <a:ext cx="4754880" cy="3291840"/>
+            <a:off x="1103312" y="2514600"/>
+            <a:ext cx="4396339" cy="3741738"/>
           </a:xfrm>
         </p:spPr>
         <p:txBody>
-          <a:bodyPr/>
-          <a:lstStyle>
-            <a:lvl1pPr>
-              <a:defRPr sz="2000"/>
-            </a:lvl1pPr>
-            <a:lvl2pPr>
-              <a:defRPr sz="1800"/>
-            </a:lvl2pPr>
-            <a:lvl3pPr>
-              <a:defRPr sz="1600"/>
-            </a:lvl3pPr>
-            <a:lvl4pPr>
-              <a:defRPr sz="1600"/>
-            </a:lvl4pPr>
-            <a:lvl5pPr>
-              <a:defRPr sz="1600"/>
-            </a:lvl5pPr>
-            <a:lvl6pPr>
-              <a:defRPr sz="1600"/>
-            </a:lvl6pPr>
-            <a:lvl7pPr>
-              <a:defRPr sz="1600"/>
-            </a:lvl7pPr>
-            <a:lvl8pPr>
-              <a:defRPr sz="1600"/>
-            </a:lvl8pPr>
-            <a:lvl9pPr>
-              <a:defRPr sz="1600"/>
-            </a:lvl9pPr>
-          </a:lstStyle>
-          <a:p>
-            <a:pPr lvl="0"/>
-            <a:r>
-              <a:rPr lang="es-ES"/>
-              <a:t>Haga clic para modificar los estilos de texto del patrón</a:t>
-            </a:r>
-          </a:p>
-          <a:p>
-            <a:pPr lvl="1"/>
-            <a:r>
-              <a:rPr lang="es-ES"/>
-              <a:t>Segundo nivel</a:t>
-            </a:r>
-          </a:p>
-          <a:p>
-            <a:pPr lvl="2"/>
-            <a:r>
-              <a:rPr lang="es-ES"/>
-              <a:t>Tercer nivel</a:t>
-            </a:r>
-          </a:p>
-          <a:p>
-            <a:pPr lvl="3"/>
-            <a:r>
-              <a:rPr lang="es-ES"/>
-              <a:t>Cuarto nivel</a:t>
-            </a:r>
-          </a:p>
-          <a:p>
-            <a:pPr lvl="4"/>
-            <a:r>
-              <a:rPr lang="es-ES"/>
-              <a:t>Quinto nivel</a:t>
-            </a:r>
-            <a:endParaRPr lang="en-US" dirty="0"/>
-          </a:p>
-        </p:txBody>
-      </p:sp>
-      <p:sp>
-        <p:nvSpPr>
-          <p:cNvPr id="5" name="Text Placeholder 4"/>
-          <p:cNvSpPr>
-            <a:spLocks noGrp="1"/>
-          </p:cNvSpPr>
-          <p:nvPr>
-            <p:ph type="body" sz="quarter" idx="3"/>
-          </p:nvPr>
-        </p:nvSpPr>
-        <p:spPr>
-          <a:xfrm>
-            <a:off x="6364224" y="2048256"/>
-            <a:ext cx="4754880" cy="640080"/>
-          </a:xfrm>
-        </p:spPr>
-        <p:txBody>
-          <a:bodyPr anchor="ctr">
+          <a:bodyPr>
             <a:normAutofit/>
           </a:bodyPr>
           <a:lstStyle>
+            <a:lvl1pPr>
+              <a:defRPr sz="1800"/>
+            </a:lvl1pPr>
+            <a:lvl2pPr>
+              <a:defRPr sz="1600"/>
+            </a:lvl2pPr>
+            <a:lvl3pPr>
+              <a:defRPr sz="1400"/>
+            </a:lvl3pPr>
+            <a:lvl4pPr>
+              <a:defRPr sz="1200"/>
+            </a:lvl4pPr>
+            <a:lvl5pPr>
+              <a:defRPr sz="1200"/>
+            </a:lvl5pPr>
+            <a:lvl6pPr>
+              <a:defRPr sz="1200"/>
+            </a:lvl6pPr>
+            <a:lvl7pPr>
+              <a:defRPr sz="1200"/>
+            </a:lvl7pPr>
+            <a:lvl8pPr>
+              <a:defRPr sz="1200"/>
+            </a:lvl8pPr>
+            <a:lvl9pPr>
+              <a:defRPr sz="1200"/>
+            </a:lvl9pPr>
+          </a:lstStyle>
+          <a:p>
+            <a:pPr lvl="0"/>
+            <a:r>
+              <a:rPr lang="es-ES"/>
+              <a:t>Haga clic para modificar los estilos de texto del patrón</a:t>
+            </a:r>
+          </a:p>
+          <a:p>
+            <a:pPr lvl="1"/>
+            <a:r>
+              <a:rPr lang="es-ES"/>
+              <a:t>Segundo nivel</a:t>
+            </a:r>
+          </a:p>
+          <a:p>
+            <a:pPr lvl="2"/>
+            <a:r>
+              <a:rPr lang="es-ES"/>
+              <a:t>Tercer nivel</a:t>
+            </a:r>
+          </a:p>
+          <a:p>
+            <a:pPr lvl="3"/>
+            <a:r>
+              <a:rPr lang="es-ES"/>
+              <a:t>Cuarto nivel</a:t>
+            </a:r>
+          </a:p>
+          <a:p>
+            <a:pPr lvl="4"/>
+            <a:r>
+              <a:rPr lang="es-ES"/>
+              <a:t>Quinto nivel</a:t>
+            </a:r>
+            <a:endParaRPr lang="en-US" dirty="0"/>
+          </a:p>
+        </p:txBody>
+      </p:sp>
+      <p:sp>
+        <p:nvSpPr>
+          <p:cNvPr id="5" name="Text Placeholder 4"/>
+          <p:cNvSpPr>
+            <a:spLocks noGrp="1"/>
+          </p:cNvSpPr>
+          <p:nvPr>
+            <p:ph type="body" sz="quarter" idx="3"/>
+          </p:nvPr>
+        </p:nvSpPr>
+        <p:spPr>
+          <a:xfrm>
+            <a:off x="5654495" y="1905000"/>
+            <a:ext cx="4396339" cy="576262"/>
+          </a:xfrm>
+        </p:spPr>
+        <p:txBody>
+          <a:bodyPr anchor="b">
+            <a:noAutofit/>
+          </a:bodyPr>
+          <a:lstStyle>
             <a:lvl1pPr marL="0" indent="0">
               <a:buNone/>
-              <a:defRPr sz="2000" b="1">
+              <a:defRPr sz="2400" b="0">
                 <a:solidFill>
-                  <a:schemeClr val="accent1">
-                    <a:lumMod val="75000"/>
-                  </a:schemeClr>
+                  <a:schemeClr val="accent1"/>
                 </a:solidFill>
               </a:defRPr>
             </a:lvl1pPr>
@@ -2056,39 +4160,41 @@
         </p:nvSpPr>
         <p:spPr>
           <a:xfrm>
-            <a:off x="6364224" y="2743200"/>
-            <a:ext cx="4754880" cy="3291840"/>
+            <a:off x="5654495" y="2514600"/>
+            <a:ext cx="4396339" cy="3741738"/>
           </a:xfrm>
         </p:spPr>
         <p:txBody>
-          <a:bodyPr/>
+          <a:bodyPr>
+            <a:normAutofit/>
+          </a:bodyPr>
           <a:lstStyle>
             <a:lvl1pPr>
-              <a:defRPr sz="2000"/>
+              <a:defRPr sz="1800"/>
             </a:lvl1pPr>
             <a:lvl2pPr>
-              <a:defRPr sz="1800"/>
+              <a:defRPr sz="1600"/>
             </a:lvl2pPr>
             <a:lvl3pPr>
-              <a:defRPr sz="1600"/>
+              <a:defRPr sz="1400"/>
             </a:lvl3pPr>
             <a:lvl4pPr>
-              <a:defRPr sz="1600"/>
+              <a:defRPr sz="1200"/>
             </a:lvl4pPr>
             <a:lvl5pPr>
-              <a:defRPr sz="1600"/>
+              <a:defRPr sz="1200"/>
             </a:lvl5pPr>
             <a:lvl6pPr>
-              <a:defRPr sz="1600"/>
+              <a:defRPr sz="1200"/>
             </a:lvl6pPr>
             <a:lvl7pPr>
-              <a:defRPr sz="1600"/>
+              <a:defRPr sz="1200"/>
             </a:lvl7pPr>
             <a:lvl8pPr>
-              <a:defRPr sz="1600"/>
+              <a:defRPr sz="1200"/>
             </a:lvl8pPr>
             <a:lvl9pPr>
-              <a:defRPr sz="1600"/>
+              <a:defRPr sz="1200"/>
             </a:lvl9pPr>
           </a:lstStyle>
           <a:p>
@@ -2144,9 +4250,9 @@
           <a:bodyPr/>
           <a:lstStyle/>
           <a:p>
-            <a:fld id="{9B3762C0-B258-48F1-ADE6-176B4174CCDD}" type="datetimeFigureOut">
+            <a:fld id="{4509A250-FF31-4206-8172-F9D3106AACB1}" type="datetimeFigureOut">
               <a:rPr lang="en-US" dirty="0"/>
-              <a:t>7/28/2020</a:t>
+              <a:t>8/4/2020</a:t>
             </a:fld>
             <a:endParaRPr lang="en-US" dirty="0"/>
           </a:p>
@@ -2186,7 +4292,7 @@
           <a:bodyPr/>
           <a:lstStyle/>
           <a:p>
-            <a:fld id="{4FAB73BC-B049-4115-A692-8D63A059BFB8}" type="slidenum">
+            <a:fld id="{D57F1E4F-1CFF-5643-939E-02111984F565}" type="slidenum">
               <a:rPr lang="en-US" dirty="0"/>
               <a:t>‹Nº›</a:t>
             </a:fld>
@@ -2221,7 +4327,7 @@
       </p:grpSpPr>
       <p:sp>
         <p:nvSpPr>
-          <p:cNvPr id="6" name="Title 5"/>
+          <p:cNvPr id="2" name="Title 1"/>
           <p:cNvSpPr>
             <a:spLocks noGrp="1"/>
           </p:cNvSpPr>
@@ -2244,7 +4350,7 @@
       </p:sp>
       <p:sp>
         <p:nvSpPr>
-          <p:cNvPr id="3" name="Date Placeholder 2"/>
+          <p:cNvPr id="7" name="Date Placeholder 2"/>
           <p:cNvSpPr>
             <a:spLocks noGrp="1"/>
           </p:cNvSpPr>
@@ -2257,9 +4363,9 @@
           <a:bodyPr/>
           <a:lstStyle/>
           <a:p>
-            <a:fld id="{677919A6-33EB-49BD-A62F-1FA56B9F9712}" type="datetimeFigureOut">
+            <a:fld id="{4509A250-FF31-4206-8172-F9D3106AACB1}" type="datetimeFigureOut">
               <a:rPr lang="en-US" dirty="0"/>
-              <a:t>7/28/2020</a:t>
+              <a:t>8/4/2020</a:t>
             </a:fld>
             <a:endParaRPr lang="en-US" dirty="0"/>
           </a:p>
@@ -2267,7 +4373,7 @@
       </p:sp>
       <p:sp>
         <p:nvSpPr>
-          <p:cNvPr id="4" name="Footer Placeholder 3"/>
+          <p:cNvPr id="5" name="Footer Placeholder 3"/>
           <p:cNvSpPr>
             <a:spLocks noGrp="1"/>
           </p:cNvSpPr>
@@ -2286,7 +4392,7 @@
       </p:sp>
       <p:sp>
         <p:nvSpPr>
-          <p:cNvPr id="5" name="Slide Number Placeholder 4"/>
+          <p:cNvPr id="6" name="Slide Number Placeholder 4"/>
           <p:cNvSpPr>
             <a:spLocks noGrp="1"/>
           </p:cNvSpPr>
@@ -2299,7 +4405,7 @@
           <a:bodyPr/>
           <a:lstStyle/>
           <a:p>
-            <a:fld id="{4FAB73BC-B049-4115-A692-8D63A059BFB8}" type="slidenum">
+            <a:fld id="{D57F1E4F-1CFF-5643-939E-02111984F565}" type="slidenum">
               <a:rPr lang="en-US" dirty="0"/>
               <a:t>‹Nº›</a:t>
             </a:fld>
@@ -2334,7 +4440,7 @@
       </p:grpSpPr>
       <p:sp>
         <p:nvSpPr>
-          <p:cNvPr id="2" name="Date Placeholder 1"/>
+          <p:cNvPr id="7" name="Date Placeholder 1"/>
           <p:cNvSpPr>
             <a:spLocks noGrp="1"/>
           </p:cNvSpPr>
@@ -2347,9 +4453,9 @@
           <a:bodyPr/>
           <a:lstStyle/>
           <a:p>
-            <a:fld id="{CA4E7D1B-D673-4CF6-8672-009D42ABD2A0}" type="datetimeFigureOut">
+            <a:fld id="{4509A250-FF31-4206-8172-F9D3106AACB1}" type="datetimeFigureOut">
               <a:rPr lang="en-US" dirty="0"/>
-              <a:t>7/28/2020</a:t>
+              <a:t>8/4/2020</a:t>
             </a:fld>
             <a:endParaRPr lang="en-US" dirty="0"/>
           </a:p>
@@ -2357,7 +4463,7 @@
       </p:sp>
       <p:sp>
         <p:nvSpPr>
-          <p:cNvPr id="3" name="Footer Placeholder 2"/>
+          <p:cNvPr id="5" name="Footer Placeholder 2"/>
           <p:cNvSpPr>
             <a:spLocks noGrp="1"/>
           </p:cNvSpPr>
@@ -2376,7 +4482,7 @@
       </p:sp>
       <p:sp>
         <p:nvSpPr>
-          <p:cNvPr id="4" name="Slide Number Placeholder 3"/>
+          <p:cNvPr id="6" name="Slide Number Placeholder 3"/>
           <p:cNvSpPr>
             <a:spLocks noGrp="1"/>
           </p:cNvSpPr>
@@ -2389,7 +4495,7 @@
           <a:bodyPr/>
           <a:lstStyle/>
           <a:p>
-            <a:fld id="{4FAB73BC-B049-4115-A692-8D63A059BFB8}" type="slidenum">
+            <a:fld id="{D57F1E4F-1CFF-5643-939E-02111984F565}" type="slidenum">
               <a:rPr lang="en-US" dirty="0"/>
               <a:t>‹Nº›</a:t>
             </a:fld>
@@ -2406,7 +4512,7 @@
 </file>
 
 <file path=ppt/slideLayouts/slideLayout8.xml><?xml version="1.0" encoding="utf-8"?>
-<p:sldLayout xmlns:a="http://schemas.openxmlformats.org/drawingml/2006/main" xmlns:r="http://schemas.openxmlformats.org/officeDocument/2006/relationships" xmlns:p="http://schemas.openxmlformats.org/presentationml/2006/main" showMasterSp="0" type="objTx" preserve="1">
+<p:sldLayout xmlns:a="http://schemas.openxmlformats.org/drawingml/2006/main" xmlns:r="http://schemas.openxmlformats.org/officeDocument/2006/relationships" xmlns:p="http://schemas.openxmlformats.org/presentationml/2006/main" type="objTx" preserve="1">
   <p:cSld name="Contenido con título">
     <p:spTree>
       <p:nvGrpSpPr>
@@ -2424,113 +4530,56 @@
       </p:grpSpPr>
       <p:sp>
         <p:nvSpPr>
-          <p:cNvPr id="8" name="Rectangle 7"/>
-          <p:cNvSpPr/>
-          <p:nvPr/>
+          <p:cNvPr id="2" name="Title 1"/>
+          <p:cNvSpPr>
+            <a:spLocks noGrp="1"/>
+          </p:cNvSpPr>
+          <p:nvPr>
+            <p:ph type="title"/>
+          </p:nvPr>
         </p:nvSpPr>
         <p:spPr>
           <a:xfrm>
-            <a:off x="8303740" y="0"/>
-            <a:ext cx="3888259" cy="6857999"/>
+            <a:off x="1154954" y="1447800"/>
+            <a:ext cx="3401064" cy="1447800"/>
           </a:xfrm>
-          <a:prstGeom prst="rect">
-            <a:avLst/>
-          </a:prstGeom>
-          <a:blipFill dpi="0" rotWithShape="1">
-            <a:blip r:embed="rId2">
-              <a:alphaModFix amt="60000"/>
-              <a:lum bright="70000" contrast="-70000"/>
-              <a:extLst>
-                <a:ext uri="{BEBA8EAE-BF5A-486C-A8C5-ECC9F3942E4B}">
-                  <a14:imgProps xmlns:a14="http://schemas.microsoft.com/office/drawing/2010/main">
-                    <a14:imgLayer r:embed="rId3">
-                      <a14:imgEffect>
-                        <a14:sharpenSoften amount="61000"/>
-                      </a14:imgEffect>
-                    </a14:imgLayer>
-                  </a14:imgProps>
-                </a:ext>
-                <a:ext uri="{28A0092B-C50C-407E-A947-70E740481C1C}">
-                  <a14:useLocalDpi xmlns:a14="http://schemas.microsoft.com/office/drawing/2010/main" val="0"/>
-                </a:ext>
-              </a:extLst>
-            </a:blip>
-            <a:srcRect/>
-            <a:tile tx="0" ty="-704850" sx="92000" sy="89000" flip="xy" algn="ctr"/>
-          </a:blipFill>
-          <a:ln>
-            <a:noFill/>
-          </a:ln>
         </p:spPr>
-        <p:style>
-          <a:lnRef idx="2">
-            <a:schemeClr val="accent1">
-              <a:shade val="50000"/>
-            </a:schemeClr>
-          </a:lnRef>
-          <a:fillRef idx="1">
-            <a:schemeClr val="accent1"/>
-          </a:fillRef>
-          <a:effectRef idx="0">
-            <a:schemeClr val="accent1"/>
-          </a:effectRef>
-          <a:fontRef idx="minor">
-            <a:schemeClr val="lt1"/>
-          </a:fontRef>
-        </p:style>
-      </p:sp>
-      <p:sp>
-        <p:nvSpPr>
-          <p:cNvPr id="2" name="Title 1"/>
-          <p:cNvSpPr>
-            <a:spLocks noGrp="1"/>
-          </p:cNvSpPr>
-          <p:nvPr>
-            <p:ph type="title"/>
+        <p:txBody>
+          <a:bodyPr anchor="b"/>
+          <a:lstStyle>
+            <a:lvl1pPr algn="l">
+              <a:defRPr sz="2400" b="0"/>
+            </a:lvl1pPr>
+          </a:lstStyle>
+          <a:p>
+            <a:r>
+              <a:rPr lang="es-ES"/>
+              <a:t>Haga clic para modificar el estilo de título del patrón</a:t>
+            </a:r>
+            <a:endParaRPr lang="en-US" dirty="0"/>
+          </a:p>
+        </p:txBody>
+      </p:sp>
+      <p:sp>
+        <p:nvSpPr>
+          <p:cNvPr id="3" name="Content Placeholder 2"/>
+          <p:cNvSpPr>
+            <a:spLocks noGrp="1"/>
+          </p:cNvSpPr>
+          <p:nvPr>
+            <p:ph idx="1"/>
           </p:nvPr>
         </p:nvSpPr>
         <p:spPr>
           <a:xfrm>
-            <a:off x="8549640" y="685800"/>
-            <a:ext cx="3200400" cy="1737360"/>
+            <a:off x="4784616" y="1447800"/>
+            <a:ext cx="5195997" cy="4572000"/>
           </a:xfrm>
         </p:spPr>
         <p:txBody>
-          <a:bodyPr anchor="b">
+          <a:bodyPr anchor="ctr">
             <a:normAutofit/>
           </a:bodyPr>
-          <a:lstStyle>
-            <a:lvl1pPr>
-              <a:defRPr sz="3200" b="1"/>
-            </a:lvl1pPr>
-          </a:lstStyle>
-          <a:p>
-            <a:r>
-              <a:rPr lang="es-ES"/>
-              <a:t>Haga clic para modificar el estilo de título del patrón</a:t>
-            </a:r>
-            <a:endParaRPr lang="en-US" dirty="0"/>
-          </a:p>
-        </p:txBody>
-      </p:sp>
-      <p:sp>
-        <p:nvSpPr>
-          <p:cNvPr id="3" name="Content Placeholder 2"/>
-          <p:cNvSpPr>
-            <a:spLocks noGrp="1"/>
-          </p:cNvSpPr>
-          <p:nvPr>
-            <p:ph idx="1"/>
-          </p:nvPr>
-        </p:nvSpPr>
-        <p:spPr>
-          <a:xfrm>
-            <a:off x="838200" y="685800"/>
-            <a:ext cx="6711696" cy="5020056"/>
-          </a:xfrm>
-        </p:spPr>
-        <p:txBody>
-          <a:bodyPr/>
           <a:lstStyle>
             <a:lvl1pPr>
               <a:defRPr sz="2000"/>
@@ -2542,22 +4591,22 @@
               <a:defRPr sz="1600"/>
             </a:lvl3pPr>
             <a:lvl4pPr>
-              <a:defRPr sz="1600"/>
+              <a:defRPr sz="1400"/>
             </a:lvl4pPr>
             <a:lvl5pPr>
-              <a:defRPr sz="1600"/>
+              <a:defRPr sz="1400"/>
             </a:lvl5pPr>
             <a:lvl6pPr>
-              <a:defRPr sz="1600"/>
+              <a:defRPr sz="1400"/>
             </a:lvl6pPr>
             <a:lvl7pPr>
-              <a:defRPr sz="1600"/>
+              <a:defRPr sz="1400"/>
             </a:lvl7pPr>
             <a:lvl8pPr>
-              <a:defRPr sz="1600"/>
+              <a:defRPr sz="1400"/>
             </a:lvl8pPr>
             <a:lvl9pPr>
-              <a:defRPr sz="1600"/>
+              <a:defRPr sz="1400"/>
             </a:lvl9pPr>
           </a:lstStyle>
           <a:p>
@@ -2610,30 +4659,16 @@
         </p:nvSpPr>
         <p:spPr>
           <a:xfrm>
-            <a:off x="8549640" y="2423160"/>
-            <a:ext cx="3200400" cy="3291840"/>
+            <a:off x="1154954" y="3129280"/>
+            <a:ext cx="3401063" cy="2895599"/>
           </a:xfrm>
         </p:spPr>
         <p:txBody>
-          <a:bodyPr>
-            <a:normAutofit/>
-          </a:bodyPr>
+          <a:bodyPr/>
           <a:lstStyle>
             <a:lvl1pPr marL="0" indent="0">
-              <a:lnSpc>
-                <a:spcPct val="100000"/>
-              </a:lnSpc>
-              <a:spcBef>
-                <a:spcPts val="1000"/>
-              </a:spcBef>
-              <a:buNone/>
-              <a:defRPr sz="1400">
-                <a:solidFill>
-                  <a:schemeClr val="accent1">
-                    <a:lumMod val="75000"/>
-                  </a:schemeClr>
-                </a:solidFill>
-              </a:defRPr>
+              <a:buNone/>
+              <a:defRPr sz="1400"/>
             </a:lvl1pPr>
             <a:lvl2pPr marL="457200" indent="0">
               <a:buNone/>
@@ -2679,7 +4714,7 @@
       </p:sp>
       <p:sp>
         <p:nvSpPr>
-          <p:cNvPr id="5" name="Date Placeholder 4"/>
+          <p:cNvPr id="7" name="Date Placeholder 4"/>
           <p:cNvSpPr>
             <a:spLocks noGrp="1"/>
           </p:cNvSpPr>
@@ -2692,9 +4727,9 @@
           <a:bodyPr/>
           <a:lstStyle/>
           <a:p>
-            <a:fld id="{DA16AA21-1863-4931-97CB-99D0A168701B}" type="datetimeFigureOut">
+            <a:fld id="{4509A250-FF31-4206-8172-F9D3106AACB1}" type="datetimeFigureOut">
               <a:rPr lang="en-US" dirty="0"/>
-              <a:t>7/28/2020</a:t>
+              <a:t>8/4/2020</a:t>
             </a:fld>
             <a:endParaRPr lang="en-US" dirty="0"/>
           </a:p>
@@ -2702,7 +4737,7 @@
       </p:sp>
       <p:sp>
         <p:nvSpPr>
-          <p:cNvPr id="6" name="Footer Placeholder 5"/>
+          <p:cNvPr id="5" name="Footer Placeholder 5"/>
           <p:cNvSpPr>
             <a:spLocks noGrp="1"/>
           </p:cNvSpPr>
@@ -2719,98 +4754,9 @@
           </a:p>
         </p:txBody>
       </p:sp>
-      <p:grpSp>
-        <p:nvGrpSpPr>
-          <p:cNvPr id="9" name="Group 8"/>
-          <p:cNvGrpSpPr>
-            <a:grpSpLocks noChangeAspect="1"/>
-          </p:cNvGrpSpPr>
-          <p:nvPr/>
-        </p:nvGrpSpPr>
-        <p:grpSpPr>
-          <a:xfrm>
-            <a:off x="11401725" y="6229681"/>
-            <a:ext cx="457200" cy="457200"/>
-            <a:chOff x="11361456" y="6195813"/>
-            <a:chExt cx="548640" cy="548640"/>
-          </a:xfrm>
-        </p:grpSpPr>
-        <p:sp>
-          <p:nvSpPr>
-            <p:cNvPr id="10" name="Oval 9"/>
-            <p:cNvSpPr/>
-            <p:nvPr/>
-          </p:nvSpPr>
-          <p:spPr>
-            <a:xfrm>
-              <a:off x="11361456" y="6195813"/>
-              <a:ext cx="548640" cy="548640"/>
-            </a:xfrm>
-            <a:prstGeom prst="ellipse">
-              <a:avLst/>
-            </a:prstGeom>
-            <a:blipFill dpi="0" rotWithShape="1">
-              <a:blip r:embed="rId4">
-                <a:duotone>
-                  <a:schemeClr val="accent1">
-                    <a:shade val="45000"/>
-                    <a:satMod val="135000"/>
-                  </a:schemeClr>
-                  <a:prstClr val="white"/>
-                </a:duotone>
-                <a:extLst>
-                  <a:ext uri="{BEBA8EAE-BF5A-486C-A8C5-ECC9F3942E4B}">
-                    <a14:imgProps xmlns:a14="http://schemas.microsoft.com/office/drawing/2010/main">
-                      <a14:imgLayer r:embed="rId5">
-                        <a14:imgEffect>
-                          <a14:saturation sat="95000"/>
-                        </a14:imgEffect>
-                        <a14:imgEffect>
-                          <a14:brightnessContrast bright="-40000" contrast="20000"/>
-                        </a14:imgEffect>
-                      </a14:imgLayer>
-                    </a14:imgProps>
-                  </a:ext>
-                </a:extLst>
-              </a:blip>
-              <a:srcRect/>
-              <a:tile tx="50800" ty="0" sx="85000" sy="85000" flip="none" algn="tl"/>
-            </a:blipFill>
-            <a:ln w="25400" cap="flat" cmpd="sng" algn="ctr">
-              <a:noFill/>
-              <a:prstDash val="solid"/>
-            </a:ln>
-            <a:effectLst/>
-          </p:spPr>
-        </p:sp>
-        <p:sp>
-          <p:nvSpPr>
-            <p:cNvPr id="11" name="Oval 10"/>
-            <p:cNvSpPr/>
-            <p:nvPr/>
-          </p:nvSpPr>
-          <p:spPr>
-            <a:xfrm>
-              <a:off x="11396488" y="6230844"/>
-              <a:ext cx="478576" cy="478578"/>
-            </a:xfrm>
-            <a:prstGeom prst="ellipse">
-              <a:avLst/>
-            </a:prstGeom>
-            <a:noFill/>
-            <a:ln w="12700" cap="flat" cmpd="sng" algn="ctr">
-              <a:solidFill>
-                <a:sysClr val="window" lastClr="FFFFFF"/>
-              </a:solidFill>
-              <a:prstDash val="solid"/>
-            </a:ln>
-            <a:effectLst/>
-          </p:spPr>
-        </p:sp>
-      </p:grpSp>
-      <p:sp>
-        <p:nvSpPr>
-          <p:cNvPr id="7" name="Slide Number Placeholder 6"/>
+      <p:sp>
+        <p:nvSpPr>
+          <p:cNvPr id="6" name="Slide Number Placeholder 6"/>
           <p:cNvSpPr>
             <a:spLocks noGrp="1"/>
           </p:cNvSpPr>
@@ -2823,7 +4769,7 @@
           <a:bodyPr/>
           <a:lstStyle/>
           <a:p>
-            <a:fld id="{4FAB73BC-B049-4115-A692-8D63A059BFB8}" type="slidenum">
+            <a:fld id="{D57F1E4F-1CFF-5643-939E-02111984F565}" type="slidenum">
               <a:rPr lang="en-US" dirty="0"/>
               <a:t>‹Nº›</a:t>
             </a:fld>
@@ -2840,7 +4786,7 @@
 </file>
 
 <file path=ppt/slideLayouts/slideLayout9.xml><?xml version="1.0" encoding="utf-8"?>
-<p:sldLayout xmlns:a="http://schemas.openxmlformats.org/drawingml/2006/main" xmlns:r="http://schemas.openxmlformats.org/officeDocument/2006/relationships" xmlns:p="http://schemas.openxmlformats.org/presentationml/2006/main" showMasterSp="0" type="picTx" preserve="1">
+<p:sldLayout xmlns:a="http://schemas.openxmlformats.org/drawingml/2006/main" xmlns:r="http://schemas.openxmlformats.org/officeDocument/2006/relationships" xmlns:p="http://schemas.openxmlformats.org/presentationml/2006/main" type="picTx" preserve="1">
   <p:cSld name="Imagen con título">
     <p:spTree>
       <p:nvGrpSpPr>
@@ -2858,75 +4804,18 @@
       </p:grpSpPr>
       <p:sp>
         <p:nvSpPr>
-          <p:cNvPr id="11" name="Rectangle 10"/>
-          <p:cNvSpPr/>
-          <p:nvPr/>
+          <p:cNvPr id="2" name="Title 1"/>
+          <p:cNvSpPr>
+            <a:spLocks noGrp="1"/>
+          </p:cNvSpPr>
+          <p:nvPr>
+            <p:ph type="title"/>
+          </p:nvPr>
         </p:nvSpPr>
         <p:spPr>
           <a:xfrm>
-            <a:off x="8303740" y="0"/>
-            <a:ext cx="3888259" cy="6857999"/>
-          </a:xfrm>
-          <a:prstGeom prst="rect">
-            <a:avLst/>
-          </a:prstGeom>
-          <a:blipFill dpi="0" rotWithShape="1">
-            <a:blip r:embed="rId2">
-              <a:alphaModFix amt="60000"/>
-              <a:lum bright="70000" contrast="-70000"/>
-              <a:extLst>
-                <a:ext uri="{BEBA8EAE-BF5A-486C-A8C5-ECC9F3942E4B}">
-                  <a14:imgProps xmlns:a14="http://schemas.microsoft.com/office/drawing/2010/main">
-                    <a14:imgLayer r:embed="rId3">
-                      <a14:imgEffect>
-                        <a14:sharpenSoften amount="61000"/>
-                      </a14:imgEffect>
-                    </a14:imgLayer>
-                  </a14:imgProps>
-                </a:ext>
-                <a:ext uri="{28A0092B-C50C-407E-A947-70E740481C1C}">
-                  <a14:useLocalDpi xmlns:a14="http://schemas.microsoft.com/office/drawing/2010/main" val="0"/>
-                </a:ext>
-              </a:extLst>
-            </a:blip>
-            <a:srcRect/>
-            <a:tile tx="0" ty="-704850" sx="92000" sy="89000" flip="xy" algn="ctr"/>
-          </a:blipFill>
-          <a:ln>
-            <a:noFill/>
-          </a:ln>
-        </p:spPr>
-        <p:style>
-          <a:lnRef idx="2">
-            <a:schemeClr val="accent1">
-              <a:shade val="50000"/>
-            </a:schemeClr>
-          </a:lnRef>
-          <a:fillRef idx="1">
-            <a:schemeClr val="accent1"/>
-          </a:fillRef>
-          <a:effectRef idx="0">
-            <a:schemeClr val="accent1"/>
-          </a:effectRef>
-          <a:fontRef idx="minor">
-            <a:schemeClr val="lt1"/>
-          </a:fontRef>
-        </p:style>
-      </p:sp>
-      <p:sp>
-        <p:nvSpPr>
-          <p:cNvPr id="2" name="Title 1"/>
-          <p:cNvSpPr>
-            <a:spLocks noGrp="1"/>
-          </p:cNvSpPr>
-          <p:nvPr>
-            <p:ph type="title"/>
-          </p:nvPr>
-        </p:nvSpPr>
-        <p:spPr>
-          <a:xfrm>
-            <a:off x="8549640" y="685800"/>
-            <a:ext cx="3200400" cy="1737360"/>
+            <a:off x="1153907" y="1854192"/>
+            <a:ext cx="5092906" cy="1574808"/>
           </a:xfrm>
         </p:spPr>
         <p:txBody>
@@ -2934,8 +4823,8 @@
             <a:normAutofit/>
           </a:bodyPr>
           <a:lstStyle>
-            <a:lvl1pPr>
-              <a:defRPr sz="3200" b="1"/>
+            <a:lvl1pPr algn="l">
+              <a:defRPr sz="3600" b="0"/>
             </a:lvl1pPr>
           </a:lstStyle>
           <a:p>
@@ -2959,54 +4848,62 @@
         </p:nvSpPr>
         <p:spPr>
           <a:xfrm>
-            <a:off x="0" y="0"/>
-            <a:ext cx="8303740" cy="6858000"/>
+            <a:off x="6949546" y="1143000"/>
+            <a:ext cx="3200400" cy="4572000"/>
           </a:xfrm>
-          <a:solidFill>
-            <a:schemeClr val="tx2">
-              <a:lumMod val="20000"/>
-              <a:lumOff val="80000"/>
-            </a:schemeClr>
-          </a:solidFill>
+          <a:prstGeom prst="roundRect">
+            <a:avLst>
+              <a:gd name="adj" fmla="val 1858"/>
+            </a:avLst>
+          </a:prstGeom>
+          <a:effectLst>
+            <a:outerShdw blurRad="50800" dist="50800" dir="5400000" algn="tl" rotWithShape="0">
+              <a:srgbClr val="000000">
+                <a:alpha val="43000"/>
+              </a:srgbClr>
+            </a:outerShdw>
+          </a:effectLst>
         </p:spPr>
         <p:txBody>
-          <a:bodyPr anchor="t"/>
+          <a:bodyPr anchor="t">
+            <a:normAutofit/>
+          </a:bodyPr>
           <a:lstStyle>
-            <a:lvl1pPr marL="0" indent="0">
-              <a:buNone/>
-              <a:defRPr sz="3200"/>
+            <a:lvl1pPr marL="0" indent="0" algn="ctr">
+              <a:buNone/>
+              <a:defRPr sz="1600"/>
             </a:lvl1pPr>
             <a:lvl2pPr marL="457200" indent="0">
               <a:buNone/>
-              <a:defRPr sz="2800"/>
+              <a:defRPr sz="1600"/>
             </a:lvl2pPr>
             <a:lvl3pPr marL="914400" indent="0">
               <a:buNone/>
-              <a:defRPr sz="2400"/>
+              <a:defRPr sz="1600"/>
             </a:lvl3pPr>
             <a:lvl4pPr marL="1371600" indent="0">
               <a:buNone/>
-              <a:defRPr sz="2000"/>
+              <a:defRPr sz="1600"/>
             </a:lvl4pPr>
             <a:lvl5pPr marL="1828800" indent="0">
               <a:buNone/>
-              <a:defRPr sz="2000"/>
+              <a:defRPr sz="1600"/>
             </a:lvl5pPr>
             <a:lvl6pPr marL="2286000" indent="0">
               <a:buNone/>
-              <a:defRPr sz="2000"/>
+              <a:defRPr sz="1600"/>
             </a:lvl6pPr>
             <a:lvl7pPr marL="2743200" indent="0">
               <a:buNone/>
-              <a:defRPr sz="2000"/>
+              <a:defRPr sz="1600"/>
             </a:lvl7pPr>
             <a:lvl8pPr marL="3200400" indent="0">
               <a:buNone/>
-              <a:defRPr sz="2000"/>
+              <a:defRPr sz="1600"/>
             </a:lvl8pPr>
             <a:lvl9pPr marL="3657600" indent="0">
               <a:buNone/>
-              <a:defRPr sz="2000"/>
+              <a:defRPr sz="1600"/>
             </a:lvl9pPr>
           </a:lstStyle>
           <a:p>
@@ -3030,8 +4927,8 @@
         </p:nvSpPr>
         <p:spPr>
           <a:xfrm>
-            <a:off x="8549640" y="2423160"/>
-            <a:ext cx="3200400" cy="3291840"/>
+            <a:off x="1154954" y="3657600"/>
+            <a:ext cx="5084979" cy="1371600"/>
           </a:xfrm>
         </p:spPr>
         <p:txBody>
@@ -3040,20 +4937,8 @@
           </a:bodyPr>
           <a:lstStyle>
             <a:lvl1pPr marL="0" indent="0">
-              <a:lnSpc>
-                <a:spcPct val="100000"/>
-              </a:lnSpc>
-              <a:spcBef>
-                <a:spcPts val="1000"/>
-              </a:spcBef>
-              <a:buNone/>
-              <a:defRPr sz="1400">
-                <a:solidFill>
-                  <a:schemeClr val="accent1">
-                    <a:lumMod val="75000"/>
-                  </a:schemeClr>
-                </a:solidFill>
-              </a:defRPr>
+              <a:buNone/>
+              <a:defRPr sz="1400"/>
             </a:lvl1pPr>
             <a:lvl2pPr marL="457200" indent="0">
               <a:buNone/>
@@ -3112,103 +4997,33 @@
           <a:bodyPr/>
           <a:lstStyle/>
           <a:p>
-            <a:fld id="{3772C379-9A7C-4C87-A116-CBE9F58B04C5}" type="datetimeFigureOut">
+            <a:fld id="{4509A250-FF31-4206-8172-F9D3106AACB1}" type="datetimeFigureOut">
               <a:rPr lang="en-US" dirty="0"/>
-              <a:t>7/28/2020</a:t>
+              <a:t>8/4/2020</a:t>
             </a:fld>
             <a:endParaRPr lang="en-US" dirty="0"/>
           </a:p>
         </p:txBody>
       </p:sp>
-      <p:grpSp>
-        <p:nvGrpSpPr>
-          <p:cNvPr id="8" name="Group 7"/>
-          <p:cNvGrpSpPr>
-            <a:grpSpLocks noChangeAspect="1"/>
-          </p:cNvGrpSpPr>
-          <p:nvPr/>
-        </p:nvGrpSpPr>
-        <p:grpSpPr>
-          <a:xfrm>
-            <a:off x="11401725" y="6229681"/>
-            <a:ext cx="457200" cy="457200"/>
-            <a:chOff x="11361456" y="6195813"/>
-            <a:chExt cx="548640" cy="548640"/>
-          </a:xfrm>
-        </p:grpSpPr>
-        <p:sp>
-          <p:nvSpPr>
-            <p:cNvPr id="9" name="Oval 8"/>
-            <p:cNvSpPr/>
-            <p:nvPr/>
-          </p:nvSpPr>
-          <p:spPr>
-            <a:xfrm>
-              <a:off x="11361456" y="6195813"/>
-              <a:ext cx="548640" cy="548640"/>
-            </a:xfrm>
-            <a:prstGeom prst="ellipse">
-              <a:avLst/>
-            </a:prstGeom>
-            <a:blipFill dpi="0" rotWithShape="1">
-              <a:blip r:embed="rId4">
-                <a:duotone>
-                  <a:schemeClr val="accent1">
-                    <a:shade val="45000"/>
-                    <a:satMod val="135000"/>
-                  </a:schemeClr>
-                  <a:prstClr val="white"/>
-                </a:duotone>
-                <a:extLst>
-                  <a:ext uri="{BEBA8EAE-BF5A-486C-A8C5-ECC9F3942E4B}">
-                    <a14:imgProps xmlns:a14="http://schemas.microsoft.com/office/drawing/2010/main">
-                      <a14:imgLayer r:embed="rId5">
-                        <a14:imgEffect>
-                          <a14:saturation sat="95000"/>
-                        </a14:imgEffect>
-                        <a14:imgEffect>
-                          <a14:brightnessContrast bright="-40000" contrast="20000"/>
-                        </a14:imgEffect>
-                      </a14:imgLayer>
-                    </a14:imgProps>
-                  </a:ext>
-                </a:extLst>
-              </a:blip>
-              <a:srcRect/>
-              <a:tile tx="50800" ty="0" sx="85000" sy="85000" flip="none" algn="tl"/>
-            </a:blipFill>
-            <a:ln w="25400" cap="flat" cmpd="sng" algn="ctr">
-              <a:noFill/>
-              <a:prstDash val="solid"/>
-            </a:ln>
-            <a:effectLst/>
-          </p:spPr>
-        </p:sp>
-        <p:sp>
-          <p:nvSpPr>
-            <p:cNvPr id="10" name="Oval 9"/>
-            <p:cNvSpPr/>
-            <p:nvPr/>
-          </p:nvSpPr>
-          <p:spPr>
-            <a:xfrm>
-              <a:off x="11396488" y="6230844"/>
-              <a:ext cx="478576" cy="478578"/>
-            </a:xfrm>
-            <a:prstGeom prst="ellipse">
-              <a:avLst/>
-            </a:prstGeom>
-            <a:noFill/>
-            <a:ln w="12700" cap="flat" cmpd="sng" algn="ctr">
-              <a:solidFill>
-                <a:sysClr val="window" lastClr="FFFFFF"/>
-              </a:solidFill>
-              <a:prstDash val="solid"/>
-            </a:ln>
-            <a:effectLst/>
-          </p:spPr>
-        </p:sp>
-      </p:grpSp>
+      <p:sp>
+        <p:nvSpPr>
+          <p:cNvPr id="6" name="Footer Placeholder 5"/>
+          <p:cNvSpPr>
+            <a:spLocks noGrp="1"/>
+          </p:cNvSpPr>
+          <p:nvPr>
+            <p:ph type="ftr" sz="quarter" idx="11"/>
+          </p:nvPr>
+        </p:nvSpPr>
+        <p:spPr/>
+        <p:txBody>
+          <a:bodyPr/>
+          <a:lstStyle/>
+          <a:p>
+            <a:endParaRPr lang="en-US" dirty="0"/>
+          </a:p>
+        </p:txBody>
+      </p:sp>
       <p:sp>
         <p:nvSpPr>
           <p:cNvPr id="7" name="Slide Number Placeholder 6"/>
@@ -3224,7 +5039,7 @@
           <a:bodyPr/>
           <a:lstStyle/>
           <a:p>
-            <a:fld id="{4FAB73BC-B049-4115-A692-8D63A059BFB8}" type="slidenum">
+            <a:fld id="{D57F1E4F-1CFF-5643-939E-02111984F565}" type="slidenum">
               <a:rPr lang="en-US" dirty="0"/>
               <a:t>‹Nº›</a:t>
             </a:fld>
@@ -3244,8 +5059,8 @@
 <p:sldMaster xmlns:a="http://schemas.openxmlformats.org/drawingml/2006/main" xmlns:r="http://schemas.openxmlformats.org/officeDocument/2006/relationships" xmlns:p="http://schemas.openxmlformats.org/presentationml/2006/main">
   <p:cSld>
     <p:bg>
-      <p:bgRef idx="1001">
-        <a:schemeClr val="bg1"/>
+      <p:bgRef idx="1003">
+        <a:schemeClr val="bg2"/>
       </p:bgRef>
     </p:bg>
     <p:spTree>
@@ -3262,299 +5077,431 @@
           <a:chExt cx="0" cy="0"/>
         </a:xfrm>
       </p:grpSpPr>
-      <p:sp>
-        <p:nvSpPr>
-          <p:cNvPr id="2" name="Title Placeholder 1"/>
-          <p:cNvSpPr>
-            <a:spLocks noGrp="1"/>
-          </p:cNvSpPr>
-          <p:nvPr>
-            <p:ph type="title"/>
-          </p:nvPr>
-        </p:nvSpPr>
+      <p:pic>
+        <p:nvPicPr>
+          <p:cNvPr id="8" name="Picture 7"/>
+          <p:cNvPicPr>
+            <a:picLocks noChangeAspect="1"/>
+          </p:cNvPicPr>
+          <p:nvPr/>
+        </p:nvPicPr>
+        <p:blipFill rotWithShape="1">
+          <a:blip r:embed="rId19">
+            <a:extLst>
+              <a:ext uri="{28A0092B-C50C-407E-A947-70E740481C1C}">
+                <a14:useLocalDpi xmlns:a14="http://schemas.microsoft.com/office/drawing/2010/main" val="0"/>
+              </a:ext>
+            </a:extLst>
+          </a:blip>
+          <a:srcRect l="3613"/>
+          <a:stretch/>
+        </p:blipFill>
         <p:spPr>
           <a:xfrm>
-            <a:off x="1069848" y="484632"/>
-            <a:ext cx="10058400" cy="1609344"/>
+            <a:off x="0" y="2669685"/>
+            <a:ext cx="4037012" cy="4188315"/>
           </a:xfrm>
           <a:prstGeom prst="rect">
             <a:avLst/>
           </a:prstGeom>
         </p:spPr>
-        <p:txBody>
-          <a:bodyPr vert="horz" lIns="91440" tIns="45720" rIns="91440" bIns="45720" rtlCol="0" anchor="ctr">
-            <a:normAutofit/>
-          </a:bodyPr>
-          <a:lstStyle/>
-          <a:p>
-            <a:r>
-              <a:rPr lang="es-ES"/>
-              <a:t>Haga clic para modificar el estilo de título del patrón</a:t>
-            </a:r>
-            <a:endParaRPr lang="en-US" dirty="0"/>
-          </a:p>
-        </p:txBody>
-      </p:sp>
-      <p:sp>
-        <p:nvSpPr>
-          <p:cNvPr id="3" name="Text Placeholder 2"/>
-          <p:cNvSpPr>
-            <a:spLocks noGrp="1"/>
-          </p:cNvSpPr>
-          <p:nvPr>
-            <p:ph type="body" idx="1"/>
-          </p:nvPr>
-        </p:nvSpPr>
+      </p:pic>
+      <p:pic>
+        <p:nvPicPr>
+          <p:cNvPr id="7" name="Picture 6"/>
+          <p:cNvPicPr>
+            <a:picLocks noChangeAspect="1"/>
+          </p:cNvPicPr>
+          <p:nvPr/>
+        </p:nvPicPr>
+        <p:blipFill rotWithShape="1">
+          <a:blip r:embed="rId20">
+            <a:extLst>
+              <a:ext uri="{28A0092B-C50C-407E-A947-70E740481C1C}">
+                <a14:useLocalDpi xmlns:a14="http://schemas.microsoft.com/office/drawing/2010/main" val="0"/>
+              </a:ext>
+            </a:extLst>
+          </a:blip>
+          <a:srcRect l="35640"/>
+          <a:stretch/>
+        </p:blipFill>
         <p:spPr>
           <a:xfrm>
-            <a:off x="1069848" y="2121408"/>
-            <a:ext cx="10058400" cy="4050792"/>
+            <a:off x="0" y="2892347"/>
+            <a:ext cx="1522412" cy="2365453"/>
           </a:xfrm>
           <a:prstGeom prst="rect">
             <a:avLst/>
           </a:prstGeom>
         </p:spPr>
-        <p:txBody>
-          <a:bodyPr vert="horz" lIns="91440" tIns="45720" rIns="91440" bIns="45720" rtlCol="0">
-            <a:normAutofit/>
-          </a:bodyPr>
-          <a:lstStyle/>
-          <a:p>
-            <a:pPr lvl="0"/>
-            <a:r>
-              <a:rPr lang="es-ES"/>
-              <a:t>Haga clic para modificar los estilos de texto del patrón</a:t>
-            </a:r>
-          </a:p>
-          <a:p>
-            <a:pPr lvl="1"/>
-            <a:r>
-              <a:rPr lang="es-ES"/>
-              <a:t>Segundo nivel</a:t>
-            </a:r>
-          </a:p>
-          <a:p>
-            <a:pPr lvl="2"/>
-            <a:r>
-              <a:rPr lang="es-ES"/>
-              <a:t>Tercer nivel</a:t>
-            </a:r>
-          </a:p>
-          <a:p>
-            <a:pPr lvl="3"/>
-            <a:r>
-              <a:rPr lang="es-ES"/>
-              <a:t>Cuarto nivel</a:t>
-            </a:r>
-          </a:p>
-          <a:p>
-            <a:pPr lvl="4"/>
-            <a:r>
-              <a:rPr lang="es-ES"/>
-              <a:t>Quinto nivel</a:t>
-            </a:r>
-            <a:endParaRPr lang="en-US" dirty="0"/>
-          </a:p>
-        </p:txBody>
-      </p:sp>
-      <p:sp>
-        <p:nvSpPr>
-          <p:cNvPr id="4" name="Date Placeholder 3"/>
-          <p:cNvSpPr>
-            <a:spLocks noGrp="1"/>
-          </p:cNvSpPr>
-          <p:nvPr>
-            <p:ph type="dt" sz="half" idx="2"/>
-          </p:nvPr>
+      </p:pic>
+      <p:sp>
+        <p:nvSpPr>
+          <p:cNvPr id="16" name="Oval 15"/>
+          <p:cNvSpPr/>
+          <p:nvPr/>
         </p:nvSpPr>
         <p:spPr>
           <a:xfrm>
-            <a:off x="7964424" y="6272784"/>
-            <a:ext cx="3273552" cy="365125"/>
+            <a:off x="8609012" y="1676400"/>
+            <a:ext cx="2819400" cy="2819400"/>
+          </a:xfrm>
+          <a:prstGeom prst="ellipse">
+            <a:avLst/>
+          </a:prstGeom>
+          <a:gradFill flip="none" rotWithShape="1">
+            <a:gsLst>
+              <a:gs pos="0">
+                <a:schemeClr val="bg2">
+                  <a:lumMod val="40000"/>
+                  <a:lumOff val="60000"/>
+                  <a:alpha val="7000"/>
+                </a:schemeClr>
+              </a:gs>
+              <a:gs pos="69000">
+                <a:schemeClr val="bg2">
+                  <a:lumMod val="40000"/>
+                  <a:lumOff val="60000"/>
+                  <a:alpha val="0"/>
+                </a:schemeClr>
+              </a:gs>
+              <a:gs pos="36000">
+                <a:schemeClr val="bg2">
+                  <a:lumMod val="40000"/>
+                  <a:lumOff val="60000"/>
+                  <a:alpha val="6000"/>
+                </a:schemeClr>
+              </a:gs>
+            </a:gsLst>
+            <a:path path="circle">
+              <a:fillToRect l="50000" t="50000" r="50000" b="50000"/>
+            </a:path>
+            <a:tileRect/>
+          </a:gradFill>
+          <a:ln>
+            <a:noFill/>
+          </a:ln>
+          <a:effectLst/>
+        </p:spPr>
+        <p:style>
+          <a:lnRef idx="1">
+            <a:schemeClr val="accent1"/>
+          </a:lnRef>
+          <a:fillRef idx="3">
+            <a:schemeClr val="accent1"/>
+          </a:fillRef>
+          <a:effectRef idx="2">
+            <a:schemeClr val="accent1"/>
+          </a:effectRef>
+          <a:fontRef idx="minor">
+            <a:schemeClr val="lt1"/>
+          </a:fontRef>
+        </p:style>
+      </p:sp>
+      <p:pic>
+        <p:nvPicPr>
+          <p:cNvPr id="9" name="Picture 8"/>
+          <p:cNvPicPr>
+            <a:picLocks noChangeAspect="1"/>
+          </p:cNvPicPr>
+          <p:nvPr/>
+        </p:nvPicPr>
+        <p:blipFill rotWithShape="1">
+          <a:blip r:embed="rId21">
+            <a:extLst>
+              <a:ext uri="{28A0092B-C50C-407E-A947-70E740481C1C}">
+                <a14:useLocalDpi xmlns:a14="http://schemas.microsoft.com/office/drawing/2010/main" val="0"/>
+              </a:ext>
+            </a:extLst>
+          </a:blip>
+          <a:srcRect t="28813"/>
+          <a:stretch/>
+        </p:blipFill>
+        <p:spPr>
+          <a:xfrm>
+            <a:off x="7999412" y="0"/>
+            <a:ext cx="1603387" cy="1141407"/>
           </a:xfrm>
           <a:prstGeom prst="rect">
             <a:avLst/>
           </a:prstGeom>
         </p:spPr>
-        <p:txBody>
-          <a:bodyPr vert="horz" lIns="91440" tIns="45720" rIns="91440" bIns="45720" rtlCol="0" anchor="ctr"/>
-          <a:lstStyle>
-            <a:lvl1pPr algn="r">
-              <a:defRPr sz="1100">
-                <a:solidFill>
-                  <a:schemeClr val="tx2"/>
-                </a:solidFill>
-              </a:defRPr>
-            </a:lvl1pPr>
-          </a:lstStyle>
-          <a:p>
-            <a:fld id="{8664C608-40B1-4030-A28D-5B74BC98ADCE}" type="datetimeFigureOut">
-              <a:rPr lang="en-US" dirty="0"/>
-              <a:t>7/28/2020</a:t>
-            </a:fld>
-            <a:endParaRPr lang="en-US" dirty="0"/>
-          </a:p>
-        </p:txBody>
-      </p:sp>
-      <p:sp>
-        <p:nvSpPr>
-          <p:cNvPr id="5" name="Footer Placeholder 4"/>
-          <p:cNvSpPr>
-            <a:spLocks noGrp="1"/>
-          </p:cNvSpPr>
-          <p:nvPr>
-            <p:ph type="ftr" sz="quarter" idx="3"/>
-          </p:nvPr>
-        </p:nvSpPr>
+      </p:pic>
+      <p:pic>
+        <p:nvPicPr>
+          <p:cNvPr id="10" name="Picture 9"/>
+          <p:cNvPicPr>
+            <a:picLocks noChangeAspect="1"/>
+          </p:cNvPicPr>
+          <p:nvPr/>
+        </p:nvPicPr>
+        <p:blipFill rotWithShape="1">
+          <a:blip r:embed="rId22">
+            <a:extLst>
+              <a:ext uri="{28A0092B-C50C-407E-A947-70E740481C1C}">
+                <a14:useLocalDpi xmlns:a14="http://schemas.microsoft.com/office/drawing/2010/main" val="0"/>
+              </a:ext>
+            </a:extLst>
+          </a:blip>
+          <a:srcRect b="23320"/>
+          <a:stretch/>
+        </p:blipFill>
         <p:spPr>
           <a:xfrm>
-            <a:off x="1088136" y="6272784"/>
-            <a:ext cx="6327648" cy="365125"/>
+            <a:off x="8609012" y="6096000"/>
+            <a:ext cx="993734" cy="762000"/>
           </a:xfrm>
           <a:prstGeom prst="rect">
             <a:avLst/>
           </a:prstGeom>
         </p:spPr>
-        <p:txBody>
-          <a:bodyPr vert="horz" lIns="91440" tIns="45720" rIns="91440" bIns="45720" rtlCol="0" anchor="ctr"/>
-          <a:lstStyle>
-            <a:lvl1pPr algn="l">
-              <a:defRPr sz="1100">
-                <a:solidFill>
-                  <a:schemeClr val="tx2"/>
-                </a:solidFill>
-              </a:defRPr>
-            </a:lvl1pPr>
-          </a:lstStyle>
-          <a:p>
-            <a:endParaRPr lang="en-US" dirty="0"/>
-          </a:p>
-        </p:txBody>
-      </p:sp>
-      <p:grpSp>
-        <p:nvGrpSpPr>
-          <p:cNvPr id="7" name="Group 6"/>
-          <p:cNvGrpSpPr>
-            <a:grpSpLocks noChangeAspect="1"/>
-          </p:cNvGrpSpPr>
+      </p:pic>
+      <p:sp>
+        <p:nvSpPr>
+          <p:cNvPr id="14" name="Rectangle 13"/>
+          <p:cNvSpPr/>
           <p:nvPr/>
-        </p:nvGrpSpPr>
-        <p:grpSpPr>
-          <a:xfrm>
-            <a:off x="11401725" y="6229681"/>
-            <a:ext cx="457200" cy="457200"/>
-            <a:chOff x="11361456" y="6195813"/>
-            <a:chExt cx="548640" cy="548640"/>
-          </a:xfrm>
-        </p:grpSpPr>
-        <p:sp>
-          <p:nvSpPr>
-            <p:cNvPr id="8" name="Oval 7"/>
-            <p:cNvSpPr/>
-            <p:nvPr/>
-          </p:nvSpPr>
-          <p:spPr>
-            <a:xfrm>
-              <a:off x="11361456" y="6195813"/>
-              <a:ext cx="548640" cy="548640"/>
-            </a:xfrm>
-            <a:prstGeom prst="ellipse">
-              <a:avLst/>
-            </a:prstGeom>
-            <a:blipFill dpi="0" rotWithShape="1">
-              <a:blip r:embed="rId13">
-                <a:duotone>
-                  <a:schemeClr val="accent1">
-                    <a:shade val="45000"/>
-                    <a:satMod val="135000"/>
-                  </a:schemeClr>
-                  <a:prstClr val="white"/>
-                </a:duotone>
-                <a:extLst>
-                  <a:ext uri="{BEBA8EAE-BF5A-486C-A8C5-ECC9F3942E4B}">
-                    <a14:imgProps xmlns:a14="http://schemas.microsoft.com/office/drawing/2010/main">
-                      <a14:imgLayer r:embed="rId14">
-                        <a14:imgEffect>
-                          <a14:saturation sat="95000"/>
-                        </a14:imgEffect>
-                        <a14:imgEffect>
-                          <a14:brightnessContrast bright="-40000" contrast="20000"/>
-                        </a14:imgEffect>
-                      </a14:imgLayer>
-                    </a14:imgProps>
-                  </a:ext>
-                </a:extLst>
-              </a:blip>
-              <a:srcRect/>
-              <a:tile tx="50800" ty="0" sx="85000" sy="85000" flip="none" algn="tl"/>
-            </a:blipFill>
-            <a:ln w="25400" cap="flat" cmpd="sng" algn="ctr">
-              <a:noFill/>
-              <a:prstDash val="solid"/>
-            </a:ln>
-            <a:effectLst/>
-          </p:spPr>
-        </p:sp>
-        <p:sp>
-          <p:nvSpPr>
-            <p:cNvPr id="9" name="Oval 8"/>
-            <p:cNvSpPr/>
-            <p:nvPr/>
-          </p:nvSpPr>
-          <p:spPr>
-            <a:xfrm>
-              <a:off x="11396488" y="6230844"/>
-              <a:ext cx="478576" cy="478578"/>
-            </a:xfrm>
-            <a:prstGeom prst="ellipse">
-              <a:avLst/>
-            </a:prstGeom>
-            <a:noFill/>
-            <a:ln w="12700" cap="flat" cmpd="sng" algn="ctr">
-              <a:solidFill>
-                <a:srgbClr val="FFFFFF"/>
-              </a:solidFill>
-              <a:prstDash val="solid"/>
-            </a:ln>
-            <a:effectLst/>
-          </p:spPr>
-        </p:sp>
-      </p:grpSp>
-      <p:sp>
-        <p:nvSpPr>
-          <p:cNvPr id="6" name="Slide Number Placeholder 5"/>
-          <p:cNvSpPr>
-            <a:spLocks noGrp="1"/>
-          </p:cNvSpPr>
-          <p:nvPr>
-            <p:ph type="sldNum" sz="quarter" idx="4"/>
-          </p:nvPr>
         </p:nvSpPr>
         <p:spPr>
           <a:xfrm>
-            <a:off x="11311128" y="6272784"/>
-            <a:ext cx="640080" cy="365125"/>
+            <a:off x="10437812" y="0"/>
+            <a:ext cx="685800" cy="1143000"/>
+          </a:xfrm>
+          <a:prstGeom prst="rect">
+            <a:avLst/>
+          </a:prstGeom>
+          <a:solidFill>
+            <a:schemeClr val="accent1"/>
+          </a:solidFill>
+          <a:ln>
+            <a:noFill/>
+          </a:ln>
+        </p:spPr>
+        <p:style>
+          <a:lnRef idx="1">
+            <a:schemeClr val="accent1"/>
+          </a:lnRef>
+          <a:fillRef idx="3">
+            <a:schemeClr val="accent1"/>
+          </a:fillRef>
+          <a:effectRef idx="2">
+            <a:schemeClr val="accent1"/>
+          </a:effectRef>
+          <a:fontRef idx="minor">
+            <a:schemeClr val="lt1"/>
+          </a:fontRef>
+        </p:style>
+      </p:sp>
+      <p:sp>
+        <p:nvSpPr>
+          <p:cNvPr id="2" name="Title Placeholder 1"/>
+          <p:cNvSpPr>
+            <a:spLocks noGrp="1"/>
+          </p:cNvSpPr>
+          <p:nvPr>
+            <p:ph type="title"/>
+          </p:nvPr>
+        </p:nvSpPr>
+        <p:spPr>
+          <a:xfrm>
+            <a:off x="646111" y="452718"/>
+            <a:ext cx="9404723" cy="1400530"/>
           </a:xfrm>
           <a:prstGeom prst="rect">
             <a:avLst/>
           </a:prstGeom>
         </p:spPr>
         <p:txBody>
-          <a:bodyPr vert="horz" lIns="91440" tIns="45720" rIns="91440" bIns="45720" rtlCol="0" anchor="ctr"/>
+          <a:bodyPr vert="horz" lIns="91440" tIns="45720" rIns="91440" bIns="45720" rtlCol="0" anchor="t">
+            <a:noAutofit/>
+          </a:bodyPr>
+          <a:lstStyle/>
+          <a:p>
+            <a:r>
+              <a:rPr lang="es-ES"/>
+              <a:t>Haga clic para modificar el estilo de título del patrón</a:t>
+            </a:r>
+            <a:endParaRPr lang="en-US" dirty="0"/>
+          </a:p>
+        </p:txBody>
+      </p:sp>
+      <p:sp>
+        <p:nvSpPr>
+          <p:cNvPr id="3" name="Text Placeholder 2"/>
+          <p:cNvSpPr>
+            <a:spLocks noGrp="1"/>
+          </p:cNvSpPr>
+          <p:nvPr>
+            <p:ph type="body" idx="1"/>
+          </p:nvPr>
+        </p:nvSpPr>
+        <p:spPr>
+          <a:xfrm>
+            <a:off x="1103312" y="2052918"/>
+            <a:ext cx="8946541" cy="4195481"/>
+          </a:xfrm>
+          <a:prstGeom prst="rect">
+            <a:avLst/>
+          </a:prstGeom>
+        </p:spPr>
+        <p:txBody>
+          <a:bodyPr vert="horz" lIns="91440" tIns="45720" rIns="91440" bIns="45720" rtlCol="0">
+            <a:normAutofit/>
+          </a:bodyPr>
+          <a:lstStyle/>
+          <a:p>
+            <a:pPr lvl="0"/>
+            <a:r>
+              <a:rPr lang="es-ES"/>
+              <a:t>Haga clic para modificar los estilos de texto del patrón</a:t>
+            </a:r>
+          </a:p>
+          <a:p>
+            <a:pPr lvl="1"/>
+            <a:r>
+              <a:rPr lang="es-ES"/>
+              <a:t>Segundo nivel</a:t>
+            </a:r>
+          </a:p>
+          <a:p>
+            <a:pPr lvl="2"/>
+            <a:r>
+              <a:rPr lang="es-ES"/>
+              <a:t>Tercer nivel</a:t>
+            </a:r>
+          </a:p>
+          <a:p>
+            <a:pPr lvl="3"/>
+            <a:r>
+              <a:rPr lang="es-ES"/>
+              <a:t>Cuarto nivel</a:t>
+            </a:r>
+          </a:p>
+          <a:p>
+            <a:pPr lvl="4"/>
+            <a:r>
+              <a:rPr lang="es-ES"/>
+              <a:t>Quinto nivel</a:t>
+            </a:r>
+            <a:endParaRPr lang="en-US" dirty="0"/>
+          </a:p>
+        </p:txBody>
+      </p:sp>
+      <p:sp>
+        <p:nvSpPr>
+          <p:cNvPr id="4" name="Date Placeholder 3"/>
+          <p:cNvSpPr>
+            <a:spLocks noGrp="1"/>
+          </p:cNvSpPr>
+          <p:nvPr>
+            <p:ph type="dt" sz="half" idx="2"/>
+          </p:nvPr>
+        </p:nvSpPr>
+        <p:spPr>
+          <a:xfrm rot="5400000">
+            <a:off x="10155639" y="1790701"/>
+            <a:ext cx="990599" cy="304799"/>
+          </a:xfrm>
+          <a:prstGeom prst="rect">
+            <a:avLst/>
+          </a:prstGeom>
+        </p:spPr>
+        <p:txBody>
+          <a:bodyPr vert="horz" lIns="91440" tIns="45720" rIns="91440" bIns="45720" rtlCol="0" anchor="t"/>
           <a:lstStyle>
-            <a:lvl1pPr algn="ctr">
-              <a:defRPr sz="1400" b="1">
+            <a:lvl1pPr algn="l">
+              <a:defRPr sz="1100" b="0" i="0">
                 <a:solidFill>
-                  <a:srgbClr val="FFFFFF"/>
+                  <a:schemeClr val="tx1">
+                    <a:tint val="75000"/>
+                    <a:alpha val="60000"/>
+                  </a:schemeClr>
                 </a:solidFill>
-                <a:latin typeface="+mj-lt"/>
               </a:defRPr>
             </a:lvl1pPr>
           </a:lstStyle>
           <a:p>
-            <a:fld id="{4FAB73BC-B049-4115-A692-8D63A059BFB8}" type="slidenum">
+            <a:fld id="{4509A250-FF31-4206-8172-F9D3106AACB1}" type="datetimeFigureOut">
               <a:rPr lang="en-US" dirty="0"/>
-              <a:pPr/>
+              <a:t>8/4/2020</a:t>
+            </a:fld>
+            <a:endParaRPr lang="en-US" dirty="0"/>
+          </a:p>
+        </p:txBody>
+      </p:sp>
+      <p:sp>
+        <p:nvSpPr>
+          <p:cNvPr id="5" name="Footer Placeholder 4"/>
+          <p:cNvSpPr>
+            <a:spLocks noGrp="1"/>
+          </p:cNvSpPr>
+          <p:nvPr>
+            <p:ph type="ftr" sz="quarter" idx="3"/>
+          </p:nvPr>
+        </p:nvSpPr>
+        <p:spPr>
+          <a:xfrm rot="5400000">
+            <a:off x="8951573" y="3225297"/>
+            <a:ext cx="3859795" cy="304801"/>
+          </a:xfrm>
+          <a:prstGeom prst="rect">
+            <a:avLst/>
+          </a:prstGeom>
+        </p:spPr>
+        <p:txBody>
+          <a:bodyPr vert="horz" lIns="91440" tIns="45720" rIns="91440" bIns="45720" rtlCol="0" anchor="b"/>
+          <a:lstStyle>
+            <a:lvl1pPr algn="l">
+              <a:defRPr sz="1100" b="0" i="0">
+                <a:solidFill>
+                  <a:schemeClr val="tx1">
+                    <a:tint val="75000"/>
+                    <a:alpha val="60000"/>
+                  </a:schemeClr>
+                </a:solidFill>
+              </a:defRPr>
+            </a:lvl1pPr>
+          </a:lstStyle>
+          <a:p>
+            <a:endParaRPr lang="en-US" dirty="0"/>
+          </a:p>
+        </p:txBody>
+      </p:sp>
+      <p:sp>
+        <p:nvSpPr>
+          <p:cNvPr id="6" name="Slide Number Placeholder 5"/>
+          <p:cNvSpPr>
+            <a:spLocks noGrp="1"/>
+          </p:cNvSpPr>
+          <p:nvPr>
+            <p:ph type="sldNum" sz="quarter" idx="4"/>
+          </p:nvPr>
+        </p:nvSpPr>
+        <p:spPr>
+          <a:xfrm>
+            <a:off x="10352540" y="295729"/>
+            <a:ext cx="838199" cy="767687"/>
+          </a:xfrm>
+          <a:prstGeom prst="rect">
+            <a:avLst/>
+          </a:prstGeom>
+        </p:spPr>
+        <p:txBody>
+          <a:bodyPr vert="horz" lIns="91440" tIns="45720" rIns="91440" bIns="45720" rtlCol="0" anchor="b"/>
+          <a:lstStyle>
+            <a:lvl1pPr algn="ctr">
+              <a:defRPr sz="2800" b="0" i="0">
+                <a:solidFill>
+                  <a:schemeClr val="tx1">
+                    <a:tint val="75000"/>
+                  </a:schemeClr>
+                </a:solidFill>
+              </a:defRPr>
+            </a:lvl1pPr>
+          </a:lstStyle>
+          <a:p>
+            <a:fld id="{D57F1E4F-1CFF-5643-939E-02111984F565}" type="slidenum">
+              <a:rPr lang="en-US" dirty="0"/>
               <a:t>‹Nº›</a:t>
             </a:fld>
             <a:endParaRPr lang="en-US" dirty="0"/>
@@ -3563,65 +5510,306 @@
       </p:sp>
     </p:spTree>
   </p:cSld>
-  <p:clrMap bg1="lt1" tx1="dk1" bg2="lt2" tx2="dk2" accent1="accent1" accent2="accent2" accent3="accent3" accent4="accent4" accent5="accent5" accent6="accent6" hlink="hlink" folHlink="folHlink"/>
+  <p:clrMap bg1="dk1" tx1="lt1" bg2="dk2" tx2="lt2" accent1="accent1" accent2="accent2" accent3="accent3" accent4="accent4" accent5="accent5" accent6="accent6" hlink="hlink" folHlink="folHlink"/>
   <p:sldLayoutIdLst>
-    <p:sldLayoutId id="2147483841" r:id="rId1"/>
-    <p:sldLayoutId id="2147483842" r:id="rId2"/>
-    <p:sldLayoutId id="2147483843" r:id="rId3"/>
-    <p:sldLayoutId id="2147483844" r:id="rId4"/>
-    <p:sldLayoutId id="2147483845" r:id="rId5"/>
-    <p:sldLayoutId id="2147483846" r:id="rId6"/>
-    <p:sldLayoutId id="2147483847" r:id="rId7"/>
-    <p:sldLayoutId id="2147483848" r:id="rId8"/>
-    <p:sldLayoutId id="2147483849" r:id="rId9"/>
-    <p:sldLayoutId id="2147483850" r:id="rId10"/>
-    <p:sldLayoutId id="2147483851" r:id="rId11"/>
+    <p:sldLayoutId id="2147483649" r:id="rId1"/>
+    <p:sldLayoutId id="2147483650" r:id="rId2"/>
+    <p:sldLayoutId id="2147483651" r:id="rId3"/>
+    <p:sldLayoutId id="2147483652" r:id="rId4"/>
+    <p:sldLayoutId id="2147483653" r:id="rId5"/>
+    <p:sldLayoutId id="2147483654" r:id="rId6"/>
+    <p:sldLayoutId id="2147483655" r:id="rId7"/>
+    <p:sldLayoutId id="2147483656" r:id="rId8"/>
+    <p:sldLayoutId id="2147483668" r:id="rId9"/>
+    <p:sldLayoutId id="2147483667" r:id="rId10"/>
+    <p:sldLayoutId id="2147483661" r:id="rId11"/>
+    <p:sldLayoutId id="2147483664" r:id="rId12"/>
+    <p:sldLayoutId id="2147483662" r:id="rId13"/>
+    <p:sldLayoutId id="2147483669" r:id="rId14"/>
+    <p:sldLayoutId id="2147483670" r:id="rId15"/>
+    <p:sldLayoutId id="2147483658" r:id="rId16"/>
+    <p:sldLayoutId id="2147483659" r:id="rId17"/>
   </p:sldLayoutIdLst>
   <p:hf sldNum="0" hdr="0" ftr="0" dt="0"/>
   <p:txStyles>
     <p:titleStyle>
-      <a:lvl1pPr algn="l" defTabSz="914400" rtl="0" eaLnBrk="1" latinLnBrk="0" hangingPunct="1">
-        <a:lnSpc>
-          <a:spcPct val="90000"/>
-        </a:lnSpc>
+      <a:lvl1pPr algn="l" defTabSz="457200" rtl="0" eaLnBrk="1" latinLnBrk="0" hangingPunct="1">
         <a:spcBef>
           <a:spcPct val="0"/>
         </a:spcBef>
         <a:buNone/>
-        <a:defRPr sz="5400" kern="1200" cap="all" baseline="0">
-          <a:blipFill>
-            <a:blip r:embed="rId15">
-              <a:extLst>
-                <a:ext uri="{28A0092B-C50C-407E-A947-70E740481C1C}">
-                  <a14:useLocalDpi xmlns:a14="http://schemas.microsoft.com/office/drawing/2010/main" val="0"/>
-                </a:ext>
-              </a:extLst>
-            </a:blip>
-            <a:tile tx="6350" ty="-127000" sx="65000" sy="64000" flip="none" algn="tl"/>
-          </a:blipFill>
+        <a:defRPr sz="4200" b="0" i="0" kern="1200">
+          <a:solidFill>
+            <a:schemeClr val="tx2"/>
+          </a:solidFill>
           <a:latin typeface="+mj-lt"/>
           <a:ea typeface="+mj-ea"/>
           <a:cs typeface="+mj-cs"/>
         </a:defRPr>
       </a:lvl1pPr>
+      <a:lvl2pPr eaLnBrk="1" hangingPunct="1">
+        <a:defRPr>
+          <a:solidFill>
+            <a:schemeClr val="tx2"/>
+          </a:solidFill>
+        </a:defRPr>
+      </a:lvl2pPr>
+      <a:lvl3pPr eaLnBrk="1" hangingPunct="1">
+        <a:defRPr>
+          <a:solidFill>
+            <a:schemeClr val="tx2"/>
+          </a:solidFill>
+        </a:defRPr>
+      </a:lvl3pPr>
+      <a:lvl4pPr eaLnBrk="1" hangingPunct="1">
+        <a:defRPr>
+          <a:solidFill>
+            <a:schemeClr val="tx2"/>
+          </a:solidFill>
+        </a:defRPr>
+      </a:lvl4pPr>
+      <a:lvl5pPr eaLnBrk="1" hangingPunct="1">
+        <a:defRPr>
+          <a:solidFill>
+            <a:schemeClr val="tx2"/>
+          </a:solidFill>
+        </a:defRPr>
+      </a:lvl5pPr>
+      <a:lvl6pPr eaLnBrk="1" hangingPunct="1">
+        <a:defRPr>
+          <a:solidFill>
+            <a:schemeClr val="tx2"/>
+          </a:solidFill>
+        </a:defRPr>
+      </a:lvl6pPr>
+      <a:lvl7pPr eaLnBrk="1" hangingPunct="1">
+        <a:defRPr>
+          <a:solidFill>
+            <a:schemeClr val="tx2"/>
+          </a:solidFill>
+        </a:defRPr>
+      </a:lvl7pPr>
+      <a:lvl8pPr eaLnBrk="1" hangingPunct="1">
+        <a:defRPr>
+          <a:solidFill>
+            <a:schemeClr val="tx2"/>
+          </a:solidFill>
+        </a:defRPr>
+      </a:lvl8pPr>
+      <a:lvl9pPr eaLnBrk="1" hangingPunct="1">
+        <a:defRPr>
+          <a:solidFill>
+            <a:schemeClr val="tx2"/>
+          </a:solidFill>
+        </a:defRPr>
+      </a:lvl9pPr>
     </p:titleStyle>
     <p:bodyStyle>
-      <a:lvl1pPr marL="182880" indent="-182880" algn="l" defTabSz="914400" rtl="0" eaLnBrk="1" latinLnBrk="0" hangingPunct="1">
-        <a:lnSpc>
-          <a:spcPct val="90000"/>
-        </a:lnSpc>
+      <a:lvl1pPr marL="342900" indent="-342900" algn="l" defTabSz="457200" rtl="0" eaLnBrk="1" latinLnBrk="0" hangingPunct="1">
         <a:spcBef>
-          <a:spcPts val="1200"/>
+          <a:spcPts val="1000"/>
         </a:spcBef>
+        <a:spcAft>
+          <a:spcPts val="0"/>
+        </a:spcAft>
         <a:buClr>
-          <a:schemeClr val="accent1">
-            <a:lumMod val="75000"/>
-          </a:schemeClr>
+          <a:schemeClr val="accent1"/>
         </a:buClr>
-        <a:buSzPct val="85000"/>
-        <a:buFont typeface="Wingdings" pitchFamily="2" charset="2"/>
-        <a:buChar char="§"/>
-        <a:defRPr sz="2000" kern="1200">
+        <a:buSzPct val="80000"/>
+        <a:buFont typeface="Wingdings 3" charset="2"/>
+        <a:buChar char=""/>
+        <a:defRPr sz="2000" b="0" i="0" kern="1200">
+          <a:solidFill>
+            <a:schemeClr val="tx1"/>
+          </a:solidFill>
+          <a:latin typeface="+mj-lt"/>
+          <a:ea typeface="+mj-ea"/>
+          <a:cs typeface="+mj-cs"/>
+        </a:defRPr>
+      </a:lvl1pPr>
+      <a:lvl2pPr marL="742950" indent="-285750" algn="l" defTabSz="457200" rtl="0" eaLnBrk="1" latinLnBrk="0" hangingPunct="1">
+        <a:spcBef>
+          <a:spcPts val="1000"/>
+        </a:spcBef>
+        <a:spcAft>
+          <a:spcPts val="0"/>
+        </a:spcAft>
+        <a:buClr>
+          <a:schemeClr val="accent1"/>
+        </a:buClr>
+        <a:buSzPct val="80000"/>
+        <a:buFont typeface="Wingdings 3" charset="2"/>
+        <a:buChar char=""/>
+        <a:defRPr sz="1800" b="0" i="0" kern="1200">
+          <a:solidFill>
+            <a:schemeClr val="tx1"/>
+          </a:solidFill>
+          <a:latin typeface="+mj-lt"/>
+          <a:ea typeface="+mj-ea"/>
+          <a:cs typeface="+mj-cs"/>
+        </a:defRPr>
+      </a:lvl2pPr>
+      <a:lvl3pPr marL="1143000" indent="-228600" algn="l" defTabSz="457200" rtl="0" eaLnBrk="1" latinLnBrk="0" hangingPunct="1">
+        <a:spcBef>
+          <a:spcPts val="1000"/>
+        </a:spcBef>
+        <a:spcAft>
+          <a:spcPts val="0"/>
+        </a:spcAft>
+        <a:buClr>
+          <a:schemeClr val="accent1"/>
+        </a:buClr>
+        <a:buSzPct val="80000"/>
+        <a:buFont typeface="Wingdings 3" charset="2"/>
+        <a:buChar char=""/>
+        <a:defRPr sz="1600" b="0" i="0" kern="1200">
+          <a:solidFill>
+            <a:schemeClr val="tx1"/>
+          </a:solidFill>
+          <a:latin typeface="+mj-lt"/>
+          <a:ea typeface="+mj-ea"/>
+          <a:cs typeface="+mj-cs"/>
+        </a:defRPr>
+      </a:lvl3pPr>
+      <a:lvl4pPr marL="1600200" indent="-228600" algn="l" defTabSz="457200" rtl="0" eaLnBrk="1" latinLnBrk="0" hangingPunct="1">
+        <a:spcBef>
+          <a:spcPts val="1000"/>
+        </a:spcBef>
+        <a:spcAft>
+          <a:spcPts val="0"/>
+        </a:spcAft>
+        <a:buClr>
+          <a:schemeClr val="accent1"/>
+        </a:buClr>
+        <a:buSzPct val="80000"/>
+        <a:buFont typeface="Wingdings 3" charset="2"/>
+        <a:buChar char=""/>
+        <a:defRPr sz="1400" b="0" i="0" kern="1200">
+          <a:solidFill>
+            <a:schemeClr val="tx1"/>
+          </a:solidFill>
+          <a:latin typeface="+mj-lt"/>
+          <a:ea typeface="+mj-ea"/>
+          <a:cs typeface="+mj-cs"/>
+        </a:defRPr>
+      </a:lvl4pPr>
+      <a:lvl5pPr marL="2057400" indent="-228600" algn="l" defTabSz="457200" rtl="0" eaLnBrk="1" latinLnBrk="0" hangingPunct="1">
+        <a:spcBef>
+          <a:spcPts val="1000"/>
+        </a:spcBef>
+        <a:spcAft>
+          <a:spcPts val="0"/>
+        </a:spcAft>
+        <a:buClr>
+          <a:schemeClr val="accent1"/>
+        </a:buClr>
+        <a:buSzPct val="80000"/>
+        <a:buFont typeface="Wingdings 3" charset="2"/>
+        <a:buChar char=""/>
+        <a:defRPr sz="1400" b="0" i="0" kern="1200">
+          <a:solidFill>
+            <a:schemeClr val="tx1"/>
+          </a:solidFill>
+          <a:latin typeface="+mj-lt"/>
+          <a:ea typeface="+mj-ea"/>
+          <a:cs typeface="+mj-cs"/>
+        </a:defRPr>
+      </a:lvl5pPr>
+      <a:lvl6pPr marL="2514600" indent="-228600" algn="l" defTabSz="457200" rtl="0" eaLnBrk="1" latinLnBrk="0" hangingPunct="1">
+        <a:spcBef>
+          <a:spcPts val="1000"/>
+        </a:spcBef>
+        <a:spcAft>
+          <a:spcPts val="0"/>
+        </a:spcAft>
+        <a:buClr>
+          <a:schemeClr val="accent1"/>
+        </a:buClr>
+        <a:buSzPct val="80000"/>
+        <a:buFont typeface="Wingdings 3" charset="2"/>
+        <a:buChar char=""/>
+        <a:defRPr sz="1400" b="0" i="0" kern="1200">
+          <a:solidFill>
+            <a:schemeClr val="tx1"/>
+          </a:solidFill>
+          <a:latin typeface="+mj-lt"/>
+          <a:ea typeface="+mj-ea"/>
+          <a:cs typeface="+mj-cs"/>
+        </a:defRPr>
+      </a:lvl6pPr>
+      <a:lvl7pPr marL="2971800" indent="-228600" algn="l" defTabSz="457200" rtl="0" eaLnBrk="1" latinLnBrk="0" hangingPunct="1">
+        <a:spcBef>
+          <a:spcPts val="1000"/>
+        </a:spcBef>
+        <a:spcAft>
+          <a:spcPts val="0"/>
+        </a:spcAft>
+        <a:buClr>
+          <a:schemeClr val="accent1"/>
+        </a:buClr>
+        <a:buSzPct val="80000"/>
+        <a:buFont typeface="Wingdings 3" charset="2"/>
+        <a:buChar char=""/>
+        <a:defRPr sz="1400" b="0" i="0" kern="1200">
+          <a:solidFill>
+            <a:schemeClr val="tx1"/>
+          </a:solidFill>
+          <a:latin typeface="+mj-lt"/>
+          <a:ea typeface="+mj-ea"/>
+          <a:cs typeface="+mj-cs"/>
+        </a:defRPr>
+      </a:lvl7pPr>
+      <a:lvl8pPr marL="3429000" indent="-228600" algn="l" defTabSz="457200" rtl="0" eaLnBrk="1" latinLnBrk="0" hangingPunct="1">
+        <a:spcBef>
+          <a:spcPts val="1000"/>
+        </a:spcBef>
+        <a:spcAft>
+          <a:spcPts val="0"/>
+        </a:spcAft>
+        <a:buClr>
+          <a:schemeClr val="accent1"/>
+        </a:buClr>
+        <a:buSzPct val="80000"/>
+        <a:buFont typeface="Wingdings 3" charset="2"/>
+        <a:buChar char=""/>
+        <a:defRPr sz="1400" b="0" i="0" kern="1200">
+          <a:solidFill>
+            <a:schemeClr val="tx1"/>
+          </a:solidFill>
+          <a:latin typeface="+mj-lt"/>
+          <a:ea typeface="+mj-ea"/>
+          <a:cs typeface="+mj-cs"/>
+        </a:defRPr>
+      </a:lvl8pPr>
+      <a:lvl9pPr marL="3886200" indent="-228600" algn="l" defTabSz="457200" rtl="0" eaLnBrk="1" latinLnBrk="0" hangingPunct="1">
+        <a:spcBef>
+          <a:spcPts val="1000"/>
+        </a:spcBef>
+        <a:spcAft>
+          <a:spcPts val="0"/>
+        </a:spcAft>
+        <a:buClr>
+          <a:schemeClr val="accent1"/>
+        </a:buClr>
+        <a:buSzPct val="80000"/>
+        <a:buFont typeface="Wingdings 3" charset="2"/>
+        <a:buChar char=""/>
+        <a:defRPr sz="1400" b="0" i="0" kern="1200">
+          <a:solidFill>
+            <a:schemeClr val="tx1"/>
+          </a:solidFill>
+          <a:latin typeface="+mj-lt"/>
+          <a:ea typeface="+mj-ea"/>
+          <a:cs typeface="+mj-cs"/>
+        </a:defRPr>
+      </a:lvl9pPr>
+    </p:bodyStyle>
+    <p:otherStyle>
+      <a:defPPr>
+        <a:defRPr lang="en-US"/>
+      </a:defPPr>
+      <a:lvl1pPr marL="0" algn="l" defTabSz="457200" rtl="0" eaLnBrk="1" latinLnBrk="0" hangingPunct="1">
+        <a:defRPr sz="1800" kern="1200">
           <a:solidFill>
             <a:schemeClr val="tx1"/>
           </a:solidFill>
@@ -3630,24 +5818,7 @@
           <a:cs typeface="+mn-cs"/>
         </a:defRPr>
       </a:lvl1pPr>
-      <a:lvl2pPr marL="457200" indent="-182880" algn="l" defTabSz="914400" rtl="0" eaLnBrk="1" latinLnBrk="0" hangingPunct="1">
-        <a:lnSpc>
-          <a:spcPct val="90000"/>
-        </a:lnSpc>
-        <a:spcBef>
-          <a:spcPts val="400"/>
-        </a:spcBef>
-        <a:spcAft>
-          <a:spcPts val="200"/>
-        </a:spcAft>
-        <a:buClr>
-          <a:schemeClr val="accent1">
-            <a:lumMod val="75000"/>
-          </a:schemeClr>
-        </a:buClr>
-        <a:buSzPct val="85000"/>
-        <a:buFont typeface="Wingdings" pitchFamily="2" charset="2"/>
-        <a:buChar char="§"/>
+      <a:lvl2pPr marL="457200" algn="l" defTabSz="457200" rtl="0" eaLnBrk="1" latinLnBrk="0" hangingPunct="1">
         <a:defRPr sz="1800" kern="1200">
           <a:solidFill>
             <a:schemeClr val="tx1"/>
@@ -3657,221 +5828,7 @@
           <a:cs typeface="+mn-cs"/>
         </a:defRPr>
       </a:lvl2pPr>
-      <a:lvl3pPr marL="731520" indent="-182880" algn="l" defTabSz="914400" rtl="0" eaLnBrk="1" latinLnBrk="0" hangingPunct="1">
-        <a:lnSpc>
-          <a:spcPct val="90000"/>
-        </a:lnSpc>
-        <a:spcBef>
-          <a:spcPts val="400"/>
-        </a:spcBef>
-        <a:spcAft>
-          <a:spcPts val="200"/>
-        </a:spcAft>
-        <a:buClr>
-          <a:schemeClr val="accent1">
-            <a:lumMod val="75000"/>
-          </a:schemeClr>
-        </a:buClr>
-        <a:buSzPct val="85000"/>
-        <a:buFont typeface="Wingdings" pitchFamily="2" charset="2"/>
-        <a:buChar char="§"/>
-        <a:defRPr sz="1600" kern="1200">
-          <a:solidFill>
-            <a:schemeClr val="tx1"/>
-          </a:solidFill>
-          <a:latin typeface="+mn-lt"/>
-          <a:ea typeface="+mn-ea"/>
-          <a:cs typeface="+mn-cs"/>
-        </a:defRPr>
-      </a:lvl3pPr>
-      <a:lvl4pPr marL="1005840" indent="-182880" algn="l" defTabSz="914400" rtl="0" eaLnBrk="1" latinLnBrk="0" hangingPunct="1">
-        <a:lnSpc>
-          <a:spcPct val="90000"/>
-        </a:lnSpc>
-        <a:spcBef>
-          <a:spcPts val="400"/>
-        </a:spcBef>
-        <a:spcAft>
-          <a:spcPts val="200"/>
-        </a:spcAft>
-        <a:buClr>
-          <a:schemeClr val="accent1">
-            <a:lumMod val="75000"/>
-          </a:schemeClr>
-        </a:buClr>
-        <a:buSzPct val="85000"/>
-        <a:buFont typeface="Wingdings" pitchFamily="2" charset="2"/>
-        <a:buChar char="§"/>
-        <a:defRPr sz="1600" kern="1200">
-          <a:solidFill>
-            <a:schemeClr val="tx1"/>
-          </a:solidFill>
-          <a:latin typeface="+mn-lt"/>
-          <a:ea typeface="+mn-ea"/>
-          <a:cs typeface="+mn-cs"/>
-        </a:defRPr>
-      </a:lvl4pPr>
-      <a:lvl5pPr marL="1280160" indent="-182880" algn="l" defTabSz="914400" rtl="0" eaLnBrk="1" latinLnBrk="0" hangingPunct="1">
-        <a:lnSpc>
-          <a:spcPct val="90000"/>
-        </a:lnSpc>
-        <a:spcBef>
-          <a:spcPts val="400"/>
-        </a:spcBef>
-        <a:spcAft>
-          <a:spcPts val="200"/>
-        </a:spcAft>
-        <a:buClr>
-          <a:schemeClr val="accent1">
-            <a:lumMod val="75000"/>
-          </a:schemeClr>
-        </a:buClr>
-        <a:buSzPct val="85000"/>
-        <a:buFont typeface="Wingdings" pitchFamily="2" charset="2"/>
-        <a:buChar char="§"/>
-        <a:defRPr sz="1600" kern="1200">
-          <a:solidFill>
-            <a:schemeClr val="tx1"/>
-          </a:solidFill>
-          <a:latin typeface="+mn-lt"/>
-          <a:ea typeface="+mn-ea"/>
-          <a:cs typeface="+mn-cs"/>
-        </a:defRPr>
-      </a:lvl5pPr>
-      <a:lvl6pPr marL="1600000" indent="-228600" algn="l" defTabSz="914400" rtl="0" eaLnBrk="1" latinLnBrk="0" hangingPunct="1">
-        <a:lnSpc>
-          <a:spcPct val="90000"/>
-        </a:lnSpc>
-        <a:spcBef>
-          <a:spcPts val="400"/>
-        </a:spcBef>
-        <a:spcAft>
-          <a:spcPts val="200"/>
-        </a:spcAft>
-        <a:buClr>
-          <a:schemeClr val="accent1">
-            <a:lumMod val="75000"/>
-          </a:schemeClr>
-        </a:buClr>
-        <a:buSzPct val="85000"/>
-        <a:buFont typeface="Wingdings" pitchFamily="2" charset="2"/>
-        <a:buChar char="§"/>
-        <a:defRPr sz="1600" kern="1200">
-          <a:solidFill>
-            <a:schemeClr val="tx1"/>
-          </a:solidFill>
-          <a:latin typeface="+mn-lt"/>
-          <a:ea typeface="+mn-ea"/>
-          <a:cs typeface="+mn-cs"/>
-        </a:defRPr>
-      </a:lvl6pPr>
-      <a:lvl7pPr marL="1900000" indent="-228600" algn="l" defTabSz="914400" rtl="0" eaLnBrk="1" latinLnBrk="0" hangingPunct="1">
-        <a:lnSpc>
-          <a:spcPct val="90000"/>
-        </a:lnSpc>
-        <a:spcBef>
-          <a:spcPts val="400"/>
-        </a:spcBef>
-        <a:spcAft>
-          <a:spcPts val="200"/>
-        </a:spcAft>
-        <a:buClr>
-          <a:schemeClr val="accent1">
-            <a:lumMod val="75000"/>
-          </a:schemeClr>
-        </a:buClr>
-        <a:buSzPct val="85000"/>
-        <a:buFont typeface="Wingdings" pitchFamily="2" charset="2"/>
-        <a:buChar char="§"/>
-        <a:defRPr sz="1600" kern="1200">
-          <a:solidFill>
-            <a:schemeClr val="tx1"/>
-          </a:solidFill>
-          <a:latin typeface="+mn-lt"/>
-          <a:ea typeface="+mn-ea"/>
-          <a:cs typeface="+mn-cs"/>
-        </a:defRPr>
-      </a:lvl7pPr>
-      <a:lvl8pPr marL="2200000" indent="-228600" algn="l" defTabSz="914400" rtl="0" eaLnBrk="1" latinLnBrk="0" hangingPunct="1">
-        <a:lnSpc>
-          <a:spcPct val="90000"/>
-        </a:lnSpc>
-        <a:spcBef>
-          <a:spcPts val="400"/>
-        </a:spcBef>
-        <a:spcAft>
-          <a:spcPts val="200"/>
-        </a:spcAft>
-        <a:buClr>
-          <a:schemeClr val="accent1">
-            <a:lumMod val="75000"/>
-          </a:schemeClr>
-        </a:buClr>
-        <a:buSzPct val="85000"/>
-        <a:buFont typeface="Wingdings" pitchFamily="2" charset="2"/>
-        <a:buChar char="§"/>
-        <a:defRPr sz="1600" kern="1200">
-          <a:solidFill>
-            <a:schemeClr val="tx1"/>
-          </a:solidFill>
-          <a:latin typeface="+mn-lt"/>
-          <a:ea typeface="+mn-ea"/>
-          <a:cs typeface="+mn-cs"/>
-        </a:defRPr>
-      </a:lvl8pPr>
-      <a:lvl9pPr marL="2500000" indent="-228600" algn="l" defTabSz="914400" rtl="0" eaLnBrk="1" latinLnBrk="0" hangingPunct="1">
-        <a:lnSpc>
-          <a:spcPct val="90000"/>
-        </a:lnSpc>
-        <a:spcBef>
-          <a:spcPts val="400"/>
-        </a:spcBef>
-        <a:spcAft>
-          <a:spcPts val="200"/>
-        </a:spcAft>
-        <a:buClr>
-          <a:schemeClr val="accent1">
-            <a:lumMod val="75000"/>
-          </a:schemeClr>
-        </a:buClr>
-        <a:buSzPct val="85000"/>
-        <a:buFont typeface="Wingdings" pitchFamily="2" charset="2"/>
-        <a:buChar char="§"/>
-        <a:defRPr sz="1600" kern="1200">
-          <a:solidFill>
-            <a:schemeClr val="tx1"/>
-          </a:solidFill>
-          <a:latin typeface="+mn-lt"/>
-          <a:ea typeface="+mn-ea"/>
-          <a:cs typeface="+mn-cs"/>
-        </a:defRPr>
-      </a:lvl9pPr>
-    </p:bodyStyle>
-    <p:otherStyle>
-      <a:defPPr>
-        <a:defRPr lang="en-US"/>
-      </a:defPPr>
-      <a:lvl1pPr marL="0" algn="l" defTabSz="914400" rtl="0" eaLnBrk="1" latinLnBrk="0" hangingPunct="1">
-        <a:defRPr sz="1800" kern="1200">
-          <a:solidFill>
-            <a:schemeClr val="tx1"/>
-          </a:solidFill>
-          <a:latin typeface="+mn-lt"/>
-          <a:ea typeface="+mn-ea"/>
-          <a:cs typeface="+mn-cs"/>
-        </a:defRPr>
-      </a:lvl1pPr>
-      <a:lvl2pPr marL="457200" algn="l" defTabSz="914400" rtl="0" eaLnBrk="1" latinLnBrk="0" hangingPunct="1">
-        <a:defRPr sz="1800" kern="1200">
-          <a:solidFill>
-            <a:schemeClr val="tx1"/>
-          </a:solidFill>
-          <a:latin typeface="+mn-lt"/>
-          <a:ea typeface="+mn-ea"/>
-          <a:cs typeface="+mn-cs"/>
-        </a:defRPr>
-      </a:lvl2pPr>
-      <a:lvl3pPr marL="914400" algn="l" defTabSz="914400" rtl="0" eaLnBrk="1" latinLnBrk="0" hangingPunct="1">
+      <a:lvl3pPr marL="914400" algn="l" defTabSz="457200" rtl="0" eaLnBrk="1" latinLnBrk="0" hangingPunct="1">
         <a:defRPr sz="1800" kern="1200">
           <a:solidFill>
             <a:schemeClr val="tx1"/>
@@ -3881,7 +5838,7 @@
           <a:cs typeface="+mn-cs"/>
         </a:defRPr>
       </a:lvl3pPr>
-      <a:lvl4pPr marL="1371600" algn="l" defTabSz="914400" rtl="0" eaLnBrk="1" latinLnBrk="0" hangingPunct="1">
+      <a:lvl4pPr marL="1371600" algn="l" defTabSz="457200" rtl="0" eaLnBrk="1" latinLnBrk="0" hangingPunct="1">
         <a:defRPr sz="1800" kern="1200">
           <a:solidFill>
             <a:schemeClr val="tx1"/>
@@ -3891,7 +5848,7 @@
           <a:cs typeface="+mn-cs"/>
         </a:defRPr>
       </a:lvl4pPr>
-      <a:lvl5pPr marL="1828800" algn="l" defTabSz="914400" rtl="0" eaLnBrk="1" latinLnBrk="0" hangingPunct="1">
+      <a:lvl5pPr marL="1828800" algn="l" defTabSz="457200" rtl="0" eaLnBrk="1" latinLnBrk="0" hangingPunct="1">
         <a:defRPr sz="1800" kern="1200">
           <a:solidFill>
             <a:schemeClr val="tx1"/>
@@ -3901,7 +5858,7 @@
           <a:cs typeface="+mn-cs"/>
         </a:defRPr>
       </a:lvl5pPr>
-      <a:lvl6pPr marL="2286000" algn="l" defTabSz="914400" rtl="0" eaLnBrk="1" latinLnBrk="0" hangingPunct="1">
+      <a:lvl6pPr marL="2286000" algn="l" defTabSz="457200" rtl="0" eaLnBrk="1" latinLnBrk="0" hangingPunct="1">
         <a:defRPr sz="1800" kern="1200">
           <a:solidFill>
             <a:schemeClr val="tx1"/>
@@ -3911,7 +5868,7 @@
           <a:cs typeface="+mn-cs"/>
         </a:defRPr>
       </a:lvl6pPr>
-      <a:lvl7pPr marL="2743200" algn="l" defTabSz="914400" rtl="0" eaLnBrk="1" latinLnBrk="0" hangingPunct="1">
+      <a:lvl7pPr marL="2743200" algn="l" defTabSz="457200" rtl="0" eaLnBrk="1" latinLnBrk="0" hangingPunct="1">
         <a:defRPr sz="1800" kern="1200">
           <a:solidFill>
             <a:schemeClr val="tx1"/>
@@ -3921,7 +5878,7 @@
           <a:cs typeface="+mn-cs"/>
         </a:defRPr>
       </a:lvl7pPr>
-      <a:lvl8pPr marL="3200400" algn="l" defTabSz="914400" rtl="0" eaLnBrk="1" latinLnBrk="0" hangingPunct="1">
+      <a:lvl8pPr marL="3200400" algn="l" defTabSz="457200" rtl="0" eaLnBrk="1" latinLnBrk="0" hangingPunct="1">
         <a:defRPr sz="1800" kern="1200">
           <a:solidFill>
             <a:schemeClr val="tx1"/>
@@ -3931,7 +5888,7 @@
           <a:cs typeface="+mn-cs"/>
         </a:defRPr>
       </a:lvl8pPr>
-      <a:lvl9pPr marL="3657600" algn="l" defTabSz="914400" rtl="0" eaLnBrk="1" latinLnBrk="0" hangingPunct="1">
+      <a:lvl9pPr marL="3657600" algn="l" defTabSz="457200" rtl="0" eaLnBrk="1" latinLnBrk="0" hangingPunct="1">
         <a:defRPr sz="1800" kern="1200">
           <a:solidFill>
             <a:schemeClr val="tx1"/>
@@ -3968,7 +5925,7 @@
           <p:cNvPr id="2" name="Título 1">
             <a:extLst>
               <a:ext uri="{FF2B5EF4-FFF2-40B4-BE49-F238E27FC236}">
-                <a16:creationId xmlns:a16="http://schemas.microsoft.com/office/drawing/2014/main" id="{3C5B0195-F434-4A54-A189-12D05B49BE72}"/>
+                <a16:creationId xmlns:a16="http://schemas.microsoft.com/office/drawing/2014/main" id="{29E9BC3A-E8F0-4468-9CC3-38DC2B3BF585}"/>
               </a:ext>
             </a:extLst>
           </p:cNvPr>
@@ -3993,7 +5950,7 @@
           <p:cNvPr id="3" name="Subtítulo 2">
             <a:extLst>
               <a:ext uri="{FF2B5EF4-FFF2-40B4-BE49-F238E27FC236}">
-                <a16:creationId xmlns:a16="http://schemas.microsoft.com/office/drawing/2014/main" id="{3F34BA8C-64C4-4AB2-9826-751D80772952}"/>
+                <a16:creationId xmlns:a16="http://schemas.microsoft.com/office/drawing/2014/main" id="{AB5C1763-1D6D-4D68-8572-0E5303EF11C8}"/>
               </a:ext>
             </a:extLst>
           </p:cNvPr>
@@ -4016,7 +5973,7 @@
     </p:spTree>
     <p:extLst>
       <p:ext uri="{BB962C8B-B14F-4D97-AF65-F5344CB8AC3E}">
-        <p14:creationId xmlns:p14="http://schemas.microsoft.com/office/powerpoint/2010/main" val="3295526603"/>
+        <p14:creationId xmlns:p14="http://schemas.microsoft.com/office/powerpoint/2010/main" val="1162253449"/>
       </p:ext>
     </p:extLst>
   </p:cSld>
@@ -4048,7 +6005,7 @@
           <p:cNvPr id="2" name="Título 1">
             <a:extLst>
               <a:ext uri="{FF2B5EF4-FFF2-40B4-BE49-F238E27FC236}">
-                <a16:creationId xmlns:a16="http://schemas.microsoft.com/office/drawing/2014/main" id="{7974C1D7-3663-49E1-8F5F-B53C6E0639E9}"/>
+                <a16:creationId xmlns:a16="http://schemas.microsoft.com/office/drawing/2014/main" id="{A424281E-5478-4524-9362-673DE0B787C9}"/>
               </a:ext>
             </a:extLst>
           </p:cNvPr>
@@ -4073,7 +6030,7 @@
           <p:cNvPr id="3" name="Marcador de contenido 2">
             <a:extLst>
               <a:ext uri="{FF2B5EF4-FFF2-40B4-BE49-F238E27FC236}">
-                <a16:creationId xmlns:a16="http://schemas.microsoft.com/office/drawing/2014/main" id="{C994923F-B090-47CC-BBF9-3FFC9C6DDADF}"/>
+                <a16:creationId xmlns:a16="http://schemas.microsoft.com/office/drawing/2014/main" id="{BA93D125-581B-476B-AC78-2D37C278E619}"/>
               </a:ext>
             </a:extLst>
           </p:cNvPr>
@@ -4096,7 +6053,7 @@
     </p:spTree>
     <p:extLst>
       <p:ext uri="{BB962C8B-B14F-4D97-AF65-F5344CB8AC3E}">
-        <p14:creationId xmlns:p14="http://schemas.microsoft.com/office/powerpoint/2010/main" val="2657661244"/>
+        <p14:creationId xmlns:p14="http://schemas.microsoft.com/office/powerpoint/2010/main" val="1964954577"/>
       </p:ext>
     </p:extLst>
   </p:cSld>
@@ -4128,7 +6085,7 @@
           <p:cNvPr id="2" name="Título 1">
             <a:extLst>
               <a:ext uri="{FF2B5EF4-FFF2-40B4-BE49-F238E27FC236}">
-                <a16:creationId xmlns:a16="http://schemas.microsoft.com/office/drawing/2014/main" id="{FA8AF8B0-39E4-4652-B88B-EB147F055D8D}"/>
+                <a16:creationId xmlns:a16="http://schemas.microsoft.com/office/drawing/2014/main" id="{4131385D-6E4C-42B8-B07E-0520A1BD659C}"/>
               </a:ext>
             </a:extLst>
           </p:cNvPr>
@@ -4153,7 +6110,7 @@
           <p:cNvPr id="3" name="Marcador de contenido 2">
             <a:extLst>
               <a:ext uri="{FF2B5EF4-FFF2-40B4-BE49-F238E27FC236}">
-                <a16:creationId xmlns:a16="http://schemas.microsoft.com/office/drawing/2014/main" id="{58DF1DEE-1DEF-4458-9F8B-C34FB49151B8}"/>
+                <a16:creationId xmlns:a16="http://schemas.microsoft.com/office/drawing/2014/main" id="{1D458C85-57EB-4867-B407-A33517806D48}"/>
               </a:ext>
             </a:extLst>
           </p:cNvPr>
@@ -4176,7 +6133,7 @@
     </p:spTree>
     <p:extLst>
       <p:ext uri="{BB962C8B-B14F-4D97-AF65-F5344CB8AC3E}">
-        <p14:creationId xmlns:p14="http://schemas.microsoft.com/office/powerpoint/2010/main" val="2453037641"/>
+        <p14:creationId xmlns:p14="http://schemas.microsoft.com/office/powerpoint/2010/main" val="4027743101"/>
       </p:ext>
     </p:extLst>
   </p:cSld>
@@ -4187,9 +6144,9 @@
 </file>
 
 <file path=ppt/theme/theme1.xml><?xml version="1.0" encoding="utf-8"?>
-<a:theme xmlns:a="http://schemas.openxmlformats.org/drawingml/2006/main" name="Letras en madera">
+<a:theme xmlns:a="http://schemas.openxmlformats.org/drawingml/2006/main" name="Ion">
   <a:themeElements>
-    <a:clrScheme name="Wood Type">
+    <a:clrScheme name="Ion">
       <a:dk1>
         <a:sysClr val="windowText" lastClr="000000"/>
       </a:dk1>
@@ -4197,86 +6154,48 @@
         <a:sysClr val="window" lastClr="FFFFFF"/>
       </a:lt1>
       <a:dk2>
-        <a:srgbClr val="696464"/>
+        <a:srgbClr val="0E5580"/>
       </a:dk2>
       <a:lt2>
-        <a:srgbClr val="E9E5DC"/>
+        <a:srgbClr val="EBEBEB"/>
       </a:lt2>
       <a:accent1>
-        <a:srgbClr val="D34817"/>
+        <a:srgbClr val="ACD433"/>
       </a:accent1>
       <a:accent2>
-        <a:srgbClr val="9B2D1F"/>
+        <a:srgbClr val="E6C133"/>
       </a:accent2>
       <a:accent3>
-        <a:srgbClr val="A28E6A"/>
+        <a:srgbClr val="EF7A24"/>
       </a:accent3>
       <a:accent4>
-        <a:srgbClr val="956251"/>
+        <a:srgbClr val="5AA0F5"/>
       </a:accent4>
       <a:accent5>
-        <a:srgbClr val="918485"/>
+        <a:srgbClr val="75CEEC"/>
       </a:accent5>
       <a:accent6>
-        <a:srgbClr val="855D5D"/>
+        <a:srgbClr val="65D6A0"/>
       </a:accent6>
       <a:hlink>
-        <a:srgbClr val="CC9900"/>
+        <a:srgbClr val="C4E46E"/>
       </a:hlink>
       <a:folHlink>
-        <a:srgbClr val="96A9A9"/>
+        <a:srgbClr val="BDE0FB"/>
       </a:folHlink>
     </a:clrScheme>
-    <a:fontScheme name="Wood Type">
+    <a:fontScheme name="Ion">
       <a:majorFont>
-        <a:latin typeface="Rockwell Condensed" panose="02060603050405020104"/>
+        <a:latin typeface="Century Gothic" panose="020B0502020202020204"/>
         <a:ea typeface=""/>
         <a:cs typeface=""/>
-        <a:font script="Grek" typeface="Cambria"/>
-        <a:font script="Cyrl" typeface="Cambria"/>
-        <a:font script="Jpan" typeface="HG明朝B"/>
-        <a:font script="Hang" typeface="바탕"/>
-        <a:font script="Hans" typeface="方正姚体"/>
-        <a:font script="Hant" typeface="微軟正黑體"/>
+        <a:font script="Jpan" typeface="メイリオ"/>
+        <a:font script="Hang" typeface="맑은 고딕"/>
+        <a:font script="Hans" typeface="宋体"/>
+        <a:font script="Hant" typeface="新細明體"/>
         <a:font script="Arab" typeface="Times New Roman"/>
-        <a:font script="Hebr" typeface="David"/>
-        <a:font script="Thai" typeface="JasmineUPC"/>
-        <a:font script="Ethi" typeface="Nyala"/>
-        <a:font script="Beng" typeface="Vrinda"/>
-        <a:font script="Gujr" typeface="Shruti"/>
-        <a:font script="Khmr" typeface="MoolBoran"/>
-        <a:font script="Knda" typeface="Tunga"/>
-        <a:font script="Guru" typeface="Raavi"/>
-        <a:font script="Cans" typeface="Euphemia"/>
-        <a:font script="Cher" typeface="Plantagenet Cherokee"/>
-        <a:font script="Yiii" typeface="Microsoft Yi Baiti"/>
-        <a:font script="Tibt" typeface="Microsoft Himalaya"/>
-        <a:font script="Thaa" typeface="MV Boli"/>
-        <a:font script="Deva" typeface="Mangal"/>
-        <a:font script="Telu" typeface="Gautami"/>
-        <a:font script="Taml" typeface="Latha"/>
-        <a:font script="Syrc" typeface="Estrangelo Edessa"/>
-        <a:font script="Orya" typeface="Kalinga"/>
-        <a:font script="Mlym" typeface="Kartika"/>
-        <a:font script="Laoo" typeface="DokChampa"/>
-        <a:font script="Sinh" typeface="Iskoola Pota"/>
-        <a:font script="Mong" typeface="Mongolian Baiti"/>
-        <a:font script="Viet" typeface="Arial"/>
-        <a:font script="Uigh" typeface="Microsoft Uighur"/>
-      </a:majorFont>
-      <a:minorFont>
-        <a:latin typeface="Rockwell" panose="02060603020205020403"/>
-        <a:ea typeface=""/>
-        <a:cs typeface=""/>
-        <a:font script="Grek" typeface="Cambria"/>
-        <a:font script="Cyrl" typeface="Cambria"/>
-        <a:font script="Jpan" typeface="HG明朝B"/>
-        <a:font script="Hang" typeface="바탕"/>
-        <a:font script="Hans" typeface="方正姚体"/>
-        <a:font script="Hant" typeface="標楷體"/>
-        <a:font script="Arab" typeface="Times New Roman"/>
-        <a:font script="Hebr" typeface="David"/>
-        <a:font script="Thai" typeface="JasmineUPC"/>
+        <a:font script="Hebr" typeface="Times New Roman"/>
+        <a:font script="Thai" typeface="Angsana New"/>
         <a:font script="Ethi" typeface="Nyala"/>
         <a:font script="Beng" typeface="Vrinda"/>
         <a:font script="Gujr" typeface="Shruti"/>
@@ -4299,57 +6218,99 @@
         <a:font script="Mong" typeface="Mongolian Baiti"/>
         <a:font script="Viet" typeface="Times New Roman"/>
         <a:font script="Uigh" typeface="Microsoft Uighur"/>
+        <a:font script="Geor" typeface="Sylfaen"/>
+      </a:majorFont>
+      <a:minorFont>
+        <a:latin typeface="Century Gothic" panose="020B0502020202020204"/>
+        <a:ea typeface=""/>
+        <a:cs typeface=""/>
+        <a:font script="Jpan" typeface="メイリオ"/>
+        <a:font script="Hang" typeface="맑은 고딕"/>
+        <a:font script="Hans" typeface="宋体"/>
+        <a:font script="Hant" typeface="新細明體"/>
+        <a:font script="Arab" typeface="Arial"/>
+        <a:font script="Hebr" typeface="Arial"/>
+        <a:font script="Thai" typeface="Cordia New"/>
+        <a:font script="Ethi" typeface="Nyala"/>
+        <a:font script="Beng" typeface="Vrinda"/>
+        <a:font script="Gujr" typeface="Shruti"/>
+        <a:font script="Khmr" typeface="DaunPenh"/>
+        <a:font script="Knda" typeface="Tunga"/>
+        <a:font script="Guru" typeface="Raavi"/>
+        <a:font script="Cans" typeface="Euphemia"/>
+        <a:font script="Cher" typeface="Plantagenet Cherokee"/>
+        <a:font script="Yiii" typeface="Microsoft Yi Baiti"/>
+        <a:font script="Tibt" typeface="Microsoft Himalaya"/>
+        <a:font script="Thaa" typeface="MV Boli"/>
+        <a:font script="Deva" typeface="Mangal"/>
+        <a:font script="Telu" typeface="Gautami"/>
+        <a:font script="Taml" typeface="Latha"/>
+        <a:font script="Syrc" typeface="Estrangelo Edessa"/>
+        <a:font script="Orya" typeface="Kalinga"/>
+        <a:font script="Mlym" typeface="Kartika"/>
+        <a:font script="Laoo" typeface="DokChampa"/>
+        <a:font script="Sinh" typeface="Iskoola Pota"/>
+        <a:font script="Mong" typeface="Mongolian Baiti"/>
+        <a:font script="Viet" typeface="Arial"/>
+        <a:font script="Uigh" typeface="Microsoft Uighur"/>
+        <a:font script="Geor" typeface="Sylfaen"/>
       </a:minorFont>
     </a:fontScheme>
-    <a:fmtScheme name="Wood Type">
+    <a:fmtScheme name="Ion">
       <a:fillStyleLst>
         <a:solidFill>
           <a:schemeClr val="phClr"/>
         </a:solidFill>
-        <a:blipFill rotWithShape="1">
-          <a:blip xmlns:r="http://schemas.openxmlformats.org/officeDocument/2006/relationships" r:embed="rId1">
-            <a:duotone>
+        <a:gradFill rotWithShape="1">
+          <a:gsLst>
+            <a:gs pos="0">
               <a:schemeClr val="phClr">
-                <a:tint val="70000"/>
-                <a:shade val="63000"/>
+                <a:tint val="64000"/>
+                <a:lumMod val="118000"/>
               </a:schemeClr>
+            </a:gs>
+            <a:gs pos="100000">
               <a:schemeClr val="phClr">
-                <a:tint val="10000"/>
-                <a:satMod val="150000"/>
+                <a:tint val="92000"/>
+                <a:alpha val="100000"/>
+                <a:lumMod val="110000"/>
               </a:schemeClr>
-            </a:duotone>
-          </a:blip>
-          <a:tile tx="0" ty="0" sx="60000" sy="59000" flip="none" algn="tl"/>
-        </a:blipFill>
-        <a:blipFill rotWithShape="1">
-          <a:blip xmlns:r="http://schemas.openxmlformats.org/officeDocument/2006/relationships" r:embed="rId1">
-            <a:duotone>
+            </a:gs>
+          </a:gsLst>
+          <a:lin ang="5400000" scaled="0"/>
+        </a:gradFill>
+        <a:gradFill rotWithShape="1">
+          <a:gsLst>
+            <a:gs pos="0">
               <a:schemeClr val="phClr">
-                <a:shade val="36000"/>
-                <a:satMod val="120000"/>
+                <a:tint val="98000"/>
+                <a:lumMod val="114000"/>
               </a:schemeClr>
+            </a:gs>
+            <a:gs pos="100000">
               <a:schemeClr val="phClr">
-                <a:tint val="40000"/>
+                <a:shade val="90000"/>
+                <a:lumMod val="84000"/>
               </a:schemeClr>
-            </a:duotone>
-          </a:blip>
-          <a:tile tx="0" ty="0" sx="60000" sy="59000" flip="none" algn="tl"/>
-        </a:blipFill>
+            </a:gs>
+          </a:gsLst>
+          <a:lin ang="5400000" scaled="0"/>
+        </a:gradFill>
       </a:fillStyleLst>
       <a:lnStyleLst>
-        <a:ln w="6350" cap="flat" cmpd="sng" algn="ctr">
+        <a:ln w="9525" cap="rnd" cmpd="sng" algn="ctr">
           <a:solidFill>
             <a:schemeClr val="phClr"/>
           </a:solidFill>
           <a:prstDash val="solid"/>
         </a:ln>
-        <a:ln w="12700" cap="flat" cmpd="sng" algn="ctr">
+        <a:ln w="19050" cap="rnd" cmpd="sng" algn="ctr">
           <a:solidFill>
             <a:schemeClr val="phClr"/>
           </a:solidFill>
           <a:prstDash val="solid"/>
         </a:ln>
-        <a:ln w="19050" cap="flat" cmpd="sng" algn="ctr">
+        <a:ln w="28575" cap="rnd" cmpd="sng" algn="ctr">
           <a:solidFill>
             <a:schemeClr val="phClr"/>
           </a:solidFill>
@@ -4362,45 +6323,77 @@
         </a:effectStyle>
         <a:effectStyle>
           <a:effectLst>
-            <a:softEdge rad="12700"/>
+            <a:outerShdw blurRad="38100" dist="25400" dir="5400000" rotWithShape="0">
+              <a:srgbClr val="000000">
+                <a:alpha val="45000"/>
+              </a:srgbClr>
+            </a:outerShdw>
           </a:effectLst>
         </a:effectStyle>
         <a:effectStyle>
           <a:effectLst>
-            <a:outerShdw blurRad="50800" dist="19050" dir="5400000" algn="tl" rotWithShape="0">
+            <a:outerShdw blurRad="63500" dist="38100" dir="5400000" rotWithShape="0">
               <a:srgbClr val="000000">
                 <a:alpha val="60000"/>
               </a:srgbClr>
             </a:outerShdw>
-            <a:softEdge rad="12700"/>
           </a:effectLst>
+          <a:scene3d>
+            <a:camera prst="orthographicFront">
+              <a:rot lat="0" lon="0" rev="0"/>
+            </a:camera>
+            <a:lightRig rig="threePt" dir="tl"/>
+          </a:scene3d>
+          <a:sp3d prstMaterial="plastic">
+            <a:bevelT w="0" h="0"/>
+          </a:sp3d>
         </a:effectStyle>
       </a:effectStyleLst>
       <a:bgFillStyleLst>
         <a:solidFill>
           <a:schemeClr val="phClr"/>
         </a:solidFill>
-        <a:solidFill>
-          <a:schemeClr val="phClr">
-            <a:shade val="97000"/>
-            <a:satMod val="150000"/>
-          </a:schemeClr>
-        </a:solidFill>
+        <a:gradFill rotWithShape="1">
+          <a:gsLst>
+            <a:gs pos="0">
+              <a:schemeClr val="phClr">
+                <a:tint val="92000"/>
+                <a:hueMod val="96000"/>
+                <a:satMod val="128000"/>
+                <a:lumMod val="114000"/>
+              </a:schemeClr>
+            </a:gs>
+            <a:gs pos="100000">
+              <a:schemeClr val="phClr">
+                <a:shade val="62000"/>
+                <a:hueMod val="100000"/>
+                <a:satMod val="134000"/>
+                <a:lumMod val="56000"/>
+              </a:schemeClr>
+            </a:gs>
+          </a:gsLst>
+          <a:path path="circle">
+            <a:fillToRect l="45000" t="65000" r="125000" b="100000"/>
+          </a:path>
+        </a:gradFill>
         <a:blipFill rotWithShape="1">
           <a:blip xmlns:r="http://schemas.openxmlformats.org/officeDocument/2006/relationships" r:embed="rId1">
             <a:duotone>
               <a:schemeClr val="phClr">
-                <a:tint val="75000"/>
-                <a:shade val="58000"/>
-                <a:satMod val="120000"/>
+                <a:shade val="62000"/>
+                <a:hueMod val="108000"/>
+                <a:satMod val="164000"/>
+                <a:lumMod val="69000"/>
               </a:schemeClr>
               <a:schemeClr val="phClr">
-                <a:tint val="50000"/>
-                <a:shade val="96000"/>
+                <a:tint val="96000"/>
+                <a:hueMod val="90000"/>
+                <a:satMod val="130000"/>
+                <a:lumMod val="134000"/>
               </a:schemeClr>
             </a:duotone>
           </a:blip>
-          <a:tile tx="0" ty="0" sx="100000" sy="100000" flip="none" algn="tl"/>
+          <a:stretch/>
         </a:blipFill>
       </a:bgFillStyleLst>
     </a:fmtScheme>
@@ -4409,7 +6402,7 @@
   <a:extraClrSchemeLst/>
   <a:extLst>
     <a:ext uri="{05A4C25C-085E-4340-85A3-A5531E510DB2}">
-      <thm15:themeFamily xmlns:thm15="http://schemas.microsoft.com/office/thememl/2012/main" name="Wood Type" id="{7ACABC62-BF99-48CF-A9DC-4DB89C7B13DC}" vid="{142A1326-48AB-42A9-8428-CB14AA30176D}"/>
+      <thm15:themeFamily xmlns:thm15="http://schemas.microsoft.com/office/thememl/2012/main" name="Ion" id="{B8441ADB-2E43-4AF7-B97A-BD870242C6A8}" vid="{BACC050B-8757-4460-95D8-E37B46A6B421}"/>
     </a:ext>
   </a:extLst>
 </a:theme>
